--- a/Oct2020Presentation/CCRAdjustmentFormulas_October2021.pptx
+++ b/Oct2020Presentation/CCRAdjustmentFormulas_October2021.pptx
@@ -200,7 +200,7 @@
           <a:p>
             <a:fld id="{C8B2538F-CEF2-4206-811E-46FB7A40C7D9}" type="datetimeFigureOut">
               <a:rPr lang="en-US" smtClean="0"/>
-              <a:t>10/21/2021</a:t>
+              <a:t>11/11/2021</a:t>
             </a:fld>
             <a:endParaRPr lang="en-US"/>
           </a:p>
@@ -1433,7 +1433,7 @@
           <a:p>
             <a:fld id="{6477033C-1908-4D55-B5F5-2B69626C8241}" type="datetimeFigureOut">
               <a:rPr lang="en-US" smtClean="0"/>
-              <a:t>10/21/2021</a:t>
+              <a:t>11/11/2021</a:t>
             </a:fld>
             <a:endParaRPr lang="en-US"/>
           </a:p>
@@ -1631,7 +1631,7 @@
           <a:p>
             <a:fld id="{6477033C-1908-4D55-B5F5-2B69626C8241}" type="datetimeFigureOut">
               <a:rPr lang="en-US" smtClean="0"/>
-              <a:t>10/21/2021</a:t>
+              <a:t>11/11/2021</a:t>
             </a:fld>
             <a:endParaRPr lang="en-US"/>
           </a:p>
@@ -1839,7 +1839,7 @@
           <a:p>
             <a:fld id="{6477033C-1908-4D55-B5F5-2B69626C8241}" type="datetimeFigureOut">
               <a:rPr lang="en-US" smtClean="0"/>
-              <a:t>10/21/2021</a:t>
+              <a:t>11/11/2021</a:t>
             </a:fld>
             <a:endParaRPr lang="en-US"/>
           </a:p>
@@ -2037,7 +2037,7 @@
           <a:p>
             <a:fld id="{6477033C-1908-4D55-B5F5-2B69626C8241}" type="datetimeFigureOut">
               <a:rPr lang="en-US" smtClean="0"/>
-              <a:t>10/21/2021</a:t>
+              <a:t>11/11/2021</a:t>
             </a:fld>
             <a:endParaRPr lang="en-US"/>
           </a:p>
@@ -2312,7 +2312,7 @@
           <a:p>
             <a:fld id="{6477033C-1908-4D55-B5F5-2B69626C8241}" type="datetimeFigureOut">
               <a:rPr lang="en-US" smtClean="0"/>
-              <a:t>10/21/2021</a:t>
+              <a:t>11/11/2021</a:t>
             </a:fld>
             <a:endParaRPr lang="en-US"/>
           </a:p>
@@ -2577,7 +2577,7 @@
           <a:p>
             <a:fld id="{6477033C-1908-4D55-B5F5-2B69626C8241}" type="datetimeFigureOut">
               <a:rPr lang="en-US" smtClean="0"/>
-              <a:t>10/21/2021</a:t>
+              <a:t>11/11/2021</a:t>
             </a:fld>
             <a:endParaRPr lang="en-US"/>
           </a:p>
@@ -2989,7 +2989,7 @@
           <a:p>
             <a:fld id="{6477033C-1908-4D55-B5F5-2B69626C8241}" type="datetimeFigureOut">
               <a:rPr lang="en-US" smtClean="0"/>
-              <a:t>10/21/2021</a:t>
+              <a:t>11/11/2021</a:t>
             </a:fld>
             <a:endParaRPr lang="en-US"/>
           </a:p>
@@ -3130,7 +3130,7 @@
           <a:p>
             <a:fld id="{6477033C-1908-4D55-B5F5-2B69626C8241}" type="datetimeFigureOut">
               <a:rPr lang="en-US" smtClean="0"/>
-              <a:t>10/21/2021</a:t>
+              <a:t>11/11/2021</a:t>
             </a:fld>
             <a:endParaRPr lang="en-US"/>
           </a:p>
@@ -3243,7 +3243,7 @@
           <a:p>
             <a:fld id="{6477033C-1908-4D55-B5F5-2B69626C8241}" type="datetimeFigureOut">
               <a:rPr lang="en-US" smtClean="0"/>
-              <a:t>10/21/2021</a:t>
+              <a:t>11/11/2021</a:t>
             </a:fld>
             <a:endParaRPr lang="en-US"/>
           </a:p>
@@ -3554,7 +3554,7 @@
           <a:p>
             <a:fld id="{6477033C-1908-4D55-B5F5-2B69626C8241}" type="datetimeFigureOut">
               <a:rPr lang="en-US" smtClean="0"/>
-              <a:t>10/21/2021</a:t>
+              <a:t>11/11/2021</a:t>
             </a:fld>
             <a:endParaRPr lang="en-US"/>
           </a:p>
@@ -3842,7 +3842,7 @@
           <a:p>
             <a:fld id="{6477033C-1908-4D55-B5F5-2B69626C8241}" type="datetimeFigureOut">
               <a:rPr lang="en-US" smtClean="0"/>
-              <a:t>10/21/2021</a:t>
+              <a:t>11/11/2021</a:t>
             </a:fld>
             <a:endParaRPr lang="en-US"/>
           </a:p>
@@ -4083,7 +4083,7 @@
           <a:p>
             <a:fld id="{6477033C-1908-4D55-B5F5-2B69626C8241}" type="datetimeFigureOut">
               <a:rPr lang="en-US" smtClean="0"/>
-              <a:t>10/21/2021</a:t>
+              <a:t>11/11/2021</a:t>
             </a:fld>
             <a:endParaRPr lang="en-US"/>
           </a:p>
@@ -4500,8 +4500,8 @@
           <a:chExt cx="0" cy="0"/>
         </a:xfrm>
       </p:grpSpPr>
-      <mc:AlternateContent xmlns:mc="http://schemas.openxmlformats.org/markup-compatibility/2006" xmlns:a14="http://schemas.microsoft.com/office/drawing/2010/main">
-        <mc:Choice Requires="a14">
+      <mc:AlternateContent xmlns:mc="http://schemas.openxmlformats.org/markup-compatibility/2006">
+        <mc:Choice xmlns:a14="http://schemas.microsoft.com/office/drawing/2010/main" Requires="a14">
           <p:sp>
             <p:nvSpPr>
               <p:cNvPr id="6" name="TextBox 5">
@@ -4517,7 +4517,7 @@
             <p:spPr>
               <a:xfrm>
                 <a:off x="256032" y="3794760"/>
-                <a:ext cx="11448288" cy="1938992"/>
+                <a:ext cx="11448288" cy="2308324"/>
               </a:xfrm>
               <a:prstGeom prst="rect">
                 <a:avLst/>
@@ -4551,7 +4551,7 @@
                 </a:r>
                 <a:r>
                   <a:rPr lang="en-US" sz="2400" dirty="0"/>
-                  <a:t> is “implied TFR” from </a:t>
+                  <a:t> is “implied TFR” – this is from </a:t>
                 </a:r>
                 <a:r>
                   <a:rPr lang="de-DE" sz="2400" b="0" i="0" dirty="0">
@@ -4560,7 +4560,7 @@
                     </a:solidFill>
                     <a:effectLst/>
                   </a:rPr>
-                  <a:t>Hauer, Schmertmann (2019), and Hauer, Baker, Brown (2013)</a:t>
+                  <a:t>Hauer, Schmertmann (2019), and Hauer, Baker, Brown (2013), where: </a:t>
                 </a:r>
                 <a:endParaRPr lang="en-US" sz="2400" i="1" dirty="0">
                   <a:solidFill>
@@ -4673,7 +4673,7 @@
             </p:txBody>
           </p:sp>
         </mc:Choice>
-        <mc:Fallback xmlns="">
+        <mc:Fallback>
           <p:sp>
             <p:nvSpPr>
               <p:cNvPr id="6" name="TextBox 5">
@@ -4691,7 +4691,7 @@
             <p:spPr>
               <a:xfrm>
                 <a:off x="256032" y="3794760"/>
-                <a:ext cx="11448288" cy="1938992"/>
+                <a:ext cx="11448288" cy="2308324"/>
               </a:xfrm>
               <a:prstGeom prst="rect">
                 <a:avLst/>
@@ -4699,7 +4699,7 @@
               <a:blipFill>
                 <a:blip r:embed="rId3"/>
                 <a:stretch>
-                  <a:fillRect l="-426" t="-2516" b="-5975"/>
+                  <a:fillRect l="-799" t="-2116" r="-373" b="-5026"/>
                 </a:stretch>
               </a:blipFill>
             </p:spPr>
@@ -4718,8 +4718,8 @@
           </p:sp>
         </mc:Fallback>
       </mc:AlternateContent>
-      <mc:AlternateContent xmlns:mc="http://schemas.openxmlformats.org/markup-compatibility/2006">
-        <mc:Choice xmlns:a14="http://schemas.microsoft.com/office/drawing/2010/main" Requires="a14">
+      <mc:AlternateContent xmlns:mc="http://schemas.openxmlformats.org/markup-compatibility/2006" xmlns:a14="http://schemas.microsoft.com/office/drawing/2010/main">
+        <mc:Choice Requires="a14">
           <p:sp>
             <p:nvSpPr>
               <p:cNvPr id="4" name="TextBox 3">
@@ -4874,7 +4874,7 @@
             </p:txBody>
           </p:sp>
         </mc:Choice>
-        <mc:Fallback>
+        <mc:Fallback xmlns="">
           <p:sp>
             <p:nvSpPr>
               <p:cNvPr id="4" name="TextBox 3">
@@ -4919,8 +4919,8 @@
           </p:sp>
         </mc:Fallback>
       </mc:AlternateContent>
-      <mc:AlternateContent xmlns:mc="http://schemas.openxmlformats.org/markup-compatibility/2006">
-        <mc:Choice xmlns:a14="http://schemas.microsoft.com/office/drawing/2010/main" Requires="a14">
+      <mc:AlternateContent xmlns:mc="http://schemas.openxmlformats.org/markup-compatibility/2006" xmlns:a14="http://schemas.microsoft.com/office/drawing/2010/main">
+        <mc:Choice Requires="a14">
           <p:sp>
             <p:nvSpPr>
               <p:cNvPr id="5" name="TextBox 4">
@@ -5068,7 +5068,7 @@
             </p:txBody>
           </p:sp>
         </mc:Choice>
-        <mc:Fallback>
+        <mc:Fallback xmlns="">
           <p:sp>
             <p:nvSpPr>
               <p:cNvPr id="5" name="TextBox 4">
@@ -7006,8 +7006,8 @@
           </p:sp>
         </mc:Fallback>
       </mc:AlternateContent>
-      <mc:AlternateContent xmlns:mc="http://schemas.openxmlformats.org/markup-compatibility/2006">
-        <mc:Choice xmlns:a14="http://schemas.microsoft.com/office/drawing/2010/main" Requires="a14">
+      <mc:AlternateContent xmlns:mc="http://schemas.openxmlformats.org/markup-compatibility/2006" xmlns:a14="http://schemas.microsoft.com/office/drawing/2010/main">
+        <mc:Choice Requires="a14">
           <p:sp>
             <p:nvSpPr>
               <p:cNvPr id="9" name="TextBox 8">
@@ -7320,7 +7320,7 @@
             </p:txBody>
           </p:sp>
         </mc:Choice>
-        <mc:Fallback>
+        <mc:Fallback xmlns="">
           <p:sp>
             <p:nvSpPr>
               <p:cNvPr id="9" name="TextBox 8">

--- a/Oct2020Presentation/CCRAdjustmentFormulas_October2021.pptx
+++ b/Oct2020Presentation/CCRAdjustmentFormulas_October2021.pptx
@@ -5,13 +5,14 @@
     <p:sldMasterId id="2147483648" r:id="rId1"/>
   </p:sldMasterIdLst>
   <p:notesMasterIdLst>
-    <p:notesMasterId r:id="rId6"/>
+    <p:notesMasterId r:id="rId7"/>
   </p:notesMasterIdLst>
   <p:sldIdLst>
     <p:sldId id="276" r:id="rId2"/>
     <p:sldId id="279" r:id="rId3"/>
-    <p:sldId id="277" r:id="rId4"/>
-    <p:sldId id="278" r:id="rId5"/>
+    <p:sldId id="278" r:id="rId4"/>
+    <p:sldId id="280" r:id="rId5"/>
+    <p:sldId id="277" r:id="rId6"/>
   </p:sldIdLst>
   <p:sldSz cx="12192000" cy="6858000"/>
   <p:notesSz cx="6858000" cy="9144000"/>
@@ -200,7 +201,7 @@
           <a:p>
             <a:fld id="{C8B2538F-CEF2-4206-811E-46FB7A40C7D9}" type="datetimeFigureOut">
               <a:rPr lang="en-US" smtClean="0"/>
-              <a:t>11/11/2021</a:t>
+              <a:t>12/15/2021</a:t>
             </a:fld>
             <a:endParaRPr lang="en-US"/>
           </a:p>
@@ -940,7 +941,7 @@
             </a:pPr>
             <a:r>
               <a:rPr lang="en-US" sz="1100" dirty="0"/>
-              <a:t>Net migration adjustment – for a vector to be added to projected population by time step, to manage the level of net migration. </a:t>
+              <a:t>Gross migration adjustment – to manage the intensity of migration. </a:t>
             </a:r>
           </a:p>
           <a:p>
@@ -1006,75 +1007,6 @@
             </a:pPr>
             <a:r>
               <a:rPr lang="en-US" sz="1100" dirty="0"/>
-              <a:t>-Slides with background thoughts on adjusting net migration: https://edyhsgr.github.io/documents/ProjPresentation.pdf</a:t>
-            </a:r>
-          </a:p>
-          <a:p>
-            <a:pPr marL="0" marR="0" lvl="0" indent="0" algn="l" defTabSz="914400" rtl="0" eaLnBrk="1" fontAlgn="auto" latinLnBrk="0" hangingPunct="1">
-              <a:lnSpc>
-                <a:spcPct val="100000"/>
-              </a:lnSpc>
-              <a:spcBef>
-                <a:spcPts val="0"/>
-              </a:spcBef>
-              <a:spcAft>
-                <a:spcPts val="0"/>
-              </a:spcAft>
-              <a:buClrTx/>
-              <a:buSzTx/>
-              <a:buFontTx/>
-              <a:buNone/>
-              <a:tabLst/>
-              <a:defRPr/>
-            </a:pPr>
-            <a:r>
-              <a:rPr lang="en-US" sz="1100" dirty="0"/>
-              <a:t>-Migration by age over time comparisons from Alaska data: https://shiny.demog.berkeley.edu/eddieh/AKPFDMigrationReview/</a:t>
-            </a:r>
-          </a:p>
-          <a:p>
-            <a:pPr marL="0" marR="0" lvl="0" indent="0" algn="l" defTabSz="914400" rtl="0" eaLnBrk="1" fontAlgn="auto" latinLnBrk="0" hangingPunct="1">
-              <a:lnSpc>
-                <a:spcPct val="100000"/>
-              </a:lnSpc>
-              <a:spcBef>
-                <a:spcPts val="0"/>
-              </a:spcBef>
-              <a:spcAft>
-                <a:spcPts val="0"/>
-              </a:spcAft>
-              <a:buClrTx/>
-              <a:buSzTx/>
-              <a:buFontTx/>
-              <a:buNone/>
-              <a:tabLst/>
-              <a:defRPr/>
-            </a:pPr>
-            <a:r>
-              <a:rPr lang="en-US" sz="1100" dirty="0"/>
-              <a:t>-Interface with net migration adjustment examples and comparisons: https://shiny.demog.berkeley.edu/eddieh/NMAdjustCompare/</a:t>
-            </a:r>
-          </a:p>
-          <a:p>
-            <a:pPr marL="0" marR="0" lvl="0" indent="0" algn="l" defTabSz="914400" rtl="0" eaLnBrk="1" fontAlgn="auto" latinLnBrk="0" hangingPunct="1">
-              <a:lnSpc>
-                <a:spcPct val="100000"/>
-              </a:lnSpc>
-              <a:spcBef>
-                <a:spcPts val="0"/>
-              </a:spcBef>
-              <a:spcAft>
-                <a:spcPts val="0"/>
-              </a:spcAft>
-              <a:buClrTx/>
-              <a:buSzTx/>
-              <a:buFontTx/>
-              <a:buNone/>
-              <a:tabLst/>
-              <a:defRPr/>
-            </a:pPr>
-            <a:r>
-              <a:rPr lang="en-US" sz="1100" dirty="0"/>
               <a:t>-More info/thoughts at: https://github.com/edyhsgr/CCRStable/blob/master/Oct2020Presentation/EddieH_FSU_Oct2020.pdf</a:t>
             </a:r>
           </a:p>
@@ -1106,7 +1038,7 @@
     </p:spTree>
     <p:extLst>
       <p:ext uri="{BB962C8B-B14F-4D97-AF65-F5344CB8AC3E}">
-        <p14:creationId xmlns:p14="http://schemas.microsoft.com/office/powerpoint/2010/main" val="2419100951"/>
+        <p14:creationId xmlns:p14="http://schemas.microsoft.com/office/powerpoint/2010/main" val="43139462"/>
       </p:ext>
     </p:extLst>
   </p:cSld>
@@ -1179,7 +1111,7 @@
             </a:pPr>
             <a:r>
               <a:rPr lang="en-US" sz="1100" dirty="0"/>
-              <a:t>Gross migration adjustment – to manage the intensity of migration. </a:t>
+              <a:t>Combined mortality and gross migration adjustment. </a:t>
             </a:r>
           </a:p>
           <a:p>
@@ -1276,7 +1208,246 @@
     </p:spTree>
     <p:extLst>
       <p:ext uri="{BB962C8B-B14F-4D97-AF65-F5344CB8AC3E}">
-        <p14:creationId xmlns:p14="http://schemas.microsoft.com/office/powerpoint/2010/main" val="43139462"/>
+        <p14:creationId xmlns:p14="http://schemas.microsoft.com/office/powerpoint/2010/main" val="4043810008"/>
+      </p:ext>
+    </p:extLst>
+  </p:cSld>
+  <p:clrMapOvr>
+    <a:masterClrMapping/>
+  </p:clrMapOvr>
+</p:notes>
+</file>
+
+<file path=ppt/notesSlides/notesSlide5.xml><?xml version="1.0" encoding="utf-8"?>
+<p:notes xmlns:a="http://schemas.openxmlformats.org/drawingml/2006/main" xmlns:r="http://schemas.openxmlformats.org/officeDocument/2006/relationships" xmlns:p="http://schemas.openxmlformats.org/presentationml/2006/main">
+  <p:cSld>
+    <p:spTree>
+      <p:nvGrpSpPr>
+        <p:cNvPr id="1" name=""/>
+        <p:cNvGrpSpPr/>
+        <p:nvPr/>
+      </p:nvGrpSpPr>
+      <p:grpSpPr>
+        <a:xfrm>
+          <a:off x="0" y="0"/>
+          <a:ext cx="0" cy="0"/>
+          <a:chOff x="0" y="0"/>
+          <a:chExt cx="0" cy="0"/>
+        </a:xfrm>
+      </p:grpSpPr>
+      <p:sp>
+        <p:nvSpPr>
+          <p:cNvPr id="2" name="Slide Image Placeholder 1"/>
+          <p:cNvSpPr>
+            <a:spLocks noGrp="1" noRot="1" noChangeAspect="1"/>
+          </p:cNvSpPr>
+          <p:nvPr>
+            <p:ph type="sldImg"/>
+          </p:nvPr>
+        </p:nvSpPr>
+        <p:spPr/>
+      </p:sp>
+      <p:sp>
+        <p:nvSpPr>
+          <p:cNvPr id="3" name="Notes Placeholder 2"/>
+          <p:cNvSpPr>
+            <a:spLocks noGrp="1"/>
+          </p:cNvSpPr>
+          <p:nvPr>
+            <p:ph type="body" idx="1"/>
+          </p:nvPr>
+        </p:nvSpPr>
+        <p:spPr/>
+        <p:txBody>
+          <a:bodyPr/>
+          <a:lstStyle/>
+          <a:p>
+            <a:pPr marL="0" marR="0" lvl="0" indent="0" algn="l" defTabSz="914400" rtl="0" eaLnBrk="1" fontAlgn="auto" latinLnBrk="0" hangingPunct="1">
+              <a:lnSpc>
+                <a:spcPct val="100000"/>
+              </a:lnSpc>
+              <a:spcBef>
+                <a:spcPts val="0"/>
+              </a:spcBef>
+              <a:spcAft>
+                <a:spcPts val="0"/>
+              </a:spcAft>
+              <a:buClrTx/>
+              <a:buSzTx/>
+              <a:buFontTx/>
+              <a:buNone/>
+              <a:tabLst/>
+              <a:defRPr/>
+            </a:pPr>
+            <a:r>
+              <a:rPr lang="en-US" sz="1100" dirty="0"/>
+              <a:t>Net migration adjustment – for a vector to be added to projected population by time step, to manage the level of net migration. </a:t>
+            </a:r>
+          </a:p>
+          <a:p>
+            <a:pPr marL="0" marR="0" lvl="0" indent="0" algn="l" defTabSz="914400" rtl="0" eaLnBrk="1" fontAlgn="auto" latinLnBrk="0" hangingPunct="1">
+              <a:lnSpc>
+                <a:spcPct val="100000"/>
+              </a:lnSpc>
+              <a:spcBef>
+                <a:spcPts val="0"/>
+              </a:spcBef>
+              <a:spcAft>
+                <a:spcPts val="0"/>
+              </a:spcAft>
+              <a:buClrTx/>
+              <a:buSzTx/>
+              <a:buFontTx/>
+              <a:buNone/>
+              <a:tabLst/>
+              <a:defRPr/>
+            </a:pPr>
+            <a:endParaRPr lang="en-US" sz="1100" dirty="0"/>
+          </a:p>
+          <a:p>
+            <a:pPr marL="0" marR="0" lvl="0" indent="0" algn="l" defTabSz="914400" rtl="0" eaLnBrk="1" fontAlgn="auto" latinLnBrk="0" hangingPunct="1">
+              <a:lnSpc>
+                <a:spcPct val="100000"/>
+              </a:lnSpc>
+              <a:spcBef>
+                <a:spcPts val="0"/>
+              </a:spcBef>
+              <a:spcAft>
+                <a:spcPts val="0"/>
+              </a:spcAft>
+              <a:buClrTx/>
+              <a:buSzTx/>
+              <a:buFontTx/>
+              <a:buNone/>
+              <a:tabLst/>
+              <a:defRPr/>
+            </a:pPr>
+            <a:r>
+              <a:rPr lang="en-US" sz="1100" dirty="0"/>
+              <a:t>-----</a:t>
+            </a:r>
+          </a:p>
+          <a:p>
+            <a:pPr marL="0" marR="0" lvl="0" indent="0" algn="l" defTabSz="914400" rtl="0" eaLnBrk="1" fontAlgn="auto" latinLnBrk="0" hangingPunct="1">
+              <a:lnSpc>
+                <a:spcPct val="100000"/>
+              </a:lnSpc>
+              <a:spcBef>
+                <a:spcPts val="0"/>
+              </a:spcBef>
+              <a:spcAft>
+                <a:spcPts val="0"/>
+              </a:spcAft>
+              <a:buClrTx/>
+              <a:buSzTx/>
+              <a:buFontTx/>
+              <a:buNone/>
+              <a:tabLst/>
+              <a:defRPr/>
+            </a:pPr>
+            <a:r>
+              <a:rPr lang="en-US" sz="1100" dirty="0"/>
+              <a:t>-Slides with background thoughts on adjusting net migration: https://edyhsgr.github.io/documents/ProjPresentation.pdf</a:t>
+            </a:r>
+          </a:p>
+          <a:p>
+            <a:pPr marL="0" marR="0" lvl="0" indent="0" algn="l" defTabSz="914400" rtl="0" eaLnBrk="1" fontAlgn="auto" latinLnBrk="0" hangingPunct="1">
+              <a:lnSpc>
+                <a:spcPct val="100000"/>
+              </a:lnSpc>
+              <a:spcBef>
+                <a:spcPts val="0"/>
+              </a:spcBef>
+              <a:spcAft>
+                <a:spcPts val="0"/>
+              </a:spcAft>
+              <a:buClrTx/>
+              <a:buSzTx/>
+              <a:buFontTx/>
+              <a:buNone/>
+              <a:tabLst/>
+              <a:defRPr/>
+            </a:pPr>
+            <a:r>
+              <a:rPr lang="en-US" sz="1100" dirty="0"/>
+              <a:t>-Migration by age over time comparisons from Alaska data: https://shiny.demog.berkeley.edu/eddieh/AKPFDMigrationReview/</a:t>
+            </a:r>
+          </a:p>
+          <a:p>
+            <a:pPr marL="0" marR="0" lvl="0" indent="0" algn="l" defTabSz="914400" rtl="0" eaLnBrk="1" fontAlgn="auto" latinLnBrk="0" hangingPunct="1">
+              <a:lnSpc>
+                <a:spcPct val="100000"/>
+              </a:lnSpc>
+              <a:spcBef>
+                <a:spcPts val="0"/>
+              </a:spcBef>
+              <a:spcAft>
+                <a:spcPts val="0"/>
+              </a:spcAft>
+              <a:buClrTx/>
+              <a:buSzTx/>
+              <a:buFontTx/>
+              <a:buNone/>
+              <a:tabLst/>
+              <a:defRPr/>
+            </a:pPr>
+            <a:r>
+              <a:rPr lang="en-US" sz="1100" dirty="0"/>
+              <a:t>-Interface with net migration adjustment examples and comparisons: https://shiny.demog.berkeley.edu/eddieh/NMAdjustCompare/</a:t>
+            </a:r>
+          </a:p>
+          <a:p>
+            <a:pPr marL="0" marR="0" lvl="0" indent="0" algn="l" defTabSz="914400" rtl="0" eaLnBrk="1" fontAlgn="auto" latinLnBrk="0" hangingPunct="1">
+              <a:lnSpc>
+                <a:spcPct val="100000"/>
+              </a:lnSpc>
+              <a:spcBef>
+                <a:spcPts val="0"/>
+              </a:spcBef>
+              <a:spcAft>
+                <a:spcPts val="0"/>
+              </a:spcAft>
+              <a:buClrTx/>
+              <a:buSzTx/>
+              <a:buFontTx/>
+              <a:buNone/>
+              <a:tabLst/>
+              <a:defRPr/>
+            </a:pPr>
+            <a:r>
+              <a:rPr lang="en-US" sz="1100" dirty="0"/>
+              <a:t>-More info/thoughts at: https://github.com/edyhsgr/CCRStable/blob/master/Oct2020Presentation/EddieH_FSU_Oct2020.pdf</a:t>
+            </a:r>
+          </a:p>
+        </p:txBody>
+      </p:sp>
+      <p:sp>
+        <p:nvSpPr>
+          <p:cNvPr id="4" name="Slide Number Placeholder 3"/>
+          <p:cNvSpPr>
+            <a:spLocks noGrp="1"/>
+          </p:cNvSpPr>
+          <p:nvPr>
+            <p:ph type="sldNum" sz="quarter" idx="5"/>
+          </p:nvPr>
+        </p:nvSpPr>
+        <p:spPr/>
+        <p:txBody>
+          <a:bodyPr/>
+          <a:lstStyle/>
+          <a:p>
+            <a:fld id="{BC2D79FE-5C46-439B-A3FE-983E55AB2202}" type="slidenum">
+              <a:rPr lang="en-US" smtClean="0"/>
+              <a:t>5</a:t>
+            </a:fld>
+            <a:endParaRPr lang="en-US"/>
+          </a:p>
+        </p:txBody>
+      </p:sp>
+    </p:spTree>
+    <p:extLst>
+      <p:ext uri="{BB962C8B-B14F-4D97-AF65-F5344CB8AC3E}">
+        <p14:creationId xmlns:p14="http://schemas.microsoft.com/office/powerpoint/2010/main" val="2419100951"/>
       </p:ext>
     </p:extLst>
   </p:cSld>
@@ -1433,7 +1604,7 @@
           <a:p>
             <a:fld id="{6477033C-1908-4D55-B5F5-2B69626C8241}" type="datetimeFigureOut">
               <a:rPr lang="en-US" smtClean="0"/>
-              <a:t>11/11/2021</a:t>
+              <a:t>12/15/2021</a:t>
             </a:fld>
             <a:endParaRPr lang="en-US"/>
           </a:p>
@@ -1631,7 +1802,7 @@
           <a:p>
             <a:fld id="{6477033C-1908-4D55-B5F5-2B69626C8241}" type="datetimeFigureOut">
               <a:rPr lang="en-US" smtClean="0"/>
-              <a:t>11/11/2021</a:t>
+              <a:t>12/15/2021</a:t>
             </a:fld>
             <a:endParaRPr lang="en-US"/>
           </a:p>
@@ -1839,7 +2010,7 @@
           <a:p>
             <a:fld id="{6477033C-1908-4D55-B5F5-2B69626C8241}" type="datetimeFigureOut">
               <a:rPr lang="en-US" smtClean="0"/>
-              <a:t>11/11/2021</a:t>
+              <a:t>12/15/2021</a:t>
             </a:fld>
             <a:endParaRPr lang="en-US"/>
           </a:p>
@@ -2037,7 +2208,7 @@
           <a:p>
             <a:fld id="{6477033C-1908-4D55-B5F5-2B69626C8241}" type="datetimeFigureOut">
               <a:rPr lang="en-US" smtClean="0"/>
-              <a:t>11/11/2021</a:t>
+              <a:t>12/15/2021</a:t>
             </a:fld>
             <a:endParaRPr lang="en-US"/>
           </a:p>
@@ -2312,7 +2483,7 @@
           <a:p>
             <a:fld id="{6477033C-1908-4D55-B5F5-2B69626C8241}" type="datetimeFigureOut">
               <a:rPr lang="en-US" smtClean="0"/>
-              <a:t>11/11/2021</a:t>
+              <a:t>12/15/2021</a:t>
             </a:fld>
             <a:endParaRPr lang="en-US"/>
           </a:p>
@@ -2577,7 +2748,7 @@
           <a:p>
             <a:fld id="{6477033C-1908-4D55-B5F5-2B69626C8241}" type="datetimeFigureOut">
               <a:rPr lang="en-US" smtClean="0"/>
-              <a:t>11/11/2021</a:t>
+              <a:t>12/15/2021</a:t>
             </a:fld>
             <a:endParaRPr lang="en-US"/>
           </a:p>
@@ -2989,7 +3160,7 @@
           <a:p>
             <a:fld id="{6477033C-1908-4D55-B5F5-2B69626C8241}" type="datetimeFigureOut">
               <a:rPr lang="en-US" smtClean="0"/>
-              <a:t>11/11/2021</a:t>
+              <a:t>12/15/2021</a:t>
             </a:fld>
             <a:endParaRPr lang="en-US"/>
           </a:p>
@@ -3130,7 +3301,7 @@
           <a:p>
             <a:fld id="{6477033C-1908-4D55-B5F5-2B69626C8241}" type="datetimeFigureOut">
               <a:rPr lang="en-US" smtClean="0"/>
-              <a:t>11/11/2021</a:t>
+              <a:t>12/15/2021</a:t>
             </a:fld>
             <a:endParaRPr lang="en-US"/>
           </a:p>
@@ -3243,7 +3414,7 @@
           <a:p>
             <a:fld id="{6477033C-1908-4D55-B5F5-2B69626C8241}" type="datetimeFigureOut">
               <a:rPr lang="en-US" smtClean="0"/>
-              <a:t>11/11/2021</a:t>
+              <a:t>12/15/2021</a:t>
             </a:fld>
             <a:endParaRPr lang="en-US"/>
           </a:p>
@@ -3554,7 +3725,7 @@
           <a:p>
             <a:fld id="{6477033C-1908-4D55-B5F5-2B69626C8241}" type="datetimeFigureOut">
               <a:rPr lang="en-US" smtClean="0"/>
-              <a:t>11/11/2021</a:t>
+              <a:t>12/15/2021</a:t>
             </a:fld>
             <a:endParaRPr lang="en-US"/>
           </a:p>
@@ -3842,7 +4013,7 @@
           <a:p>
             <a:fld id="{6477033C-1908-4D55-B5F5-2B69626C8241}" type="datetimeFigureOut">
               <a:rPr lang="en-US" smtClean="0"/>
-              <a:t>11/11/2021</a:t>
+              <a:t>12/15/2021</a:t>
             </a:fld>
             <a:endParaRPr lang="en-US"/>
           </a:p>
@@ -4083,7 +4254,7 @@
           <a:p>
             <a:fld id="{6477033C-1908-4D55-B5F5-2B69626C8241}" type="datetimeFigureOut">
               <a:rPr lang="en-US" smtClean="0"/>
-              <a:t>11/11/2021</a:t>
+              <a:t>12/15/2021</a:t>
             </a:fld>
             <a:endParaRPr lang="en-US"/>
           </a:p>
@@ -4516,8 +4687,8 @@
             </p:nvSpPr>
             <p:spPr>
               <a:xfrm>
-                <a:off x="256032" y="3794760"/>
-                <a:ext cx="11448288" cy="2308324"/>
+                <a:off x="371856" y="3973444"/>
+                <a:ext cx="11448288" cy="2215991"/>
               </a:xfrm>
               <a:prstGeom prst="rect">
                 <a:avLst/>
@@ -4533,7 +4704,7 @@
                 <a14:m>
                   <m:oMath xmlns:m="http://schemas.openxmlformats.org/officeDocument/2006/math">
                     <m:r>
-                      <a:rPr lang="en-US" sz="2400" i="1" smtClean="0">
+                      <a:rPr lang="en-US" sz="2300" i="1" smtClean="0">
                         <a:latin typeface="Cambria Math" panose="02040503050406030204" pitchFamily="18" charset="0"/>
                       </a:rPr>
                       <m:t>𝑖𝑇𝐹𝑅</m:t>
@@ -4541,7 +4712,7 @@
                   </m:oMath>
                 </a14:m>
                 <a:r>
-                  <a:rPr lang="en-US" sz="2400" i="1" dirty="0">
+                  <a:rPr lang="en-US" sz="2300" i="1" dirty="0">
                     <a:solidFill>
                       <a:srgbClr val="C00000"/>
                     </a:solidFill>
@@ -4550,11 +4721,11 @@
                   <a:t> </a:t>
                 </a:r>
                 <a:r>
-                  <a:rPr lang="en-US" sz="2400" dirty="0"/>
+                  <a:rPr lang="en-US" sz="2300" dirty="0"/>
                   <a:t> is “implied TFR” – this is from </a:t>
                 </a:r>
                 <a:r>
-                  <a:rPr lang="de-DE" sz="2400" b="0" i="0" dirty="0">
+                  <a:rPr lang="de-DE" sz="2300" b="0" i="0" dirty="0">
                     <a:solidFill>
                       <a:srgbClr val="333333"/>
                     </a:solidFill>
@@ -4562,7 +4733,7 @@
                   </a:rPr>
                   <a:t>Hauer, Schmertmann (2019), and Hauer, Baker, Brown (2013), where: </a:t>
                 </a:r>
-                <a:endParaRPr lang="en-US" sz="2400" i="1" dirty="0">
+                <a:endParaRPr lang="en-US" sz="2300" i="1" dirty="0">
                   <a:solidFill>
                     <a:srgbClr val="C00000"/>
                   </a:solidFill>
@@ -4572,7 +4743,7 @@
                 <a14:m>
                   <m:oMath xmlns:m="http://schemas.openxmlformats.org/officeDocument/2006/math">
                     <m:r>
-                      <a:rPr lang="en-US" sz="2400" i="1" smtClean="0">
+                      <a:rPr lang="en-US" sz="2300" i="1" smtClean="0">
                         <a:solidFill>
                           <a:srgbClr val="C00000"/>
                         </a:solidFill>
@@ -4581,7 +4752,7 @@
                       <m:t>𝛽</m:t>
                     </m:r>
                     <m:r>
-                      <a:rPr lang="en-US" sz="2400" i="1" smtClean="0">
+                      <a:rPr lang="en-US" sz="2300" i="1" smtClean="0">
                         <a:solidFill>
                           <a:srgbClr val="C00000"/>
                         </a:solidFill>
@@ -4590,7 +4761,7 @@
                       <m:t>−</m:t>
                     </m:r>
                     <m:r>
-                      <a:rPr lang="en-US" sz="2400" i="1" smtClean="0">
+                      <a:rPr lang="en-US" sz="2300" i="1" smtClean="0">
                         <a:solidFill>
                           <a:srgbClr val="C00000"/>
                         </a:solidFill>
@@ -4601,7 +4772,7 @@
                   </m:oMath>
                 </a14:m>
                 <a:r>
-                  <a:rPr lang="en-US" sz="2400" dirty="0">
+                  <a:rPr lang="en-US" sz="2300" dirty="0">
                     <a:solidFill>
                       <a:srgbClr val="C00000"/>
                     </a:solidFill>
@@ -4609,7 +4780,7 @@
                   <a:t> </a:t>
                 </a:r>
                 <a:r>
-                  <a:rPr lang="en-US" sz="2400" dirty="0"/>
+                  <a:rPr lang="en-US" sz="2300" dirty="0"/>
                   <a:t>is childbearing ages</a:t>
                 </a:r>
               </a:p>
@@ -4617,7 +4788,7 @@
                 <a14:m>
                   <m:oMath xmlns:m="http://schemas.openxmlformats.org/officeDocument/2006/math">
                     <m:r>
-                      <a:rPr lang="en-US" sz="2400" i="1">
+                      <a:rPr lang="en-US" sz="2300" i="1">
                         <a:solidFill>
                           <a:schemeClr val="accent6"/>
                         </a:solidFill>
@@ -4628,7 +4799,7 @@
                   </m:oMath>
                 </a14:m>
                 <a:r>
-                  <a:rPr lang="en-US" sz="2400" dirty="0"/>
+                  <a:rPr lang="en-US" sz="2300" dirty="0"/>
                   <a:t> is age group sizes</a:t>
                 </a:r>
               </a:p>
@@ -4636,7 +4807,7 @@
                 <a14:m>
                   <m:oMath xmlns:m="http://schemas.openxmlformats.org/officeDocument/2006/math">
                     <m:r>
-                      <a:rPr lang="en-US" sz="2400" i="1">
+                      <a:rPr lang="en-US" sz="2300" i="1">
                         <a:solidFill>
                           <a:schemeClr val="accent1"/>
                         </a:solidFill>
@@ -4647,7 +4818,7 @@
                   </m:oMath>
                 </a14:m>
                 <a:r>
-                  <a:rPr lang="en-US" sz="2400" dirty="0"/>
+                  <a:rPr lang="en-US" sz="2300" dirty="0"/>
                   <a:t> is the youngest age group</a:t>
                 </a:r>
               </a:p>
@@ -4655,7 +4826,7 @@
                 <a14:m>
                   <m:oMath xmlns:m="http://schemas.openxmlformats.org/officeDocument/2006/math">
                     <m:r>
-                      <a:rPr lang="en-US" sz="2400" i="1">
+                      <a:rPr lang="en-US" sz="2300" i="1">
                         <a:solidFill>
                           <a:schemeClr val="accent2"/>
                         </a:solidFill>
@@ -4666,7 +4837,7 @@
                   </m:oMath>
                 </a14:m>
                 <a:r>
-                  <a:rPr lang="en-US" sz="2400" dirty="0"/>
+                  <a:rPr lang="en-US" sz="2300" dirty="0"/>
                   <a:t> is women in childbearing ages</a:t>
                 </a:r>
               </a:p>
@@ -4690,8 +4861,8 @@
             </p:nvSpPr>
             <p:spPr>
               <a:xfrm>
-                <a:off x="256032" y="3794760"/>
-                <a:ext cx="11448288" cy="2308324"/>
+                <a:off x="371856" y="3973444"/>
+                <a:ext cx="11448288" cy="2215991"/>
               </a:xfrm>
               <a:prstGeom prst="rect">
                 <a:avLst/>
@@ -4699,7 +4870,7 @@
               <a:blipFill>
                 <a:blip r:embed="rId3"/>
                 <a:stretch>
-                  <a:fillRect l="-799" t="-2116" r="-373" b="-5026"/>
+                  <a:fillRect l="-745" t="-2204" b="-5510"/>
                 </a:stretch>
               </a:blipFill>
             </p:spPr>
@@ -4718,8 +4889,8 @@
           </p:sp>
         </mc:Fallback>
       </mc:AlternateContent>
-      <mc:AlternateContent xmlns:mc="http://schemas.openxmlformats.org/markup-compatibility/2006" xmlns:a14="http://schemas.microsoft.com/office/drawing/2010/main">
-        <mc:Choice Requires="a14">
+      <mc:AlternateContent xmlns:mc="http://schemas.openxmlformats.org/markup-compatibility/2006">
+        <mc:Choice xmlns:a14="http://schemas.microsoft.com/office/drawing/2010/main" Requires="a14">
           <p:sp>
             <p:nvSpPr>
               <p:cNvPr id="4" name="TextBox 3">
@@ -4735,7 +4906,7 @@
             <p:spPr>
               <a:xfrm>
                 <a:off x="3910311" y="2331720"/>
-                <a:ext cx="4371378" cy="1088888"/>
+                <a:ext cx="4371378" cy="1102289"/>
               </a:xfrm>
               <a:prstGeom prst="rect">
                 <a:avLst/>
@@ -4755,7 +4926,6 @@
                         <a:solidFill>
                           <a:schemeClr val="accent1"/>
                         </a:solidFill>
-                        <a:latin typeface="Cambria Math" panose="02040503050406030204" pitchFamily="18" charset="0"/>
                       </a:rPr>
                       <m:t>𝐶</m:t>
                     </m:r>
@@ -4764,20 +4934,15 @@
                         <a:solidFill>
                           <a:schemeClr val="tx1"/>
                         </a:solidFill>
-                        <a:latin typeface="Cambria Math" panose="02040503050406030204" pitchFamily="18" charset="0"/>
                       </a:rPr>
                       <m:t>=</m:t>
                     </m:r>
                     <m:r>
-                      <a:rPr lang="en-US" sz="4200" i="1" smtClean="0">
-                        <a:latin typeface="Cambria Math" panose="02040503050406030204" pitchFamily="18" charset="0"/>
-                      </a:rPr>
+                      <a:rPr lang="en-US" sz="4200" i="1" smtClean="0"/>
                       <m:t>𝑖𝑇𝐹𝑅</m:t>
                     </m:r>
                     <m:r>
-                      <a:rPr lang="en-US" sz="4200" i="0" smtClean="0">
-                        <a:latin typeface="Cambria Math" panose="02040503050406030204" pitchFamily="18" charset="0"/>
-                      </a:rPr>
+                      <a:rPr lang="en-US" sz="4200" i="0" smtClean="0"/>
                       <m:t>⋅</m:t>
                     </m:r>
                     <m:f>
@@ -4787,7 +4952,6 @@
                             <a:solidFill>
                               <a:srgbClr val="836967"/>
                             </a:solidFill>
-                            <a:latin typeface="Cambria Math" panose="02040503050406030204" pitchFamily="18" charset="0"/>
                           </a:rPr>
                         </m:ctrlPr>
                       </m:fPr>
@@ -4797,7 +4961,6 @@
                             <a:solidFill>
                               <a:schemeClr val="accent2"/>
                             </a:solidFill>
-                            <a:latin typeface="Cambria Math" panose="02040503050406030204" pitchFamily="18" charset="0"/>
                           </a:rPr>
                           <m:t>𝑊</m:t>
                         </m:r>
@@ -4808,7 +4971,6 @@
                             <a:solidFill>
                               <a:srgbClr val="C00000"/>
                             </a:solidFill>
-                            <a:latin typeface="Cambria Math" panose="02040503050406030204" pitchFamily="18" charset="0"/>
                           </a:rPr>
                           <m:t>𝛽</m:t>
                         </m:r>
@@ -4817,7 +4979,6 @@
                             <a:solidFill>
                               <a:srgbClr val="C00000"/>
                             </a:solidFill>
-                            <a:latin typeface="Cambria Math" panose="02040503050406030204" pitchFamily="18" charset="0"/>
                           </a:rPr>
                           <m:t>−</m:t>
                         </m:r>
@@ -4826,7 +4987,6 @@
                             <a:solidFill>
                               <a:srgbClr val="C00000"/>
                             </a:solidFill>
-                            <a:latin typeface="Cambria Math" panose="02040503050406030204" pitchFamily="18" charset="0"/>
                           </a:rPr>
                           <m:t>𝛼</m:t>
                         </m:r>
@@ -4841,9 +5001,7 @@
                 <a14:m>
                   <m:oMath xmlns:m="http://schemas.openxmlformats.org/officeDocument/2006/math">
                     <m:r>
-                      <a:rPr lang="en-US" sz="4200" i="0" smtClean="0">
-                        <a:latin typeface="Cambria Math" panose="02040503050406030204" pitchFamily="18" charset="0"/>
-                      </a:rPr>
+                      <a:rPr lang="en-US" sz="4200" i="0" smtClean="0"/>
                       <m:t>⋅</m:t>
                     </m:r>
                   </m:oMath>
@@ -4863,7 +5021,6 @@
                         <a:solidFill>
                           <a:schemeClr val="accent6"/>
                         </a:solidFill>
-                        <a:latin typeface="Cambria Math" panose="02040503050406030204" pitchFamily="18" charset="0"/>
                       </a:rPr>
                       <m:t>𝑛</m:t>
                     </m:r>
@@ -4874,7 +5031,7 @@
             </p:txBody>
           </p:sp>
         </mc:Choice>
-        <mc:Fallback xmlns="">
+        <mc:Fallback>
           <p:sp>
             <p:nvSpPr>
               <p:cNvPr id="4" name="TextBox 3">
@@ -4892,7 +5049,7 @@
             <p:spPr>
               <a:xfrm>
                 <a:off x="3910311" y="2331720"/>
-                <a:ext cx="4371378" cy="1088888"/>
+                <a:ext cx="4371378" cy="1102289"/>
               </a:xfrm>
               <a:prstGeom prst="rect">
                 <a:avLst/>
@@ -4919,8 +5076,8 @@
           </p:sp>
         </mc:Fallback>
       </mc:AlternateContent>
-      <mc:AlternateContent xmlns:mc="http://schemas.openxmlformats.org/markup-compatibility/2006" xmlns:a14="http://schemas.microsoft.com/office/drawing/2010/main">
-        <mc:Choice Requires="a14">
+      <mc:AlternateContent xmlns:mc="http://schemas.openxmlformats.org/markup-compatibility/2006">
+        <mc:Choice xmlns:a14="http://schemas.microsoft.com/office/drawing/2010/main" Requires="a14">
           <p:sp>
             <p:nvSpPr>
               <p:cNvPr id="5" name="TextBox 4">
@@ -4957,15 +5114,11 @@
                     </m:oMathParaPr>
                     <m:oMath xmlns:m="http://schemas.openxmlformats.org/officeDocument/2006/math">
                       <m:r>
-                        <a:rPr lang="en-US" sz="4200" i="1" smtClean="0">
-                          <a:latin typeface="Cambria Math" panose="02040503050406030204" pitchFamily="18" charset="0"/>
-                        </a:rPr>
+                        <a:rPr lang="en-US" sz="4200" i="1" smtClean="0"/>
                         <m:t>𝑖𝑇𝐹𝑅</m:t>
                       </m:r>
                       <m:r>
-                        <a:rPr lang="en-US" sz="4200" i="0">
-                          <a:latin typeface="Cambria Math" panose="02040503050406030204" pitchFamily="18" charset="0"/>
-                        </a:rPr>
+                        <a:rPr lang="en-US" sz="4200" i="0"/>
                         <m:t>= </m:t>
                       </m:r>
                       <m:f>
@@ -4975,7 +5128,6 @@
                               <a:solidFill>
                                 <a:srgbClr val="836967"/>
                               </a:solidFill>
-                              <a:latin typeface="Cambria Math" panose="02040503050406030204" pitchFamily="18" charset="0"/>
                             </a:rPr>
                           </m:ctrlPr>
                         </m:fPr>
@@ -4985,7 +5137,6 @@
                               <a:solidFill>
                                 <a:srgbClr val="C00000"/>
                               </a:solidFill>
-                              <a:latin typeface="Cambria Math" panose="02040503050406030204" pitchFamily="18" charset="0"/>
                             </a:rPr>
                             <m:t>𝛽</m:t>
                           </m:r>
@@ -4994,7 +5145,6 @@
                               <a:solidFill>
                                 <a:srgbClr val="C00000"/>
                               </a:solidFill>
-                              <a:latin typeface="Cambria Math" panose="02040503050406030204" pitchFamily="18" charset="0"/>
                             </a:rPr>
                             <m:t>−</m:t>
                           </m:r>
@@ -5003,7 +5153,6 @@
                               <a:solidFill>
                                 <a:srgbClr val="C00000"/>
                               </a:solidFill>
-                              <a:latin typeface="Cambria Math" panose="02040503050406030204" pitchFamily="18" charset="0"/>
                             </a:rPr>
                             <m:t>𝛼</m:t>
                           </m:r>
@@ -5014,16 +5163,13 @@
                               <a:solidFill>
                                 <a:schemeClr val="accent6"/>
                               </a:solidFill>
-                              <a:latin typeface="Cambria Math" panose="02040503050406030204" pitchFamily="18" charset="0"/>
                             </a:rPr>
                             <m:t>𝑛</m:t>
                           </m:r>
                         </m:den>
                       </m:f>
                       <m:r>
-                        <a:rPr lang="en-US" sz="4200" i="0">
-                          <a:latin typeface="Cambria Math" panose="02040503050406030204" pitchFamily="18" charset="0"/>
-                        </a:rPr>
+                        <a:rPr lang="en-US" sz="4200" i="0"/>
                         <m:t>⋅</m:t>
                       </m:r>
                       <m:f>
@@ -5033,7 +5179,6 @@
                               <a:solidFill>
                                 <a:srgbClr val="836967"/>
                               </a:solidFill>
-                              <a:latin typeface="Cambria Math" panose="02040503050406030204" pitchFamily="18" charset="0"/>
                             </a:rPr>
                           </m:ctrlPr>
                         </m:fPr>
@@ -5043,7 +5188,6 @@
                               <a:solidFill>
                                 <a:schemeClr val="accent1"/>
                               </a:solidFill>
-                              <a:latin typeface="Cambria Math" panose="02040503050406030204" pitchFamily="18" charset="0"/>
                             </a:rPr>
                             <m:t>𝐶</m:t>
                           </m:r>
@@ -5054,7 +5198,6 @@
                               <a:solidFill>
                                 <a:schemeClr val="accent2"/>
                               </a:solidFill>
-                              <a:latin typeface="Cambria Math" panose="02040503050406030204" pitchFamily="18" charset="0"/>
                             </a:rPr>
                             <m:t>𝑊</m:t>
                           </m:r>
@@ -5068,7 +5211,7 @@
             </p:txBody>
           </p:sp>
         </mc:Choice>
-        <mc:Fallback xmlns="">
+        <mc:Fallback>
           <p:sp>
             <p:nvSpPr>
               <p:cNvPr id="5" name="TextBox 4">
@@ -5143,8 +5286,8 @@
           <a:chExt cx="0" cy="0"/>
         </a:xfrm>
       </p:grpSpPr>
-      <mc:AlternateContent xmlns:mc="http://schemas.openxmlformats.org/markup-compatibility/2006" xmlns:a14="http://schemas.microsoft.com/office/drawing/2010/main">
-        <mc:Choice Requires="a14">
+      <mc:AlternateContent xmlns:mc="http://schemas.openxmlformats.org/markup-compatibility/2006">
+        <mc:Choice xmlns:a14="http://schemas.microsoft.com/office/drawing/2010/main" Requires="a14">
           <p:sp>
             <p:nvSpPr>
               <p:cNvPr id="6" name="TextBox 5">
@@ -5159,8 +5302,8 @@
             </p:nvSpPr>
             <p:spPr>
               <a:xfrm>
-                <a:off x="170722" y="3429000"/>
-                <a:ext cx="11850552" cy="1698927"/>
+                <a:off x="170722" y="3593892"/>
+                <a:ext cx="11850552" cy="1570430"/>
               </a:xfrm>
               <a:prstGeom prst="rect">
                 <a:avLst/>
@@ -5178,7 +5321,7 @@
                     <m:sSub>
                       <m:sSubPr>
                         <m:ctrlPr>
-                          <a:rPr lang="en-US" sz="2400" i="1" smtClean="0">
+                          <a:rPr lang="en-US" sz="2300" i="1" smtClean="0">
                             <a:solidFill>
                               <a:srgbClr val="C00000"/>
                             </a:solidFill>
@@ -5188,7 +5331,7 @@
                       </m:sSubPr>
                       <m:e>
                         <m:r>
-                          <a:rPr lang="en-US" sz="2400" b="0" i="1" smtClean="0">
+                          <a:rPr lang="en-US" sz="2300" b="0" i="1" smtClean="0">
                             <a:solidFill>
                               <a:srgbClr val="C00000"/>
                             </a:solidFill>
@@ -5199,7 +5342,7 @@
                       </m:e>
                       <m:sub>
                         <m:r>
-                          <a:rPr lang="en-US" sz="2400" i="1" smtClean="0">
+                          <a:rPr lang="en-US" sz="2300" i="1" smtClean="0">
                             <a:solidFill>
                               <a:schemeClr val="tx1"/>
                             </a:solidFill>
@@ -5208,7 +5351,7 @@
                           <m:t>𝑥</m:t>
                         </m:r>
                         <m:r>
-                          <a:rPr lang="en-US" sz="2400" i="1" smtClean="0">
+                          <a:rPr lang="en-US" sz="2300" i="1" smtClean="0">
                             <a:solidFill>
                               <a:schemeClr val="tx1"/>
                             </a:solidFill>
@@ -5217,7 +5360,7 @@
                           <m:t>,</m:t>
                         </m:r>
                         <m:r>
-                          <a:rPr lang="en-US" sz="2400" i="1" smtClean="0">
+                          <a:rPr lang="en-US" sz="2300" i="1" smtClean="0">
                             <a:solidFill>
                               <a:schemeClr val="tx1"/>
                             </a:solidFill>
@@ -5228,7 +5371,7 @@
                       </m:sub>
                     </m:sSub>
                     <m:r>
-                      <a:rPr lang="en-US" sz="2400" i="1">
+                      <a:rPr lang="en-US" sz="2300" i="1">
                         <a:solidFill>
                           <a:srgbClr val="C00000"/>
                         </a:solidFill>
@@ -5239,11 +5382,11 @@
                   </m:oMath>
                 </a14:m>
                 <a:r>
-                  <a:rPr lang="en-US" sz="2400" dirty="0"/>
+                  <a:rPr lang="en-US" sz="2300" dirty="0"/>
                   <a:t>is the mortality-adjusted cohort change ratio for age-by-sex</a:t>
                 </a:r>
                 <a:r>
-                  <a:rPr lang="en-US" sz="2400" dirty="0">
+                  <a:rPr lang="en-US" sz="2300" dirty="0">
                     <a:solidFill>
                       <a:schemeClr val="tx1"/>
                     </a:solidFill>
@@ -5253,7 +5396,7 @@
                 <a14:m>
                   <m:oMath xmlns:m="http://schemas.openxmlformats.org/officeDocument/2006/math">
                     <m:r>
-                      <a:rPr lang="en-US" sz="2400" i="1">
+                      <a:rPr lang="en-US" sz="2300" i="1">
                         <a:solidFill>
                           <a:schemeClr val="tx1"/>
                         </a:solidFill>
@@ -5264,7 +5407,7 @@
                   </m:oMath>
                 </a14:m>
                 <a:r>
-                  <a:rPr lang="en-US" sz="2400" dirty="0">
+                  <a:rPr lang="en-US" sz="2300" dirty="0">
                     <a:solidFill>
                       <a:schemeClr val="tx1"/>
                     </a:solidFill>
@@ -5274,7 +5417,7 @@
                 <a14:m>
                   <m:oMath xmlns:m="http://schemas.openxmlformats.org/officeDocument/2006/math">
                     <m:r>
-                      <a:rPr lang="en-US" sz="2400" i="1">
+                      <a:rPr lang="en-US" sz="2300" i="1">
                         <a:solidFill>
                           <a:schemeClr val="tx1"/>
                         </a:solidFill>
@@ -5284,7 +5427,7 @@
                     </m:r>
                   </m:oMath>
                 </a14:m>
-                <a:endParaRPr lang="en-US" sz="2400" dirty="0">
+                <a:endParaRPr lang="en-US" sz="2300" dirty="0">
                   <a:solidFill>
                     <a:schemeClr val="tx1"/>
                   </a:solidFill>
@@ -5296,7 +5439,7 @@
                     <m:sSub>
                       <m:sSubPr>
                         <m:ctrlPr>
-                          <a:rPr lang="en-US" sz="2400" i="1">
+                          <a:rPr lang="en-US" sz="2300" i="1">
                             <a:solidFill>
                               <a:schemeClr val="accent1"/>
                             </a:solidFill>
@@ -5306,7 +5449,7 @@
                       </m:sSubPr>
                       <m:e>
                         <m:r>
-                          <a:rPr lang="en-US" sz="2400" b="0" i="1" smtClean="0">
+                          <a:rPr lang="en-US" sz="2300" b="0" i="1" smtClean="0">
                             <a:solidFill>
                               <a:schemeClr val="tx1"/>
                             </a:solidFill>
@@ -5317,19 +5460,19 @@
                       </m:e>
                       <m:sub>
                         <m:r>
-                          <a:rPr lang="en-US" sz="2400" i="1">
+                          <a:rPr lang="en-US" sz="2300" i="1">
                             <a:latin typeface="Cambria Math" panose="02040503050406030204" pitchFamily="18" charset="0"/>
                           </a:rPr>
                           <m:t>𝑥</m:t>
                         </m:r>
                         <m:r>
-                          <a:rPr lang="en-US" sz="2400" i="1">
+                          <a:rPr lang="en-US" sz="2300" i="1">
                             <a:latin typeface="Cambria Math" panose="02040503050406030204" pitchFamily="18" charset="0"/>
                           </a:rPr>
                           <m:t>,</m:t>
                         </m:r>
                         <m:r>
-                          <a:rPr lang="en-US" sz="2400" i="1">
+                          <a:rPr lang="en-US" sz="2300" i="1">
                             <a:latin typeface="Cambria Math" panose="02040503050406030204" pitchFamily="18" charset="0"/>
                           </a:rPr>
                           <m:t>𝑡</m:t>
@@ -5339,13 +5482,13 @@
                   </m:oMath>
                 </a14:m>
                 <a:r>
-                  <a:rPr lang="en-US" sz="2400" dirty="0"/>
+                  <a:rPr lang="en-US" sz="2300" dirty="0"/>
                   <a:t> is the unadjusted cohort change ratio for age-by-sex </a:t>
                 </a:r>
                 <a14:m>
                   <m:oMath xmlns:m="http://schemas.openxmlformats.org/officeDocument/2006/math">
                     <m:r>
-                      <a:rPr lang="en-US" sz="2400" i="1">
+                      <a:rPr lang="en-US" sz="2300" i="1">
                         <a:latin typeface="Cambria Math" panose="02040503050406030204" pitchFamily="18" charset="0"/>
                       </a:rPr>
                       <m:t>𝑥</m:t>
@@ -5353,20 +5496,20 @@
                   </m:oMath>
                 </a14:m>
                 <a:r>
-                  <a:rPr lang="en-US" sz="2400" dirty="0"/>
+                  <a:rPr lang="en-US" sz="2300" dirty="0"/>
                   <a:t>, at time </a:t>
                 </a:r>
                 <a14:m>
                   <m:oMath xmlns:m="http://schemas.openxmlformats.org/officeDocument/2006/math">
                     <m:r>
-                      <a:rPr lang="en-US" sz="2400" i="1">
+                      <a:rPr lang="en-US" sz="2300" i="1">
                         <a:latin typeface="Cambria Math" panose="02040503050406030204" pitchFamily="18" charset="0"/>
                       </a:rPr>
                       <m:t>𝑡</m:t>
                     </m:r>
                   </m:oMath>
                 </a14:m>
-                <a:endParaRPr lang="en-US" sz="2400" dirty="0"/>
+                <a:endParaRPr lang="en-US" sz="2300" dirty="0"/>
               </a:p>
               <a:p>
                 <a14:m>
@@ -5374,7 +5517,7 @@
                     <m:sSub>
                       <m:sSubPr>
                         <m:ctrlPr>
-                          <a:rPr lang="en-US" sz="2400" i="1" smtClean="0">
+                          <a:rPr lang="en-US" sz="2300" i="1" smtClean="0">
                             <a:solidFill>
                               <a:schemeClr val="accent1"/>
                             </a:solidFill>
@@ -5384,7 +5527,7 @@
                       </m:sSubPr>
                       <m:e>
                         <m:r>
-                          <a:rPr lang="en-US" sz="2400" b="0" i="1" smtClean="0">
+                          <a:rPr lang="en-US" sz="2300" b="0" i="1" smtClean="0">
                             <a:solidFill>
                               <a:schemeClr val="accent6"/>
                             </a:solidFill>
@@ -5395,7 +5538,7 @@
                       </m:e>
                       <m:sub>
                         <m:r>
-                          <a:rPr lang="en-US" sz="2400" b="0" i="1" smtClean="0">
+                          <a:rPr lang="en-US" sz="2300" b="0" i="1" smtClean="0">
                             <a:solidFill>
                               <a:schemeClr val="tx1"/>
                             </a:solidFill>
@@ -5404,7 +5547,7 @@
                           <m:t>𝑥</m:t>
                         </m:r>
                         <m:r>
-                          <a:rPr lang="en-US" sz="2400" b="0" i="1" smtClean="0">
+                          <a:rPr lang="en-US" sz="2300" b="0" i="1" smtClean="0">
                             <a:solidFill>
                               <a:schemeClr val="tx1"/>
                             </a:solidFill>
@@ -5413,7 +5556,7 @@
                           <m:t>,</m:t>
                         </m:r>
                         <m:r>
-                          <a:rPr lang="en-US" sz="2400" i="1">
+                          <a:rPr lang="en-US" sz="2300" i="1">
                             <a:latin typeface="Cambria Math" panose="02040503050406030204" pitchFamily="18" charset="0"/>
                           </a:rPr>
                           <m:t>𝑡</m:t>
@@ -5423,13 +5566,13 @@
                   </m:oMath>
                 </a14:m>
                 <a:r>
-                  <a:rPr lang="en-US" sz="2400" dirty="0"/>
+                  <a:rPr lang="en-US" sz="2300" dirty="0"/>
                   <a:t> is the imputed survivorship factor for age-by-sex </a:t>
                 </a:r>
                 <a14:m>
                   <m:oMath xmlns:m="http://schemas.openxmlformats.org/officeDocument/2006/math">
                     <m:r>
-                      <a:rPr lang="en-US" sz="2400" i="1">
+                      <a:rPr lang="en-US" sz="2300" i="1">
                         <a:latin typeface="Cambria Math" panose="02040503050406030204" pitchFamily="18" charset="0"/>
                       </a:rPr>
                       <m:t>𝑥</m:t>
@@ -5437,20 +5580,20 @@
                   </m:oMath>
                 </a14:m>
                 <a:r>
-                  <a:rPr lang="en-US" sz="2400" dirty="0"/>
+                  <a:rPr lang="en-US" sz="2300" dirty="0"/>
                   <a:t>, at time </a:t>
                 </a:r>
                 <a14:m>
                   <m:oMath xmlns:m="http://schemas.openxmlformats.org/officeDocument/2006/math">
                     <m:r>
-                      <a:rPr lang="en-US" sz="2400" i="1">
+                      <a:rPr lang="en-US" sz="2300" i="1">
                         <a:latin typeface="Cambria Math" panose="02040503050406030204" pitchFamily="18" charset="0"/>
                       </a:rPr>
                       <m:t>𝑡</m:t>
                     </m:r>
                   </m:oMath>
                 </a14:m>
-                <a:endParaRPr lang="en-US" sz="2400" dirty="0"/>
+                <a:endParaRPr lang="en-US" sz="2300" dirty="0"/>
               </a:p>
               <a:p>
                 <a14:m>
@@ -5458,7 +5601,7 @@
                     <m:sSub>
                       <m:sSubPr>
                         <m:ctrlPr>
-                          <a:rPr lang="en-US" sz="2400" i="1" smtClean="0">
+                          <a:rPr lang="en-US" sz="2300" i="1" smtClean="0">
                             <a:solidFill>
                               <a:schemeClr val="accent6"/>
                             </a:solidFill>
@@ -5468,7 +5611,7 @@
                       </m:sSubPr>
                       <m:e>
                         <m:r>
-                          <a:rPr lang="en-US" sz="2400" b="0" i="1" smtClean="0">
+                          <a:rPr lang="en-US" sz="2300" b="0" i="1" smtClean="0">
                             <a:solidFill>
                               <a:schemeClr val="accent6"/>
                             </a:solidFill>
@@ -5479,19 +5622,19 @@
                       </m:e>
                       <m:sub>
                         <m:r>
-                          <a:rPr lang="en-US" sz="2400" i="1">
+                          <a:rPr lang="en-US" sz="2300" i="1">
                             <a:latin typeface="Cambria Math" panose="02040503050406030204" pitchFamily="18" charset="0"/>
                           </a:rPr>
                           <m:t>𝑥</m:t>
                         </m:r>
                         <m:r>
-                          <a:rPr lang="en-US" sz="2400" i="1">
+                          <a:rPr lang="en-US" sz="2300" i="1">
                             <a:latin typeface="Cambria Math" panose="02040503050406030204" pitchFamily="18" charset="0"/>
                           </a:rPr>
                           <m:t>,</m:t>
                         </m:r>
                         <m:r>
-                          <a:rPr lang="en-US" sz="2400">
+                          <a:rPr lang="en-US" sz="2300">
                             <a:latin typeface="Cambria Math" panose="02040503050406030204" pitchFamily="18" charset="0"/>
                           </a:rPr>
                           <m:t>0</m:t>
@@ -5501,13 +5644,13 @@
                   </m:oMath>
                 </a14:m>
                 <a:r>
-                  <a:rPr lang="en-US" sz="2400" dirty="0"/>
+                  <a:rPr lang="en-US" sz="2300" dirty="0"/>
                   <a:t> is the imputed survivorship factor for age-by-sex </a:t>
                 </a:r>
                 <a14:m>
                   <m:oMath xmlns:m="http://schemas.openxmlformats.org/officeDocument/2006/math">
                     <m:r>
-                      <a:rPr lang="en-US" sz="2400" i="1">
+                      <a:rPr lang="en-US" sz="2300" i="1">
                         <a:latin typeface="Cambria Math" panose="02040503050406030204" pitchFamily="18" charset="0"/>
                       </a:rPr>
                       <m:t>𝑥</m:t>
@@ -5515,25 +5658,25 @@
                   </m:oMath>
                 </a14:m>
                 <a:r>
-                  <a:rPr lang="en-US" sz="2400" dirty="0"/>
+                  <a:rPr lang="en-US" sz="2300" dirty="0"/>
                   <a:t>, at time </a:t>
                 </a:r>
                 <a14:m>
                   <m:oMath xmlns:m="http://schemas.openxmlformats.org/officeDocument/2006/math">
                     <m:r>
-                      <a:rPr lang="en-US" sz="2400">
+                      <a:rPr lang="en-US" sz="2300">
                         <a:latin typeface="Cambria Math" panose="02040503050406030204" pitchFamily="18" charset="0"/>
                       </a:rPr>
                       <m:t>0</m:t>
                     </m:r>
                   </m:oMath>
                 </a14:m>
-                <a:endParaRPr lang="en-US" sz="2400" dirty="0"/>
+                <a:endParaRPr lang="en-US" sz="2300" dirty="0"/>
               </a:p>
             </p:txBody>
           </p:sp>
         </mc:Choice>
-        <mc:Fallback xmlns="">
+        <mc:Fallback>
           <p:sp>
             <p:nvSpPr>
               <p:cNvPr id="6" name="TextBox 5">
@@ -5550,8 +5693,8 @@
             </p:nvSpPr>
             <p:spPr>
               <a:xfrm>
-                <a:off x="170722" y="3429000"/>
-                <a:ext cx="11850552" cy="1698927"/>
+                <a:off x="170722" y="3593892"/>
+                <a:ext cx="11850552" cy="1570430"/>
               </a:xfrm>
               <a:prstGeom prst="rect">
                 <a:avLst/>
@@ -5559,7 +5702,7 @@
               <a:blipFill>
                 <a:blip r:embed="rId3"/>
                 <a:stretch>
-                  <a:fillRect l="-412" t="-2518" b="-2518"/>
+                  <a:fillRect l="-360" t="-2724" b="-7393"/>
                 </a:stretch>
               </a:blipFill>
             </p:spPr>
@@ -5578,8 +5721,8 @@
           </p:sp>
         </mc:Fallback>
       </mc:AlternateContent>
-      <mc:AlternateContent xmlns:mc="http://schemas.openxmlformats.org/markup-compatibility/2006" xmlns:a14="http://schemas.microsoft.com/office/drawing/2010/main">
-        <mc:Choice Requires="a14">
+      <mc:AlternateContent xmlns:mc="http://schemas.openxmlformats.org/markup-compatibility/2006">
+        <mc:Choice xmlns:a14="http://schemas.microsoft.com/office/drawing/2010/main" Requires="a14">
           <p:sp>
             <p:nvSpPr>
               <p:cNvPr id="9" name="TextBox 8">
@@ -5625,7 +5768,6 @@
                               <a:solidFill>
                                 <a:srgbClr val="C00000"/>
                               </a:solidFill>
-                              <a:latin typeface="Cambria Math" panose="02040503050406030204" pitchFamily="18" charset="0"/>
                             </a:rPr>
                           </m:ctrlPr>
                         </m:sSubPr>
@@ -5635,7 +5777,6 @@
                               <a:solidFill>
                                 <a:srgbClr val="C00000"/>
                               </a:solidFill>
-                              <a:latin typeface="Cambria Math" panose="02040503050406030204" pitchFamily="18" charset="0"/>
                             </a:rPr>
                             <m:t>𝑅𝐴𝑑𝑗𝑆</m:t>
                           </m:r>
@@ -5646,7 +5787,6 @@
                               <a:solidFill>
                                 <a:schemeClr val="tx1"/>
                               </a:solidFill>
-                              <a:latin typeface="Cambria Math" panose="02040503050406030204" pitchFamily="18" charset="0"/>
                             </a:rPr>
                             <m:t>𝑥</m:t>
                           </m:r>
@@ -5655,7 +5795,6 @@
                               <a:solidFill>
                                 <a:schemeClr val="tx1"/>
                               </a:solidFill>
-                              <a:latin typeface="Cambria Math" panose="02040503050406030204" pitchFamily="18" charset="0"/>
                             </a:rPr>
                             <m:t>,  </m:t>
                           </m:r>
@@ -5664,16 +5803,13 @@
                               <a:solidFill>
                                 <a:schemeClr val="tx1"/>
                               </a:solidFill>
-                              <a:latin typeface="Cambria Math" panose="02040503050406030204" pitchFamily="18" charset="0"/>
                             </a:rPr>
                             <m:t>𝑡</m:t>
                           </m:r>
                         </m:sub>
                       </m:sSub>
                       <m:r>
-                        <a:rPr lang="en-US" sz="4200" i="1">
-                          <a:latin typeface="Cambria Math" panose="02040503050406030204" pitchFamily="18" charset="0"/>
-                        </a:rPr>
+                        <a:rPr lang="en-US" sz="4200" i="1"/>
                         <m:t>=</m:t>
                       </m:r>
                       <m:sSub>
@@ -5683,7 +5819,6 @@
                               <a:solidFill>
                                 <a:schemeClr val="tx1"/>
                               </a:solidFill>
-                              <a:latin typeface="Cambria Math" panose="02040503050406030204" pitchFamily="18" charset="0"/>
                             </a:rPr>
                           </m:ctrlPr>
                         </m:sSubPr>
@@ -5693,7 +5828,6 @@
                               <a:solidFill>
                                 <a:schemeClr val="tx1"/>
                               </a:solidFill>
-                              <a:latin typeface="Cambria Math" panose="02040503050406030204" pitchFamily="18" charset="0"/>
                             </a:rPr>
                             <m:t>𝑅</m:t>
                           </m:r>
@@ -5704,7 +5838,6 @@
                               <a:solidFill>
                                 <a:schemeClr val="tx1"/>
                               </a:solidFill>
-                              <a:latin typeface="Cambria Math" panose="02040503050406030204" pitchFamily="18" charset="0"/>
                             </a:rPr>
                             <m:t>𝑥</m:t>
                           </m:r>
@@ -5713,7 +5846,6 @@
                               <a:solidFill>
                                 <a:schemeClr val="tx1"/>
                               </a:solidFill>
-                              <a:latin typeface="Cambria Math" panose="02040503050406030204" pitchFamily="18" charset="0"/>
                             </a:rPr>
                             <m:t>,  </m:t>
                           </m:r>
@@ -5722,22 +5854,17 @@
                               <a:solidFill>
                                 <a:schemeClr val="tx1"/>
                               </a:solidFill>
-                              <a:latin typeface="Cambria Math" panose="02040503050406030204" pitchFamily="18" charset="0"/>
                             </a:rPr>
                             <m:t>𝑡</m:t>
                           </m:r>
                         </m:sub>
                       </m:sSub>
                       <m:r>
-                        <a:rPr lang="en-US" sz="4200" smtClean="0">
-                          <a:latin typeface="Cambria Math" panose="02040503050406030204" pitchFamily="18" charset="0"/>
-                        </a:rPr>
+                        <a:rPr lang="en-US" sz="4200" smtClean="0"/>
                         <m:t>+</m:t>
                       </m:r>
                       <m:r>
-                        <a:rPr lang="en-US" sz="4200" b="0" i="0" smtClean="0">
-                          <a:latin typeface="Cambria Math" panose="02040503050406030204" pitchFamily="18" charset="0"/>
-                        </a:rPr>
+                        <a:rPr lang="en-US" sz="4200" b="0" i="0" smtClean="0"/>
                         <m:t>(</m:t>
                       </m:r>
                       <m:sSub>
@@ -5747,7 +5874,6 @@
                               <a:solidFill>
                                 <a:schemeClr val="accent6"/>
                               </a:solidFill>
-                              <a:latin typeface="Cambria Math" panose="02040503050406030204" pitchFamily="18" charset="0"/>
                             </a:rPr>
                           </m:ctrlPr>
                         </m:sSubPr>
@@ -5757,36 +5883,27 @@
                               <a:solidFill>
                                 <a:schemeClr val="accent6"/>
                               </a:solidFill>
-                              <a:latin typeface="Cambria Math" panose="02040503050406030204" pitchFamily="18" charset="0"/>
                             </a:rPr>
                             <m:t>𝑆</m:t>
                           </m:r>
                         </m:e>
                         <m:sub>
                           <m:r>
-                            <a:rPr lang="en-US" sz="4200" i="1">
-                              <a:latin typeface="Cambria Math" panose="02040503050406030204" pitchFamily="18" charset="0"/>
-                            </a:rPr>
+                            <a:rPr lang="en-US" sz="4200" i="1"/>
                             <m:t>𝑥</m:t>
                           </m:r>
                           <m:r>
-                            <a:rPr lang="en-US" sz="4200" i="1">
-                              <a:latin typeface="Cambria Math" panose="02040503050406030204" pitchFamily="18" charset="0"/>
-                            </a:rPr>
+                            <a:rPr lang="en-US" sz="4200" i="1"/>
                             <m:t>,</m:t>
                           </m:r>
                           <m:r>
-                            <a:rPr lang="en-US" sz="4200" i="1">
-                              <a:latin typeface="Cambria Math" panose="02040503050406030204" pitchFamily="18" charset="0"/>
-                            </a:rPr>
+                            <a:rPr lang="en-US" sz="4200" i="1"/>
                             <m:t>𝑡</m:t>
                           </m:r>
                         </m:sub>
                       </m:sSub>
                       <m:r>
-                        <a:rPr lang="en-US" sz="4200" b="0" i="1" smtClean="0">
-                          <a:latin typeface="Cambria Math" panose="02040503050406030204" pitchFamily="18" charset="0"/>
-                        </a:rPr>
+                        <a:rPr lang="en-US" sz="4200" b="0" i="1" smtClean="0"/>
                         <m:t>−</m:t>
                       </m:r>
                       <m:sSub>
@@ -5796,7 +5913,6 @@
                               <a:solidFill>
                                 <a:srgbClr val="836967"/>
                               </a:solidFill>
-                              <a:latin typeface="Cambria Math" panose="02040503050406030204" pitchFamily="18" charset="0"/>
                             </a:rPr>
                           </m:ctrlPr>
                         </m:sSubPr>
@@ -5806,30 +5922,23 @@
                               <a:solidFill>
                                 <a:schemeClr val="accent6"/>
                               </a:solidFill>
-                              <a:latin typeface="Cambria Math" panose="02040503050406030204" pitchFamily="18" charset="0"/>
                             </a:rPr>
                             <m:t>𝑆</m:t>
                           </m:r>
                         </m:e>
                         <m:sub>
                           <m:r>
-                            <a:rPr lang="en-US" sz="4200" b="0" i="0" smtClean="0">
-                              <a:latin typeface="Cambria Math" panose="02040503050406030204" pitchFamily="18" charset="0"/>
-                            </a:rPr>
+                            <a:rPr lang="en-US" sz="4200" b="0" i="0" smtClean="0"/>
                             <m:t>𝑥</m:t>
                           </m:r>
                           <m:r>
-                            <a:rPr lang="en-US" sz="4200" b="0" i="0" smtClean="0">
-                              <a:latin typeface="Cambria Math" panose="02040503050406030204" pitchFamily="18" charset="0"/>
-                            </a:rPr>
+                            <a:rPr lang="en-US" sz="4200" b="0" i="0" smtClean="0"/>
                             <m:t>,0</m:t>
                           </m:r>
                         </m:sub>
                       </m:sSub>
                       <m:r>
-                        <a:rPr lang="en-US" sz="4200" b="0" i="0" smtClean="0">
-                          <a:latin typeface="Cambria Math" panose="02040503050406030204" pitchFamily="18" charset="0"/>
-                        </a:rPr>
+                        <a:rPr lang="en-US" sz="4200" b="0" i="0" smtClean="0"/>
                         <m:t>)</m:t>
                       </m:r>
                     </m:oMath>
@@ -5840,7 +5949,7 @@
             </p:txBody>
           </p:sp>
         </mc:Choice>
-        <mc:Fallback xmlns="">
+        <mc:Fallback>
           <p:sp>
             <p:nvSpPr>
               <p:cNvPr id="9" name="TextBox 8">
@@ -5918,14 +6027,14 @@
           <a:chExt cx="0" cy="0"/>
         </a:xfrm>
       </p:grpSpPr>
-      <mc:AlternateContent xmlns:mc="http://schemas.openxmlformats.org/markup-compatibility/2006" xmlns:a14="http://schemas.microsoft.com/office/drawing/2010/main">
-        <mc:Choice Requires="a14">
+      <mc:AlternateContent xmlns:mc="http://schemas.openxmlformats.org/markup-compatibility/2006">
+        <mc:Choice xmlns:a14="http://schemas.microsoft.com/office/drawing/2010/main" Requires="a14">
           <p:sp>
             <p:nvSpPr>
-              <p:cNvPr id="7" name="TextBox 6">
+              <p:cNvPr id="6" name="TextBox 5">
                 <a:extLst>
                   <a:ext uri="{FF2B5EF4-FFF2-40B4-BE49-F238E27FC236}">
-                    <a16:creationId xmlns:a16="http://schemas.microsoft.com/office/drawing/2014/main" id="{718F64F9-15B6-40B2-B4D8-77CC4ACBF37D}"/>
+                    <a16:creationId xmlns:a16="http://schemas.microsoft.com/office/drawing/2014/main" id="{633742D9-98B4-4370-B7FF-42219BF3327F}"/>
                   </a:ext>
                 </a:extLst>
               </p:cNvPr>
@@ -5934,8 +6043,8 @@
             </p:nvSpPr>
             <p:spPr>
               <a:xfrm>
-                <a:off x="397929" y="3429000"/>
-                <a:ext cx="11396133" cy="1665071"/>
+                <a:off x="170722" y="3593890"/>
+                <a:ext cx="11850552" cy="1554849"/>
               </a:xfrm>
               <a:prstGeom prst="rect">
                 <a:avLst/>
@@ -5953,72 +6062,66 @@
                     <m:sSub>
                       <m:sSubPr>
                         <m:ctrlPr>
-                          <a:rPr lang="en-US" sz="2400" i="1" smtClean="0">
+                          <a:rPr lang="en-US" sz="2300" i="1" smtClean="0">
                             <a:solidFill>
                               <a:srgbClr val="C00000"/>
                             </a:solidFill>
-                            <a:latin typeface="Cambria Math" panose="02040503050406030204" pitchFamily="18" charset="0"/>
                           </a:rPr>
                         </m:ctrlPr>
                       </m:sSubPr>
                       <m:e>
                         <m:r>
-                          <a:rPr lang="en-US" sz="2400" i="1">
+                          <a:rPr lang="en-US" sz="2300" b="0" i="1" smtClean="0">
                             <a:solidFill>
                               <a:srgbClr val="C00000"/>
                             </a:solidFill>
-                            <a:latin typeface="Cambria Math" panose="02040503050406030204" pitchFamily="18" charset="0"/>
                           </a:rPr>
-                          <m:t>𝑁</m:t>
+                          <m:t>𝑅𝐴𝑑𝑗𝐺</m:t>
                         </m:r>
                       </m:e>
                       <m:sub>
                         <m:r>
-                          <a:rPr lang="en-US" sz="2400" i="1" smtClean="0">
+                          <a:rPr lang="en-US" sz="2300" i="1" smtClean="0">
                             <a:solidFill>
                               <a:schemeClr val="tx1"/>
                             </a:solidFill>
-                            <a:latin typeface="Cambria Math" panose="02040503050406030204" pitchFamily="18" charset="0"/>
                           </a:rPr>
                           <m:t>𝑥</m:t>
                         </m:r>
                         <m:r>
-                          <a:rPr lang="en-US" sz="2400" i="1" smtClean="0">
+                          <a:rPr lang="en-US" sz="2300" i="1" smtClean="0">
                             <a:solidFill>
                               <a:schemeClr val="tx1"/>
                             </a:solidFill>
-                            <a:latin typeface="Cambria Math" panose="02040503050406030204" pitchFamily="18" charset="0"/>
                           </a:rPr>
                           <m:t>,</m:t>
                         </m:r>
                         <m:r>
-                          <a:rPr lang="en-US" sz="2400" i="1" smtClean="0">
+                          <a:rPr lang="en-US" sz="2300" i="1" smtClean="0">
                             <a:solidFill>
                               <a:schemeClr val="tx1"/>
                             </a:solidFill>
-                            <a:latin typeface="Cambria Math" panose="02040503050406030204" pitchFamily="18" charset="0"/>
                           </a:rPr>
                           <m:t>𝑡</m:t>
                         </m:r>
                       </m:sub>
                     </m:sSub>
                     <m:r>
-                      <a:rPr lang="en-US" sz="2400" i="1">
+                      <a:rPr lang="en-US" sz="2300" i="1">
                         <a:solidFill>
                           <a:srgbClr val="C00000"/>
                         </a:solidFill>
-                        <a:latin typeface="Cambria Math" panose="02040503050406030204" pitchFamily="18" charset="0"/>
                       </a:rPr>
                       <m:t> </m:t>
                     </m:r>
                   </m:oMath>
                 </a14:m>
                 <a:r>
-                  <a:rPr lang="en-US" sz="2400" dirty="0"/>
-                  <a:t>is the net migration adjustment for age-by-sex</a:t>
+                  <a:rPr lang="en-US" sz="2300" dirty="0"/>
+                  <a:t>is the gross migration-adjusted cohort change ratio for age-by-sex</a:t>
                 </a:r>
                 <a:r>
-                  <a:rPr lang="en-US" sz="2400" dirty="0">
+                  <a:rPr lang="en-US" sz="2300" dirty="0">
                     <a:solidFill>
                       <a:schemeClr val="tx1"/>
                     </a:solidFill>
@@ -6028,18 +6131,17 @@
                 <a14:m>
                   <m:oMath xmlns:m="http://schemas.openxmlformats.org/officeDocument/2006/math">
                     <m:r>
-                      <a:rPr lang="en-US" sz="2400" i="1">
+                      <a:rPr lang="en-US" sz="2300" i="1">
                         <a:solidFill>
                           <a:schemeClr val="tx1"/>
                         </a:solidFill>
-                        <a:latin typeface="Cambria Math" panose="02040503050406030204" pitchFamily="18" charset="0"/>
                       </a:rPr>
                       <m:t>𝑥</m:t>
                     </m:r>
                   </m:oMath>
                 </a14:m>
                 <a:r>
-                  <a:rPr lang="en-US" sz="2400" dirty="0">
+                  <a:rPr lang="en-US" sz="2300" dirty="0">
                     <a:solidFill>
                       <a:schemeClr val="tx1"/>
                     </a:solidFill>
@@ -6049,17 +6151,16 @@
                 <a14:m>
                   <m:oMath xmlns:m="http://schemas.openxmlformats.org/officeDocument/2006/math">
                     <m:r>
-                      <a:rPr lang="en-US" sz="2400" i="1">
+                      <a:rPr lang="en-US" sz="2300" i="1">
                         <a:solidFill>
                           <a:schemeClr val="tx1"/>
                         </a:solidFill>
-                        <a:latin typeface="Cambria Math" panose="02040503050406030204" pitchFamily="18" charset="0"/>
                       </a:rPr>
                       <m:t>𝑡</m:t>
                     </m:r>
                   </m:oMath>
                 </a14:m>
-                <a:endParaRPr lang="en-US" sz="2400" dirty="0">
+                <a:endParaRPr lang="en-US" sz="2300" dirty="0">
                   <a:solidFill>
                     <a:schemeClr val="tx1"/>
                   </a:solidFill>
@@ -6071,29 +6172,45 @@
                     <m:sSub>
                       <m:sSubPr>
                         <m:ctrlPr>
-                          <a:rPr lang="en-US" sz="2400" i="1">
+                          <a:rPr lang="en-US" sz="2300" i="1" smtClean="0">
                             <a:solidFill>
-                              <a:schemeClr val="accent1"/>
+                              <a:schemeClr val="tx1"/>
                             </a:solidFill>
-                            <a:latin typeface="Cambria Math" panose="02040503050406030204" pitchFamily="18" charset="0"/>
                           </a:rPr>
                         </m:ctrlPr>
                       </m:sSubPr>
                       <m:e>
                         <m:r>
-                          <a:rPr lang="en-US" sz="2400" b="0" i="1" smtClean="0">
+                          <a:rPr lang="en-US" sz="2300" b="0" i="1" smtClean="0">
                             <a:solidFill>
                               <a:schemeClr val="tx1"/>
                             </a:solidFill>
-                            <a:latin typeface="Cambria Math" panose="02040503050406030204" pitchFamily="18" charset="0"/>
                           </a:rPr>
-                          <m:t>𝐴𝑑𝑗</m:t>
+                          <m:t>𝑅</m:t>
                         </m:r>
                       </m:e>
                       <m:sub>
                         <m:r>
-                          <a:rPr lang="en-US" sz="2400" i="1">
-                            <a:latin typeface="Cambria Math" panose="02040503050406030204" pitchFamily="18" charset="0"/>
+                          <a:rPr lang="en-US" sz="2300" i="1">
+                            <a:solidFill>
+                              <a:schemeClr val="tx1"/>
+                            </a:solidFill>
+                          </a:rPr>
+                          <m:t>𝑥</m:t>
+                        </m:r>
+                        <m:r>
+                          <a:rPr lang="en-US" sz="2300" i="1">
+                            <a:solidFill>
+                              <a:schemeClr val="tx1"/>
+                            </a:solidFill>
+                          </a:rPr>
+                          <m:t>,</m:t>
+                        </m:r>
+                        <m:r>
+                          <a:rPr lang="en-US" sz="2300" i="1">
+                            <a:solidFill>
+                              <a:schemeClr val="tx1"/>
+                            </a:solidFill>
                           </a:rPr>
                           <m:t>𝑡</m:t>
                         </m:r>
@@ -6102,20 +6219,30 @@
                   </m:oMath>
                 </a14:m>
                 <a:r>
-                  <a:rPr lang="en-US" sz="2400" dirty="0"/>
-                  <a:t> is the adjustment factor, a proportion of total population, at time </a:t>
+                  <a:rPr lang="en-US" sz="2300" dirty="0"/>
+                  <a:t> is the unadjusted cohort change ratio for age-by-sex </a:t>
                 </a:r>
                 <a14:m>
                   <m:oMath xmlns:m="http://schemas.openxmlformats.org/officeDocument/2006/math">
                     <m:r>
-                      <a:rPr lang="en-US" sz="2400" i="1">
-                        <a:latin typeface="Cambria Math" panose="02040503050406030204" pitchFamily="18" charset="0"/>
-                      </a:rPr>
+                      <a:rPr lang="en-US" sz="2300" i="1"/>
+                      <m:t>𝑥</m:t>
+                    </m:r>
+                  </m:oMath>
+                </a14:m>
+                <a:r>
+                  <a:rPr lang="en-US" sz="2300" dirty="0"/>
+                  <a:t>, at time </a:t>
+                </a:r>
+                <a14:m>
+                  <m:oMath xmlns:m="http://schemas.openxmlformats.org/officeDocument/2006/math">
+                    <m:r>
+                      <a:rPr lang="en-US" sz="2300" i="1"/>
                       <m:t>𝑡</m:t>
                     </m:r>
                   </m:oMath>
                 </a14:m>
-                <a:endParaRPr lang="en-US" sz="2400" dirty="0"/>
+                <a:endParaRPr lang="en-US" sz="2300" dirty="0"/>
               </a:p>
               <a:p>
                 <a14:m>
@@ -6123,30 +6250,42 @@
                     <m:sSub>
                       <m:sSubPr>
                         <m:ctrlPr>
-                          <a:rPr lang="en-US" sz="2400" i="1" smtClean="0">
+                          <a:rPr lang="en-US" sz="2300" i="1" smtClean="0">
                             <a:solidFill>
                               <a:schemeClr val="accent1"/>
                             </a:solidFill>
-                            <a:latin typeface="Cambria Math" panose="02040503050406030204" pitchFamily="18" charset="0"/>
                           </a:rPr>
                         </m:ctrlPr>
                       </m:sSubPr>
                       <m:e>
                         <m:r>
-                          <a:rPr lang="en-US" sz="2400" i="1" smtClean="0">
+                          <a:rPr lang="en-US" sz="2300" b="0" i="1" smtClean="0">
                             <a:solidFill>
                               <a:schemeClr val="accent6"/>
                             </a:solidFill>
-                            <a:latin typeface="Cambria Math" panose="02040503050406030204" pitchFamily="18" charset="0"/>
                           </a:rPr>
-                          <m:t>𝐾</m:t>
+                          <m:t>𝑆</m:t>
                         </m:r>
                       </m:e>
                       <m:sub>
                         <m:r>
-                          <a:rPr lang="en-US" sz="2400" i="1">
-                            <a:latin typeface="Cambria Math" panose="02040503050406030204" pitchFamily="18" charset="0"/>
+                          <a:rPr lang="en-US" sz="2300" b="0" i="1" smtClean="0">
+                            <a:solidFill>
+                              <a:schemeClr val="tx1"/>
+                            </a:solidFill>
                           </a:rPr>
+                          <m:t>𝑥</m:t>
+                        </m:r>
+                        <m:r>
+                          <a:rPr lang="en-US" sz="2300" b="0" i="1" smtClean="0">
+                            <a:solidFill>
+                              <a:schemeClr val="tx1"/>
+                            </a:solidFill>
+                          </a:rPr>
+                          <m:t>,</m:t>
+                        </m:r>
+                        <m:r>
+                          <a:rPr lang="en-US" sz="2300" i="1"/>
                           <m:t>𝑡</m:t>
                         </m:r>
                       </m:sub>
@@ -6154,20 +6293,30 @@
                   </m:oMath>
                 </a14:m>
                 <a:r>
-                  <a:rPr lang="en-US" sz="2400" dirty="0"/>
-                  <a:t> is the total population at time </a:t>
+                  <a:rPr lang="en-US" sz="2300" dirty="0"/>
+                  <a:t> is the imputed survivorship factor for age-by-sex </a:t>
                 </a:r>
                 <a14:m>
                   <m:oMath xmlns:m="http://schemas.openxmlformats.org/officeDocument/2006/math">
                     <m:r>
-                      <a:rPr lang="en-US" sz="2400" i="1">
-                        <a:latin typeface="Cambria Math" panose="02040503050406030204" pitchFamily="18" charset="0"/>
-                      </a:rPr>
+                      <a:rPr lang="en-US" sz="2300" i="1"/>
+                      <m:t>𝑥</m:t>
+                    </m:r>
+                  </m:oMath>
+                </a14:m>
+                <a:r>
+                  <a:rPr lang="en-US" sz="2300" dirty="0"/>
+                  <a:t>, at time </a:t>
+                </a:r>
+                <a14:m>
+                  <m:oMath xmlns:m="http://schemas.openxmlformats.org/officeDocument/2006/math">
+                    <m:r>
+                      <a:rPr lang="en-US" sz="2300" i="1"/>
                       <m:t>𝑡</m:t>
                     </m:r>
                   </m:oMath>
                 </a14:m>
-                <a:endParaRPr lang="en-US" sz="2400" dirty="0"/>
+                <a:endParaRPr lang="en-US" sz="2300" dirty="0"/>
               </a:p>
               <a:p>
                 <a14:m>
@@ -6175,42 +6324,26 @@
                     <m:sSub>
                       <m:sSubPr>
                         <m:ctrlPr>
-                          <a:rPr lang="en-US" sz="2400" i="1">
+                          <a:rPr lang="en-US" sz="2300" i="1" smtClean="0">
                             <a:solidFill>
                               <a:schemeClr val="accent6"/>
                             </a:solidFill>
-                            <a:latin typeface="Cambria Math" panose="02040503050406030204" pitchFamily="18" charset="0"/>
                           </a:rPr>
                         </m:ctrlPr>
                       </m:sSubPr>
                       <m:e>
                         <m:r>
-                          <a:rPr lang="en-US" sz="2400" i="1" smtClean="0">
+                          <a:rPr lang="en-US" sz="2300" b="0" i="1" smtClean="0">
                             <a:solidFill>
                               <a:schemeClr val="accent1"/>
                             </a:solidFill>
-                            <a:latin typeface="Cambria Math" panose="02040503050406030204" pitchFamily="18" charset="0"/>
                           </a:rPr>
-                          <m:t>𝐺</m:t>
+                          <m:t>𝐼</m:t>
                         </m:r>
                       </m:e>
                       <m:sub>
                         <m:r>
-                          <a:rPr lang="en-US" sz="2400" i="1">
-                            <a:latin typeface="Cambria Math" panose="02040503050406030204" pitchFamily="18" charset="0"/>
-                          </a:rPr>
-                          <m:t>𝑥</m:t>
-                        </m:r>
-                        <m:r>
-                          <a:rPr lang="en-US" sz="2400" i="1">
-                            <a:latin typeface="Cambria Math" panose="02040503050406030204" pitchFamily="18" charset="0"/>
-                          </a:rPr>
-                          <m:t>,</m:t>
-                        </m:r>
-                        <m:r>
-                          <a:rPr lang="en-US" sz="2400" i="1">
-                            <a:latin typeface="Cambria Math" panose="02040503050406030204" pitchFamily="18" charset="0"/>
-                          </a:rPr>
+                          <a:rPr lang="en-US" sz="2300" b="0" i="1" smtClean="0"/>
                           <m:t>𝑡</m:t>
                         </m:r>
                       </m:sub>
@@ -6218,20 +6351,41 @@
                   </m:oMath>
                 </a14:m>
                 <a:r>
-                  <a:rPr lang="en-US" sz="2400" dirty="0"/>
-                  <a:t> is from a proportional (sum of 1) migration profile, which may be generic</a:t>
+                  <a:rPr lang="en-US" sz="2300" dirty="0"/>
+                  <a:t> is the gross migration adjustment factor (centered on 1) for age-by-sex </a:t>
                 </a:r>
+                <a14:m>
+                  <m:oMath xmlns:m="http://schemas.openxmlformats.org/officeDocument/2006/math">
+                    <m:r>
+                      <a:rPr lang="en-US" sz="2300" i="1"/>
+                      <m:t>𝑥</m:t>
+                    </m:r>
+                  </m:oMath>
+                </a14:m>
+                <a:r>
+                  <a:rPr lang="en-US" sz="2300" dirty="0"/>
+                  <a:t>, at time </a:t>
+                </a:r>
+                <a14:m>
+                  <m:oMath xmlns:m="http://schemas.openxmlformats.org/officeDocument/2006/math">
+                    <m:r>
+                      <a:rPr lang="en-US" sz="2300" b="0" i="1" smtClean="0"/>
+                      <m:t>𝑡</m:t>
+                    </m:r>
+                  </m:oMath>
+                </a14:m>
+                <a:endParaRPr lang="en-US" sz="2300" dirty="0"/>
               </a:p>
             </p:txBody>
           </p:sp>
         </mc:Choice>
-        <mc:Fallback xmlns="">
+        <mc:Fallback>
           <p:sp>
             <p:nvSpPr>
-              <p:cNvPr id="7" name="TextBox 6">
+              <p:cNvPr id="6" name="TextBox 5">
                 <a:extLst>
                   <a:ext uri="{FF2B5EF4-FFF2-40B4-BE49-F238E27FC236}">
-                    <a16:creationId xmlns:a16="http://schemas.microsoft.com/office/drawing/2014/main" id="{718F64F9-15B6-40B2-B4D8-77CC4ACBF37D}"/>
+                    <a16:creationId xmlns:a16="http://schemas.microsoft.com/office/drawing/2014/main" id="{633742D9-98B4-4370-B7FF-42219BF3327F}"/>
                   </a:ext>
                 </a:extLst>
               </p:cNvPr>
@@ -6242,8 +6396,8 @@
             </p:nvSpPr>
             <p:spPr>
               <a:xfrm>
-                <a:off x="397929" y="3429000"/>
-                <a:ext cx="11396133" cy="1665071"/>
+                <a:off x="170722" y="3593890"/>
+                <a:ext cx="11850552" cy="1554849"/>
               </a:xfrm>
               <a:prstGeom prst="rect">
                 <a:avLst/>
@@ -6251,7 +6405,7 @@
               <a:blipFill>
                 <a:blip r:embed="rId3"/>
                 <a:stretch>
-                  <a:fillRect l="-428" t="-2564" b="-2564"/>
+                  <a:fillRect l="-360" t="-2745" b="-7843"/>
                 </a:stretch>
               </a:blipFill>
             </p:spPr>
@@ -6270,8 +6424,1513 @@
           </p:sp>
         </mc:Fallback>
       </mc:AlternateContent>
-      <mc:AlternateContent xmlns:mc="http://schemas.openxmlformats.org/markup-compatibility/2006" xmlns:a14="http://schemas.microsoft.com/office/drawing/2010/main">
-        <mc:Choice Requires="a14">
+      <mc:AlternateContent xmlns:mc="http://schemas.openxmlformats.org/markup-compatibility/2006">
+        <mc:Choice xmlns:a14="http://schemas.microsoft.com/office/drawing/2010/main" Requires="a14">
+          <p:sp>
+            <p:nvSpPr>
+              <p:cNvPr id="9" name="TextBox 8">
+                <a:extLst>
+                  <a:ext uri="{FF2B5EF4-FFF2-40B4-BE49-F238E27FC236}">
+                    <a16:creationId xmlns:a16="http://schemas.microsoft.com/office/drawing/2014/main" id="{CF6675B3-9060-4DBD-BEC7-2915501CA118}"/>
+                  </a:ext>
+                </a:extLst>
+              </p:cNvPr>
+              <p:cNvSpPr txBox="1"/>
+              <p:nvPr/>
+            </p:nvSpPr>
+            <p:spPr>
+              <a:xfrm>
+                <a:off x="170722" y="1965960"/>
+                <a:ext cx="11850552" cy="767005"/>
+              </a:xfrm>
+              <a:prstGeom prst="rect">
+                <a:avLst/>
+              </a:prstGeom>
+              <a:noFill/>
+              <a:ln>
+                <a:noFill/>
+              </a:ln>
+            </p:spPr>
+            <p:txBody>
+              <a:bodyPr wrap="square">
+                <a:spAutoFit/>
+              </a:bodyPr>
+              <a:lstStyle/>
+              <a:p>
+                <a:pPr algn="ctr"/>
+                <a14:m>
+                  <m:oMathPara xmlns:m="http://schemas.openxmlformats.org/officeDocument/2006/math">
+                    <m:oMathParaPr>
+                      <m:jc m:val="centerGroup"/>
+                    </m:oMathParaPr>
+                    <m:oMath xmlns:m="http://schemas.openxmlformats.org/officeDocument/2006/math">
+                      <m:sSub>
+                        <m:sSubPr>
+                          <m:ctrlPr>
+                            <a:rPr lang="en-US" sz="4200" b="0" i="1" smtClean="0">
+                              <a:solidFill>
+                                <a:srgbClr val="C00000"/>
+                              </a:solidFill>
+                            </a:rPr>
+                          </m:ctrlPr>
+                        </m:sSubPr>
+                        <m:e>
+                          <m:r>
+                            <a:rPr lang="en-US" sz="4200" i="1">
+                              <a:solidFill>
+                                <a:srgbClr val="C00000"/>
+                              </a:solidFill>
+                            </a:rPr>
+                            <m:t>𝑅𝐴𝑑𝑗𝐺</m:t>
+                          </m:r>
+                        </m:e>
+                        <m:sub>
+                          <m:r>
+                            <a:rPr lang="en-US" sz="4200" b="0" i="1" smtClean="0">
+                              <a:solidFill>
+                                <a:schemeClr val="tx1"/>
+                              </a:solidFill>
+                            </a:rPr>
+                            <m:t>𝑥</m:t>
+                          </m:r>
+                          <m:r>
+                            <a:rPr lang="en-US" sz="4200" b="0" i="1" smtClean="0">
+                              <a:solidFill>
+                                <a:schemeClr val="tx1"/>
+                              </a:solidFill>
+                            </a:rPr>
+                            <m:t>,  </m:t>
+                          </m:r>
+                          <m:r>
+                            <a:rPr lang="en-US" sz="4200" b="0" i="1" smtClean="0">
+                              <a:solidFill>
+                                <a:schemeClr val="tx1"/>
+                              </a:solidFill>
+                            </a:rPr>
+                            <m:t>𝑡</m:t>
+                          </m:r>
+                        </m:sub>
+                      </m:sSub>
+                      <m:r>
+                        <a:rPr lang="en-US" sz="4200" i="1"/>
+                        <m:t>=</m:t>
+                      </m:r>
+                      <m:sSub>
+                        <m:sSubPr>
+                          <m:ctrlPr>
+                            <a:rPr lang="en-US" sz="4200" i="1" smtClean="0">
+                              <a:solidFill>
+                                <a:schemeClr val="tx1"/>
+                              </a:solidFill>
+                            </a:rPr>
+                          </m:ctrlPr>
+                        </m:sSubPr>
+                        <m:e>
+                          <m:r>
+                            <a:rPr lang="en-US" sz="4200" b="0" i="1" smtClean="0">
+                              <a:solidFill>
+                                <a:schemeClr val="tx1"/>
+                              </a:solidFill>
+                            </a:rPr>
+                            <m:t>(</m:t>
+                          </m:r>
+                          <m:r>
+                            <a:rPr lang="en-US" sz="4200" i="1" smtClean="0">
+                              <a:solidFill>
+                                <a:schemeClr val="tx1"/>
+                              </a:solidFill>
+                            </a:rPr>
+                            <m:t>𝑅</m:t>
+                          </m:r>
+                        </m:e>
+                        <m:sub>
+                          <m:r>
+                            <a:rPr lang="en-US" sz="4200" i="1">
+                              <a:solidFill>
+                                <a:schemeClr val="tx1"/>
+                              </a:solidFill>
+                            </a:rPr>
+                            <m:t>𝑥</m:t>
+                          </m:r>
+                          <m:r>
+                            <a:rPr lang="en-US" sz="4200" i="1">
+                              <a:solidFill>
+                                <a:schemeClr val="tx1"/>
+                              </a:solidFill>
+                            </a:rPr>
+                            <m:t>,  </m:t>
+                          </m:r>
+                          <m:r>
+                            <a:rPr lang="en-US" sz="4200" i="1">
+                              <a:solidFill>
+                                <a:schemeClr val="tx1"/>
+                              </a:solidFill>
+                            </a:rPr>
+                            <m:t>𝑡</m:t>
+                          </m:r>
+                        </m:sub>
+                      </m:sSub>
+                      <m:r>
+                        <a:rPr lang="en-US" sz="4200" b="0" i="1" smtClean="0">
+                          <a:solidFill>
+                            <a:schemeClr val="tx1"/>
+                          </a:solidFill>
+                        </a:rPr>
+                        <m:t>−</m:t>
+                      </m:r>
+                      <m:sSub>
+                        <m:sSubPr>
+                          <m:ctrlPr>
+                            <a:rPr lang="en-US" sz="4200" i="1">
+                              <a:solidFill>
+                                <a:schemeClr val="accent6"/>
+                              </a:solidFill>
+                            </a:rPr>
+                          </m:ctrlPr>
+                        </m:sSubPr>
+                        <m:e>
+                          <m:r>
+                            <a:rPr lang="en-US" sz="4200" i="1">
+                              <a:solidFill>
+                                <a:schemeClr val="accent6"/>
+                              </a:solidFill>
+                            </a:rPr>
+                            <m:t>𝑆</m:t>
+                          </m:r>
+                        </m:e>
+                        <m:sub>
+                          <m:r>
+                            <a:rPr lang="en-US" sz="4200" i="1"/>
+                            <m:t>𝑥</m:t>
+                          </m:r>
+                          <m:r>
+                            <a:rPr lang="en-US" sz="4200" i="1"/>
+                            <m:t>,</m:t>
+                          </m:r>
+                          <m:r>
+                            <a:rPr lang="en-US" sz="4200" i="1"/>
+                            <m:t>𝑡</m:t>
+                          </m:r>
+                        </m:sub>
+                      </m:sSub>
+                      <m:r>
+                        <a:rPr lang="en-US" sz="4200" b="0" i="1" smtClean="0">
+                          <a:solidFill>
+                            <a:schemeClr val="tx1"/>
+                          </a:solidFill>
+                        </a:rPr>
+                        <m:t>)</m:t>
+                      </m:r>
+                      <m:r>
+                        <a:rPr lang="en-US" sz="4200"/>
+                        <m:t>⋅</m:t>
+                      </m:r>
+                      <m:sSub>
+                        <m:sSubPr>
+                          <m:ctrlPr>
+                            <a:rPr lang="en-US" sz="4200" i="1" dirty="0" smtClean="0">
+                              <a:solidFill>
+                                <a:srgbClr val="836967"/>
+                              </a:solidFill>
+                            </a:rPr>
+                          </m:ctrlPr>
+                        </m:sSubPr>
+                        <m:e>
+                          <m:r>
+                            <a:rPr lang="en-US" sz="4200" i="1" dirty="0" smtClean="0">
+                              <a:solidFill>
+                                <a:schemeClr val="accent1"/>
+                              </a:solidFill>
+                            </a:rPr>
+                            <m:t>𝐼</m:t>
+                          </m:r>
+                        </m:e>
+                        <m:sub>
+                          <m:r>
+                            <a:rPr lang="en-US" sz="4200" i="1" dirty="0"/>
+                            <m:t>𝑡</m:t>
+                          </m:r>
+                        </m:sub>
+                      </m:sSub>
+                      <m:r>
+                        <a:rPr lang="en-US" sz="4200" dirty="0" smtClean="0"/>
+                        <m:t>+</m:t>
+                      </m:r>
+                      <m:sSub>
+                        <m:sSubPr>
+                          <m:ctrlPr>
+                            <a:rPr lang="en-US" sz="4200" i="1">
+                              <a:solidFill>
+                                <a:schemeClr val="accent6"/>
+                              </a:solidFill>
+                            </a:rPr>
+                          </m:ctrlPr>
+                        </m:sSubPr>
+                        <m:e>
+                          <m:r>
+                            <a:rPr lang="en-US" sz="4200" i="1">
+                              <a:solidFill>
+                                <a:schemeClr val="accent6"/>
+                              </a:solidFill>
+                            </a:rPr>
+                            <m:t>𝑆</m:t>
+                          </m:r>
+                        </m:e>
+                        <m:sub>
+                          <m:r>
+                            <a:rPr lang="en-US" sz="4200" i="1"/>
+                            <m:t>𝑥</m:t>
+                          </m:r>
+                          <m:r>
+                            <a:rPr lang="en-US" sz="4200" i="1"/>
+                            <m:t>,</m:t>
+                          </m:r>
+                          <m:r>
+                            <a:rPr lang="en-US" sz="4200" i="1"/>
+                            <m:t>𝑡</m:t>
+                          </m:r>
+                        </m:sub>
+                      </m:sSub>
+                    </m:oMath>
+                  </m:oMathPara>
+                </a14:m>
+                <a:endParaRPr lang="en-US" sz="4200" dirty="0"/>
+              </a:p>
+            </p:txBody>
+          </p:sp>
+        </mc:Choice>
+        <mc:Fallback>
+          <p:sp>
+            <p:nvSpPr>
+              <p:cNvPr id="9" name="TextBox 8">
+                <a:extLst>
+                  <a:ext uri="{FF2B5EF4-FFF2-40B4-BE49-F238E27FC236}">
+                    <a16:creationId xmlns:a16="http://schemas.microsoft.com/office/drawing/2014/main" id="{CF6675B3-9060-4DBD-BEC7-2915501CA118}"/>
+                  </a:ext>
+                </a:extLst>
+              </p:cNvPr>
+              <p:cNvSpPr txBox="1">
+                <a:spLocks noRot="1" noChangeAspect="1" noMove="1" noResize="1" noEditPoints="1" noAdjustHandles="1" noChangeArrowheads="1" noChangeShapeType="1" noTextEdit="1"/>
+              </p:cNvSpPr>
+              <p:nvPr/>
+            </p:nvSpPr>
+            <p:spPr>
+              <a:xfrm>
+                <a:off x="170722" y="1965960"/>
+                <a:ext cx="11850552" cy="767005"/>
+              </a:xfrm>
+              <a:prstGeom prst="rect">
+                <a:avLst/>
+              </a:prstGeom>
+              <a:blipFill>
+                <a:blip r:embed="rId4"/>
+                <a:stretch>
+                  <a:fillRect/>
+                </a:stretch>
+              </a:blipFill>
+              <a:ln>
+                <a:noFill/>
+              </a:ln>
+            </p:spPr>
+            <p:txBody>
+              <a:bodyPr/>
+              <a:lstStyle/>
+              <a:p>
+                <a:r>
+                  <a:rPr lang="en-US">
+                    <a:noFill/>
+                  </a:rPr>
+                  <a:t> </a:t>
+                </a:r>
+              </a:p>
+            </p:txBody>
+          </p:sp>
+        </mc:Fallback>
+      </mc:AlternateContent>
+    </p:spTree>
+    <p:extLst>
+      <p:ext uri="{BB962C8B-B14F-4D97-AF65-F5344CB8AC3E}">
+        <p14:creationId xmlns:p14="http://schemas.microsoft.com/office/powerpoint/2010/main" val="1479156305"/>
+      </p:ext>
+    </p:extLst>
+  </p:cSld>
+  <p:clrMapOvr>
+    <a:masterClrMapping/>
+  </p:clrMapOvr>
+</p:sld>
+</file>
+
+<file path=ppt/slides/slide4.xml><?xml version="1.0" encoding="utf-8"?>
+<p:sld xmlns:a="http://schemas.openxmlformats.org/drawingml/2006/main" xmlns:r="http://schemas.openxmlformats.org/officeDocument/2006/relationships" xmlns:p="http://schemas.openxmlformats.org/presentationml/2006/main">
+  <p:cSld>
+    <p:spTree>
+      <p:nvGrpSpPr>
+        <p:cNvPr id="1" name=""/>
+        <p:cNvGrpSpPr/>
+        <p:nvPr/>
+      </p:nvGrpSpPr>
+      <p:grpSpPr>
+        <a:xfrm>
+          <a:off x="0" y="0"/>
+          <a:ext cx="0" cy="0"/>
+          <a:chOff x="0" y="0"/>
+          <a:chExt cx="0" cy="0"/>
+        </a:xfrm>
+      </p:grpSpPr>
+      <mc:AlternateContent xmlns:mc="http://schemas.openxmlformats.org/markup-compatibility/2006">
+        <mc:Choice xmlns:a14="http://schemas.microsoft.com/office/drawing/2010/main" Requires="a14">
+          <p:sp>
+            <p:nvSpPr>
+              <p:cNvPr id="6" name="TextBox 5">
+                <a:extLst>
+                  <a:ext uri="{FF2B5EF4-FFF2-40B4-BE49-F238E27FC236}">
+                    <a16:creationId xmlns:a16="http://schemas.microsoft.com/office/drawing/2014/main" id="{633742D9-98B4-4370-B7FF-42219BF3327F}"/>
+                  </a:ext>
+                </a:extLst>
+              </p:cNvPr>
+              <p:cNvSpPr txBox="1"/>
+              <p:nvPr/>
+            </p:nvSpPr>
+            <p:spPr>
+              <a:xfrm>
+                <a:off x="85359" y="3590144"/>
+                <a:ext cx="12021278" cy="1987852"/>
+              </a:xfrm>
+              <a:prstGeom prst="rect">
+                <a:avLst/>
+              </a:prstGeom>
+              <a:noFill/>
+            </p:spPr>
+            <p:txBody>
+              <a:bodyPr wrap="square" rtlCol="0">
+                <a:spAutoFit/>
+              </a:bodyPr>
+              <a:lstStyle/>
+              <a:p>
+                <a14:m>
+                  <m:oMath xmlns:m="http://schemas.openxmlformats.org/officeDocument/2006/math">
+                    <m:sSub>
+                      <m:sSubPr>
+                        <m:ctrlPr>
+                          <a:rPr lang="en-US" sz="2300" i="1" smtClean="0">
+                            <a:solidFill>
+                              <a:srgbClr val="C00000"/>
+                            </a:solidFill>
+                          </a:rPr>
+                        </m:ctrlPr>
+                      </m:sSubPr>
+                      <m:e>
+                        <m:r>
+                          <a:rPr lang="en-US" sz="2300" b="0" i="1" smtClean="0">
+                            <a:solidFill>
+                              <a:srgbClr val="C00000"/>
+                            </a:solidFill>
+                          </a:rPr>
+                          <m:t>𝑅𝐴𝑑𝑗</m:t>
+                        </m:r>
+                        <m:r>
+                          <a:rPr lang="en-US" sz="2300" b="0" i="1" smtClean="0">
+                            <a:solidFill>
+                              <a:srgbClr val="C00000"/>
+                            </a:solidFill>
+                          </a:rPr>
+                          <m:t>𝑍</m:t>
+                        </m:r>
+                      </m:e>
+                      <m:sub>
+                        <m:r>
+                          <a:rPr lang="en-US" sz="2300" i="1" smtClean="0">
+                            <a:solidFill>
+                              <a:schemeClr val="tx1"/>
+                            </a:solidFill>
+                          </a:rPr>
+                          <m:t>𝑥</m:t>
+                        </m:r>
+                        <m:r>
+                          <a:rPr lang="en-US" sz="2300" i="1" smtClean="0">
+                            <a:solidFill>
+                              <a:schemeClr val="tx1"/>
+                            </a:solidFill>
+                          </a:rPr>
+                          <m:t>,</m:t>
+                        </m:r>
+                        <m:r>
+                          <a:rPr lang="en-US" sz="2300" i="1" smtClean="0">
+                            <a:solidFill>
+                              <a:schemeClr val="tx1"/>
+                            </a:solidFill>
+                          </a:rPr>
+                          <m:t>𝑡</m:t>
+                        </m:r>
+                      </m:sub>
+                    </m:sSub>
+                    <m:r>
+                      <a:rPr lang="en-US" sz="2300" i="1">
+                        <a:solidFill>
+                          <a:srgbClr val="C00000"/>
+                        </a:solidFill>
+                      </a:rPr>
+                      <m:t> </m:t>
+                    </m:r>
+                  </m:oMath>
+                </a14:m>
+                <a:r>
+                  <a:rPr lang="en-US" sz="2300" dirty="0"/>
+                  <a:t>is the mortality- and gross migration-adjusted cohort change ratio for age-by-sex</a:t>
+                </a:r>
+                <a:r>
+                  <a:rPr lang="en-US" sz="2300" dirty="0">
+                    <a:solidFill>
+                      <a:schemeClr val="tx1"/>
+                    </a:solidFill>
+                  </a:rPr>
+                  <a:t> </a:t>
+                </a:r>
+                <a14:m>
+                  <m:oMath xmlns:m="http://schemas.openxmlformats.org/officeDocument/2006/math">
+                    <m:r>
+                      <a:rPr lang="en-US" sz="2300" i="1">
+                        <a:solidFill>
+                          <a:schemeClr val="tx1"/>
+                        </a:solidFill>
+                      </a:rPr>
+                      <m:t>𝑥</m:t>
+                    </m:r>
+                  </m:oMath>
+                </a14:m>
+                <a:r>
+                  <a:rPr lang="en-US" sz="2300" dirty="0">
+                    <a:solidFill>
+                      <a:schemeClr val="tx1"/>
+                    </a:solidFill>
+                  </a:rPr>
+                  <a:t>, time </a:t>
+                </a:r>
+                <a14:m>
+                  <m:oMath xmlns:m="http://schemas.openxmlformats.org/officeDocument/2006/math">
+                    <m:r>
+                      <a:rPr lang="en-US" sz="2300" i="1">
+                        <a:solidFill>
+                          <a:schemeClr val="tx1"/>
+                        </a:solidFill>
+                      </a:rPr>
+                      <m:t>𝑡</m:t>
+                    </m:r>
+                  </m:oMath>
+                </a14:m>
+                <a:endParaRPr lang="en-US" sz="2300" dirty="0">
+                  <a:solidFill>
+                    <a:schemeClr val="tx1"/>
+                  </a:solidFill>
+                </a:endParaRPr>
+              </a:p>
+              <a:p>
+                <a14:m>
+                  <m:oMath xmlns:m="http://schemas.openxmlformats.org/officeDocument/2006/math">
+                    <m:sSub>
+                      <m:sSubPr>
+                        <m:ctrlPr>
+                          <a:rPr lang="en-US" sz="2300" i="1" smtClean="0">
+                            <a:solidFill>
+                              <a:schemeClr val="tx1"/>
+                            </a:solidFill>
+                          </a:rPr>
+                        </m:ctrlPr>
+                      </m:sSubPr>
+                      <m:e>
+                        <m:r>
+                          <a:rPr lang="en-US" sz="2300" b="0" i="1" smtClean="0">
+                            <a:solidFill>
+                              <a:schemeClr val="tx1"/>
+                            </a:solidFill>
+                          </a:rPr>
+                          <m:t>𝑅</m:t>
+                        </m:r>
+                      </m:e>
+                      <m:sub>
+                        <m:r>
+                          <a:rPr lang="en-US" sz="2300" i="1">
+                            <a:solidFill>
+                              <a:schemeClr val="tx1"/>
+                            </a:solidFill>
+                          </a:rPr>
+                          <m:t>𝑥</m:t>
+                        </m:r>
+                        <m:r>
+                          <a:rPr lang="en-US" sz="2300" i="1">
+                            <a:solidFill>
+                              <a:schemeClr val="tx1"/>
+                            </a:solidFill>
+                          </a:rPr>
+                          <m:t>,</m:t>
+                        </m:r>
+                        <m:r>
+                          <a:rPr lang="en-US" sz="2300" i="1">
+                            <a:solidFill>
+                              <a:schemeClr val="tx1"/>
+                            </a:solidFill>
+                          </a:rPr>
+                          <m:t>𝑡</m:t>
+                        </m:r>
+                      </m:sub>
+                    </m:sSub>
+                  </m:oMath>
+                </a14:m>
+                <a:r>
+                  <a:rPr lang="en-US" sz="2300" dirty="0"/>
+                  <a:t> is the unadjusted cohort change ratio for age-by-sex </a:t>
+                </a:r>
+                <a14:m>
+                  <m:oMath xmlns:m="http://schemas.openxmlformats.org/officeDocument/2006/math">
+                    <m:r>
+                      <a:rPr lang="en-US" sz="2300" i="1"/>
+                      <m:t>𝑥</m:t>
+                    </m:r>
+                  </m:oMath>
+                </a14:m>
+                <a:r>
+                  <a:rPr lang="en-US" sz="2300" dirty="0"/>
+                  <a:t>, at time </a:t>
+                </a:r>
+                <a14:m>
+                  <m:oMath xmlns:m="http://schemas.openxmlformats.org/officeDocument/2006/math">
+                    <m:r>
+                      <a:rPr lang="en-US" sz="2300" i="1"/>
+                      <m:t>𝑡</m:t>
+                    </m:r>
+                  </m:oMath>
+                </a14:m>
+                <a:endParaRPr lang="en-US" sz="2300" dirty="0"/>
+              </a:p>
+              <a:p>
+                <a14:m>
+                  <m:oMath xmlns:m="http://schemas.openxmlformats.org/officeDocument/2006/math">
+                    <m:sSub>
+                      <m:sSubPr>
+                        <m:ctrlPr>
+                          <a:rPr lang="en-US" sz="2300" i="1" smtClean="0">
+                            <a:solidFill>
+                              <a:schemeClr val="accent6"/>
+                            </a:solidFill>
+                          </a:rPr>
+                        </m:ctrlPr>
+                      </m:sSubPr>
+                      <m:e>
+                        <m:r>
+                          <a:rPr lang="en-US" sz="2300" b="0" i="1" smtClean="0">
+                            <a:solidFill>
+                              <a:schemeClr val="accent6"/>
+                            </a:solidFill>
+                          </a:rPr>
+                          <m:t>𝑆</m:t>
+                        </m:r>
+                      </m:e>
+                      <m:sub>
+                        <m:r>
+                          <a:rPr lang="en-US" sz="2300" i="1"/>
+                          <m:t>𝑥</m:t>
+                        </m:r>
+                        <m:r>
+                          <a:rPr lang="en-US" sz="2300" i="1"/>
+                          <m:t>,</m:t>
+                        </m:r>
+                        <m:r>
+                          <a:rPr lang="en-US" sz="2300"/>
+                          <m:t>0</m:t>
+                        </m:r>
+                      </m:sub>
+                    </m:sSub>
+                  </m:oMath>
+                </a14:m>
+                <a:r>
+                  <a:rPr lang="en-US" sz="2300" dirty="0"/>
+                  <a:t> is the imputed survivorship factor for age-by-sex </a:t>
+                </a:r>
+                <a14:m>
+                  <m:oMath xmlns:m="http://schemas.openxmlformats.org/officeDocument/2006/math">
+                    <m:r>
+                      <a:rPr lang="en-US" sz="2300" i="1"/>
+                      <m:t>𝑥</m:t>
+                    </m:r>
+                  </m:oMath>
+                </a14:m>
+                <a:r>
+                  <a:rPr lang="en-US" sz="2300" dirty="0"/>
+                  <a:t>, at time </a:t>
+                </a:r>
+                <a14:m>
+                  <m:oMath xmlns:m="http://schemas.openxmlformats.org/officeDocument/2006/math">
+                    <m:r>
+                      <a:rPr lang="en-US" sz="2300"/>
+                      <m:t>0</m:t>
+                    </m:r>
+                  </m:oMath>
+                </a14:m>
+                <a:endParaRPr lang="en-US" sz="2300" dirty="0"/>
+              </a:p>
+              <a:p>
+                <a14:m>
+                  <m:oMath xmlns:m="http://schemas.openxmlformats.org/officeDocument/2006/math">
+                    <m:sSub>
+                      <m:sSubPr>
+                        <m:ctrlPr>
+                          <a:rPr lang="en-US" sz="2300" i="1" smtClean="0">
+                            <a:solidFill>
+                              <a:schemeClr val="accent1"/>
+                            </a:solidFill>
+                          </a:rPr>
+                        </m:ctrlPr>
+                      </m:sSubPr>
+                      <m:e>
+                        <m:r>
+                          <a:rPr lang="en-US" sz="2300" b="0" i="1" smtClean="0">
+                            <a:solidFill>
+                              <a:schemeClr val="accent6"/>
+                            </a:solidFill>
+                          </a:rPr>
+                          <m:t>𝑆</m:t>
+                        </m:r>
+                      </m:e>
+                      <m:sub>
+                        <m:r>
+                          <a:rPr lang="en-US" sz="2300" b="0" i="1" smtClean="0">
+                            <a:solidFill>
+                              <a:schemeClr val="tx1"/>
+                            </a:solidFill>
+                          </a:rPr>
+                          <m:t>𝑥</m:t>
+                        </m:r>
+                        <m:r>
+                          <a:rPr lang="en-US" sz="2300" b="0" i="1" smtClean="0">
+                            <a:solidFill>
+                              <a:schemeClr val="tx1"/>
+                            </a:solidFill>
+                          </a:rPr>
+                          <m:t>,</m:t>
+                        </m:r>
+                        <m:r>
+                          <a:rPr lang="en-US" sz="2300" i="1"/>
+                          <m:t>𝑡</m:t>
+                        </m:r>
+                      </m:sub>
+                    </m:sSub>
+                  </m:oMath>
+                </a14:m>
+                <a:r>
+                  <a:rPr lang="en-US" sz="2300" dirty="0"/>
+                  <a:t> is the imputed survivorship factor for age-by-sex </a:t>
+                </a:r>
+                <a14:m>
+                  <m:oMath xmlns:m="http://schemas.openxmlformats.org/officeDocument/2006/math">
+                    <m:r>
+                      <a:rPr lang="en-US" sz="2300" i="1"/>
+                      <m:t>𝑥</m:t>
+                    </m:r>
+                  </m:oMath>
+                </a14:m>
+                <a:r>
+                  <a:rPr lang="en-US" sz="2300" dirty="0"/>
+                  <a:t>, at time </a:t>
+                </a:r>
+                <a14:m>
+                  <m:oMath xmlns:m="http://schemas.openxmlformats.org/officeDocument/2006/math">
+                    <m:r>
+                      <a:rPr lang="en-US" sz="2300" i="1"/>
+                      <m:t>𝑡</m:t>
+                    </m:r>
+                  </m:oMath>
+                </a14:m>
+                <a:endParaRPr lang="en-US" sz="2300" dirty="0"/>
+              </a:p>
+              <a:p>
+                <a14:m>
+                  <m:oMath xmlns:m="http://schemas.openxmlformats.org/officeDocument/2006/math">
+                    <m:sSub>
+                      <m:sSubPr>
+                        <m:ctrlPr>
+                          <a:rPr lang="en-US" sz="2300" i="1" smtClean="0">
+                            <a:solidFill>
+                              <a:schemeClr val="accent6"/>
+                            </a:solidFill>
+                          </a:rPr>
+                        </m:ctrlPr>
+                      </m:sSubPr>
+                      <m:e>
+                        <m:r>
+                          <a:rPr lang="en-US" sz="2300" b="0" i="1" smtClean="0">
+                            <a:solidFill>
+                              <a:schemeClr val="accent1"/>
+                            </a:solidFill>
+                          </a:rPr>
+                          <m:t>𝐼</m:t>
+                        </m:r>
+                      </m:e>
+                      <m:sub>
+                        <m:r>
+                          <a:rPr lang="en-US" sz="2300" b="0" i="1" smtClean="0"/>
+                          <m:t>𝑡</m:t>
+                        </m:r>
+                      </m:sub>
+                    </m:sSub>
+                  </m:oMath>
+                </a14:m>
+                <a:r>
+                  <a:rPr lang="en-US" sz="2300" dirty="0"/>
+                  <a:t> is the gross migration adjustment factor (centered on 1) for age-by-sex </a:t>
+                </a:r>
+                <a14:m>
+                  <m:oMath xmlns:m="http://schemas.openxmlformats.org/officeDocument/2006/math">
+                    <m:r>
+                      <a:rPr lang="en-US" sz="2300" i="1"/>
+                      <m:t>𝑥</m:t>
+                    </m:r>
+                  </m:oMath>
+                </a14:m>
+                <a:r>
+                  <a:rPr lang="en-US" sz="2300" dirty="0"/>
+                  <a:t>, at time </a:t>
+                </a:r>
+                <a14:m>
+                  <m:oMath xmlns:m="http://schemas.openxmlformats.org/officeDocument/2006/math">
+                    <m:r>
+                      <a:rPr lang="en-US" sz="2300" b="0" i="1" smtClean="0"/>
+                      <m:t>𝑡</m:t>
+                    </m:r>
+                  </m:oMath>
+                </a14:m>
+                <a:endParaRPr lang="en-US" sz="2300" dirty="0"/>
+              </a:p>
+            </p:txBody>
+          </p:sp>
+        </mc:Choice>
+        <mc:Fallback>
+          <p:sp>
+            <p:nvSpPr>
+              <p:cNvPr id="6" name="TextBox 5">
+                <a:extLst>
+                  <a:ext uri="{FF2B5EF4-FFF2-40B4-BE49-F238E27FC236}">
+                    <a16:creationId xmlns:a16="http://schemas.microsoft.com/office/drawing/2014/main" id="{633742D9-98B4-4370-B7FF-42219BF3327F}"/>
+                  </a:ext>
+                </a:extLst>
+              </p:cNvPr>
+              <p:cNvSpPr txBox="1">
+                <a:spLocks noRot="1" noChangeAspect="1" noMove="1" noResize="1" noEditPoints="1" noAdjustHandles="1" noChangeArrowheads="1" noChangeShapeType="1" noTextEdit="1"/>
+              </p:cNvSpPr>
+              <p:nvPr/>
+            </p:nvSpPr>
+            <p:spPr>
+              <a:xfrm>
+                <a:off x="85359" y="3590144"/>
+                <a:ext cx="12021278" cy="1987852"/>
+              </a:xfrm>
+              <a:prstGeom prst="rect">
+                <a:avLst/>
+              </a:prstGeom>
+              <a:blipFill>
+                <a:blip r:embed="rId3"/>
+                <a:stretch>
+                  <a:fillRect l="-355" t="-2147" b="-2761"/>
+                </a:stretch>
+              </a:blipFill>
+            </p:spPr>
+            <p:txBody>
+              <a:bodyPr/>
+              <a:lstStyle/>
+              <a:p>
+                <a:r>
+                  <a:rPr lang="en-US">
+                    <a:noFill/>
+                  </a:rPr>
+                  <a:t> </a:t>
+                </a:r>
+              </a:p>
+            </p:txBody>
+          </p:sp>
+        </mc:Fallback>
+      </mc:AlternateContent>
+      <mc:AlternateContent xmlns:mc="http://schemas.openxmlformats.org/markup-compatibility/2006">
+        <mc:Choice xmlns:a14="http://schemas.microsoft.com/office/drawing/2010/main" Requires="a14">
+          <p:sp>
+            <p:nvSpPr>
+              <p:cNvPr id="9" name="TextBox 8">
+                <a:extLst>
+                  <a:ext uri="{FF2B5EF4-FFF2-40B4-BE49-F238E27FC236}">
+                    <a16:creationId xmlns:a16="http://schemas.microsoft.com/office/drawing/2014/main" id="{CF6675B3-9060-4DBD-BEC7-2915501CA118}"/>
+                  </a:ext>
+                </a:extLst>
+              </p:cNvPr>
+              <p:cNvSpPr txBox="1"/>
+              <p:nvPr/>
+            </p:nvSpPr>
+            <p:spPr>
+              <a:xfrm>
+                <a:off x="170722" y="1965960"/>
+                <a:ext cx="11850552" cy="767005"/>
+              </a:xfrm>
+              <a:prstGeom prst="rect">
+                <a:avLst/>
+              </a:prstGeom>
+              <a:noFill/>
+              <a:ln>
+                <a:noFill/>
+              </a:ln>
+            </p:spPr>
+            <p:txBody>
+              <a:bodyPr wrap="square">
+                <a:spAutoFit/>
+              </a:bodyPr>
+              <a:lstStyle/>
+              <a:p>
+                <a:pPr algn="ctr"/>
+                <a14:m>
+                  <m:oMathPara xmlns:m="http://schemas.openxmlformats.org/officeDocument/2006/math">
+                    <m:oMathParaPr>
+                      <m:jc m:val="centerGroup"/>
+                    </m:oMathParaPr>
+                    <m:oMath xmlns:m="http://schemas.openxmlformats.org/officeDocument/2006/math">
+                      <m:sSub>
+                        <m:sSubPr>
+                          <m:ctrlPr>
+                            <a:rPr lang="en-US" sz="4200" b="0" i="1" smtClean="0">
+                              <a:solidFill>
+                                <a:srgbClr val="C00000"/>
+                              </a:solidFill>
+                            </a:rPr>
+                          </m:ctrlPr>
+                        </m:sSubPr>
+                        <m:e>
+                          <m:r>
+                            <a:rPr lang="en-US" sz="4200" i="1">
+                              <a:solidFill>
+                                <a:srgbClr val="C00000"/>
+                              </a:solidFill>
+                            </a:rPr>
+                            <m:t>𝑅𝐴𝑑𝑗</m:t>
+                          </m:r>
+                          <m:r>
+                            <a:rPr lang="en-US" sz="4200" b="0" i="1" smtClean="0">
+                              <a:solidFill>
+                                <a:srgbClr val="C00000"/>
+                              </a:solidFill>
+                            </a:rPr>
+                            <m:t>𝑍</m:t>
+                          </m:r>
+                        </m:e>
+                        <m:sub>
+                          <m:r>
+                            <a:rPr lang="en-US" sz="4200" b="0" i="1" smtClean="0">
+                              <a:solidFill>
+                                <a:schemeClr val="tx1"/>
+                              </a:solidFill>
+                            </a:rPr>
+                            <m:t>𝑥</m:t>
+                          </m:r>
+                          <m:r>
+                            <a:rPr lang="en-US" sz="4200" b="0" i="1" smtClean="0">
+                              <a:solidFill>
+                                <a:schemeClr val="tx1"/>
+                              </a:solidFill>
+                            </a:rPr>
+                            <m:t>,  </m:t>
+                          </m:r>
+                          <m:r>
+                            <a:rPr lang="en-US" sz="4200" b="0" i="1" smtClean="0">
+                              <a:solidFill>
+                                <a:schemeClr val="tx1"/>
+                              </a:solidFill>
+                            </a:rPr>
+                            <m:t>𝑡</m:t>
+                          </m:r>
+                        </m:sub>
+                      </m:sSub>
+                      <m:r>
+                        <a:rPr lang="en-US" sz="4200" i="1"/>
+                        <m:t>=</m:t>
+                      </m:r>
+                      <m:sSub>
+                        <m:sSubPr>
+                          <m:ctrlPr>
+                            <a:rPr lang="en-US" sz="4200" i="1" smtClean="0">
+                              <a:solidFill>
+                                <a:schemeClr val="tx1"/>
+                              </a:solidFill>
+                            </a:rPr>
+                          </m:ctrlPr>
+                        </m:sSubPr>
+                        <m:e>
+                          <m:r>
+                            <a:rPr lang="en-US" sz="4200" b="0" i="1" smtClean="0">
+                              <a:solidFill>
+                                <a:schemeClr val="tx1"/>
+                              </a:solidFill>
+                            </a:rPr>
+                            <m:t>(</m:t>
+                          </m:r>
+                          <m:r>
+                            <a:rPr lang="en-US" sz="4200" i="1" smtClean="0">
+                              <a:solidFill>
+                                <a:schemeClr val="tx1"/>
+                              </a:solidFill>
+                            </a:rPr>
+                            <m:t>𝑅</m:t>
+                          </m:r>
+                        </m:e>
+                        <m:sub>
+                          <m:r>
+                            <a:rPr lang="en-US" sz="4200" i="1">
+                              <a:solidFill>
+                                <a:schemeClr val="tx1"/>
+                              </a:solidFill>
+                            </a:rPr>
+                            <m:t>𝑥</m:t>
+                          </m:r>
+                          <m:r>
+                            <a:rPr lang="en-US" sz="4200" i="1">
+                              <a:solidFill>
+                                <a:schemeClr val="tx1"/>
+                              </a:solidFill>
+                            </a:rPr>
+                            <m:t>,  </m:t>
+                          </m:r>
+                          <m:r>
+                            <a:rPr lang="en-US" sz="4200" i="1">
+                              <a:solidFill>
+                                <a:schemeClr val="tx1"/>
+                              </a:solidFill>
+                            </a:rPr>
+                            <m:t>𝑡</m:t>
+                          </m:r>
+                        </m:sub>
+                      </m:sSub>
+                      <m:r>
+                        <a:rPr lang="en-US" sz="4200" b="0" i="1" smtClean="0">
+                          <a:solidFill>
+                            <a:schemeClr val="tx1"/>
+                          </a:solidFill>
+                        </a:rPr>
+                        <m:t>−</m:t>
+                      </m:r>
+                      <m:sSub>
+                        <m:sSubPr>
+                          <m:ctrlPr>
+                            <a:rPr lang="en-US" sz="4200" i="1">
+                              <a:solidFill>
+                                <a:schemeClr val="accent6"/>
+                              </a:solidFill>
+                            </a:rPr>
+                          </m:ctrlPr>
+                        </m:sSubPr>
+                        <m:e>
+                          <m:r>
+                            <a:rPr lang="en-US" sz="4200" i="1">
+                              <a:solidFill>
+                                <a:schemeClr val="accent6"/>
+                              </a:solidFill>
+                            </a:rPr>
+                            <m:t>𝑆</m:t>
+                          </m:r>
+                        </m:e>
+                        <m:sub>
+                          <m:r>
+                            <a:rPr lang="en-US" sz="4200" i="1"/>
+                            <m:t>𝑥</m:t>
+                          </m:r>
+                          <m:r>
+                            <a:rPr lang="en-US" sz="4200" i="1"/>
+                            <m:t>,0</m:t>
+                          </m:r>
+                        </m:sub>
+                      </m:sSub>
+                      <m:r>
+                        <a:rPr lang="en-US" sz="4200" b="0" i="1" smtClean="0">
+                          <a:solidFill>
+                            <a:schemeClr val="tx1"/>
+                          </a:solidFill>
+                        </a:rPr>
+                        <m:t>)</m:t>
+                      </m:r>
+                      <m:r>
+                        <a:rPr lang="en-US" sz="4200"/>
+                        <m:t>⋅</m:t>
+                      </m:r>
+                      <m:sSub>
+                        <m:sSubPr>
+                          <m:ctrlPr>
+                            <a:rPr lang="en-US" sz="4200" i="1" dirty="0" smtClean="0">
+                              <a:solidFill>
+                                <a:srgbClr val="836967"/>
+                              </a:solidFill>
+                            </a:rPr>
+                          </m:ctrlPr>
+                        </m:sSubPr>
+                        <m:e>
+                          <m:r>
+                            <a:rPr lang="en-US" sz="4200" i="1" dirty="0" smtClean="0">
+                              <a:solidFill>
+                                <a:schemeClr val="accent1"/>
+                              </a:solidFill>
+                            </a:rPr>
+                            <m:t>𝐼</m:t>
+                          </m:r>
+                        </m:e>
+                        <m:sub>
+                          <m:r>
+                            <a:rPr lang="en-US" sz="4200" i="1" dirty="0"/>
+                            <m:t>𝑡</m:t>
+                          </m:r>
+                        </m:sub>
+                      </m:sSub>
+                      <m:r>
+                        <a:rPr lang="en-US" sz="4200" dirty="0" smtClean="0"/>
+                        <m:t>+</m:t>
+                      </m:r>
+                      <m:sSub>
+                        <m:sSubPr>
+                          <m:ctrlPr>
+                            <a:rPr lang="en-US" sz="4200" i="1">
+                              <a:solidFill>
+                                <a:schemeClr val="accent6"/>
+                              </a:solidFill>
+                            </a:rPr>
+                          </m:ctrlPr>
+                        </m:sSubPr>
+                        <m:e>
+                          <m:r>
+                            <a:rPr lang="en-US" sz="4200" i="1">
+                              <a:solidFill>
+                                <a:schemeClr val="accent6"/>
+                              </a:solidFill>
+                            </a:rPr>
+                            <m:t>𝑆</m:t>
+                          </m:r>
+                        </m:e>
+                        <m:sub>
+                          <m:r>
+                            <a:rPr lang="en-US" sz="4200" i="1"/>
+                            <m:t>𝑥</m:t>
+                          </m:r>
+                          <m:r>
+                            <a:rPr lang="en-US" sz="4200" i="1"/>
+                            <m:t>,</m:t>
+                          </m:r>
+                          <m:r>
+                            <a:rPr lang="en-US" sz="4200" i="1"/>
+                            <m:t>𝑡</m:t>
+                          </m:r>
+                        </m:sub>
+                      </m:sSub>
+                    </m:oMath>
+                  </m:oMathPara>
+                </a14:m>
+                <a:endParaRPr lang="en-US" sz="4200" dirty="0"/>
+              </a:p>
+            </p:txBody>
+          </p:sp>
+        </mc:Choice>
+        <mc:Fallback>
+          <p:sp>
+            <p:nvSpPr>
+              <p:cNvPr id="9" name="TextBox 8">
+                <a:extLst>
+                  <a:ext uri="{FF2B5EF4-FFF2-40B4-BE49-F238E27FC236}">
+                    <a16:creationId xmlns:a16="http://schemas.microsoft.com/office/drawing/2014/main" id="{CF6675B3-9060-4DBD-BEC7-2915501CA118}"/>
+                  </a:ext>
+                </a:extLst>
+              </p:cNvPr>
+              <p:cNvSpPr txBox="1">
+                <a:spLocks noRot="1" noChangeAspect="1" noMove="1" noResize="1" noEditPoints="1" noAdjustHandles="1" noChangeArrowheads="1" noChangeShapeType="1" noTextEdit="1"/>
+              </p:cNvSpPr>
+              <p:nvPr/>
+            </p:nvSpPr>
+            <p:spPr>
+              <a:xfrm>
+                <a:off x="170722" y="1965960"/>
+                <a:ext cx="11850552" cy="767005"/>
+              </a:xfrm>
+              <a:prstGeom prst="rect">
+                <a:avLst/>
+              </a:prstGeom>
+              <a:blipFill>
+                <a:blip r:embed="rId4"/>
+                <a:stretch>
+                  <a:fillRect/>
+                </a:stretch>
+              </a:blipFill>
+              <a:ln>
+                <a:noFill/>
+              </a:ln>
+            </p:spPr>
+            <p:txBody>
+              <a:bodyPr/>
+              <a:lstStyle/>
+              <a:p>
+                <a:r>
+                  <a:rPr lang="en-US">
+                    <a:noFill/>
+                  </a:rPr>
+                  <a:t> </a:t>
+                </a:r>
+              </a:p>
+            </p:txBody>
+          </p:sp>
+        </mc:Fallback>
+      </mc:AlternateContent>
+    </p:spTree>
+    <p:extLst>
+      <p:ext uri="{BB962C8B-B14F-4D97-AF65-F5344CB8AC3E}">
+        <p14:creationId xmlns:p14="http://schemas.microsoft.com/office/powerpoint/2010/main" val="1825183988"/>
+      </p:ext>
+    </p:extLst>
+  </p:cSld>
+  <p:clrMapOvr>
+    <a:masterClrMapping/>
+  </p:clrMapOvr>
+</p:sld>
+</file>
+
+<file path=ppt/slides/slide5.xml><?xml version="1.0" encoding="utf-8"?>
+<p:sld xmlns:a="http://schemas.openxmlformats.org/drawingml/2006/main" xmlns:r="http://schemas.openxmlformats.org/officeDocument/2006/relationships" xmlns:p="http://schemas.openxmlformats.org/presentationml/2006/main">
+  <p:cSld>
+    <p:spTree>
+      <p:nvGrpSpPr>
+        <p:cNvPr id="1" name=""/>
+        <p:cNvGrpSpPr/>
+        <p:nvPr/>
+      </p:nvGrpSpPr>
+      <p:grpSpPr>
+        <a:xfrm>
+          <a:off x="0" y="0"/>
+          <a:ext cx="0" cy="0"/>
+          <a:chOff x="0" y="0"/>
+          <a:chExt cx="0" cy="0"/>
+        </a:xfrm>
+      </p:grpSpPr>
+      <mc:AlternateContent xmlns:mc="http://schemas.openxmlformats.org/markup-compatibility/2006">
+        <mc:Choice xmlns:a14="http://schemas.microsoft.com/office/drawing/2010/main" Requires="a14">
+          <p:sp>
+            <p:nvSpPr>
+              <p:cNvPr id="7" name="TextBox 6">
+                <a:extLst>
+                  <a:ext uri="{FF2B5EF4-FFF2-40B4-BE49-F238E27FC236}">
+                    <a16:creationId xmlns:a16="http://schemas.microsoft.com/office/drawing/2014/main" id="{718F64F9-15B6-40B2-B4D8-77CC4ACBF37D}"/>
+                  </a:ext>
+                </a:extLst>
+              </p:cNvPr>
+              <p:cNvSpPr txBox="1"/>
+              <p:nvPr/>
+            </p:nvSpPr>
+            <p:spPr>
+              <a:xfrm>
+                <a:off x="397929" y="3608882"/>
+                <a:ext cx="11396133" cy="1539268"/>
+              </a:xfrm>
+              <a:prstGeom prst="rect">
+                <a:avLst/>
+              </a:prstGeom>
+              <a:noFill/>
+            </p:spPr>
+            <p:txBody>
+              <a:bodyPr wrap="square" rtlCol="0">
+                <a:spAutoFit/>
+              </a:bodyPr>
+              <a:lstStyle/>
+              <a:p>
+                <a14:m>
+                  <m:oMath xmlns:m="http://schemas.openxmlformats.org/officeDocument/2006/math">
+                    <m:sSub>
+                      <m:sSubPr>
+                        <m:ctrlPr>
+                          <a:rPr lang="en-US" sz="2300" i="1" smtClean="0">
+                            <a:solidFill>
+                              <a:srgbClr val="C00000"/>
+                            </a:solidFill>
+                          </a:rPr>
+                        </m:ctrlPr>
+                      </m:sSubPr>
+                      <m:e>
+                        <m:r>
+                          <a:rPr lang="en-US" sz="2300" i="1">
+                            <a:solidFill>
+                              <a:srgbClr val="C00000"/>
+                            </a:solidFill>
+                          </a:rPr>
+                          <m:t>𝑁</m:t>
+                        </m:r>
+                      </m:e>
+                      <m:sub>
+                        <m:r>
+                          <a:rPr lang="en-US" sz="2300" i="1" smtClean="0">
+                            <a:solidFill>
+                              <a:schemeClr val="tx1"/>
+                            </a:solidFill>
+                          </a:rPr>
+                          <m:t>𝑥</m:t>
+                        </m:r>
+                        <m:r>
+                          <a:rPr lang="en-US" sz="2300" i="1" smtClean="0">
+                            <a:solidFill>
+                              <a:schemeClr val="tx1"/>
+                            </a:solidFill>
+                          </a:rPr>
+                          <m:t>,</m:t>
+                        </m:r>
+                        <m:r>
+                          <a:rPr lang="en-US" sz="2300" i="1" smtClean="0">
+                            <a:solidFill>
+                              <a:schemeClr val="tx1"/>
+                            </a:solidFill>
+                          </a:rPr>
+                          <m:t>𝑡</m:t>
+                        </m:r>
+                      </m:sub>
+                    </m:sSub>
+                    <m:r>
+                      <a:rPr lang="en-US" sz="2300" i="1">
+                        <a:solidFill>
+                          <a:srgbClr val="C00000"/>
+                        </a:solidFill>
+                      </a:rPr>
+                      <m:t> </m:t>
+                    </m:r>
+                  </m:oMath>
+                </a14:m>
+                <a:r>
+                  <a:rPr lang="en-US" sz="2300" dirty="0"/>
+                  <a:t>is the net migration adjustment for age-by-sex</a:t>
+                </a:r>
+                <a:r>
+                  <a:rPr lang="en-US" sz="2300" dirty="0">
+                    <a:solidFill>
+                      <a:schemeClr val="tx1"/>
+                    </a:solidFill>
+                  </a:rPr>
+                  <a:t> </a:t>
+                </a:r>
+                <a14:m>
+                  <m:oMath xmlns:m="http://schemas.openxmlformats.org/officeDocument/2006/math">
+                    <m:r>
+                      <a:rPr lang="en-US" sz="2300" i="1">
+                        <a:solidFill>
+                          <a:schemeClr val="tx1"/>
+                        </a:solidFill>
+                      </a:rPr>
+                      <m:t>𝑥</m:t>
+                    </m:r>
+                  </m:oMath>
+                </a14:m>
+                <a:r>
+                  <a:rPr lang="en-US" sz="2300" dirty="0">
+                    <a:solidFill>
+                      <a:schemeClr val="tx1"/>
+                    </a:solidFill>
+                  </a:rPr>
+                  <a:t>, at time </a:t>
+                </a:r>
+                <a14:m>
+                  <m:oMath xmlns:m="http://schemas.openxmlformats.org/officeDocument/2006/math">
+                    <m:r>
+                      <a:rPr lang="en-US" sz="2300" i="1">
+                        <a:solidFill>
+                          <a:schemeClr val="tx1"/>
+                        </a:solidFill>
+                      </a:rPr>
+                      <m:t>𝑡</m:t>
+                    </m:r>
+                  </m:oMath>
+                </a14:m>
+                <a:endParaRPr lang="en-US" sz="2300" dirty="0">
+                  <a:solidFill>
+                    <a:schemeClr val="tx1"/>
+                  </a:solidFill>
+                </a:endParaRPr>
+              </a:p>
+              <a:p>
+                <a14:m>
+                  <m:oMath xmlns:m="http://schemas.openxmlformats.org/officeDocument/2006/math">
+                    <m:sSub>
+                      <m:sSubPr>
+                        <m:ctrlPr>
+                          <a:rPr lang="en-US" sz="2300" i="1">
+                            <a:solidFill>
+                              <a:schemeClr val="accent1"/>
+                            </a:solidFill>
+                          </a:rPr>
+                        </m:ctrlPr>
+                      </m:sSubPr>
+                      <m:e>
+                        <m:r>
+                          <a:rPr lang="en-US" sz="2300" b="0" i="1" smtClean="0">
+                            <a:solidFill>
+                              <a:schemeClr val="tx1"/>
+                            </a:solidFill>
+                          </a:rPr>
+                          <m:t>𝐴𝑑𝑗</m:t>
+                        </m:r>
+                      </m:e>
+                      <m:sub>
+                        <m:r>
+                          <a:rPr lang="en-US" sz="2300" i="1"/>
+                          <m:t>𝑡</m:t>
+                        </m:r>
+                      </m:sub>
+                    </m:sSub>
+                  </m:oMath>
+                </a14:m>
+                <a:r>
+                  <a:rPr lang="en-US" sz="2300" dirty="0"/>
+                  <a:t> is the adjustment factor, a proportion of total population, at time </a:t>
+                </a:r>
+                <a14:m>
+                  <m:oMath xmlns:m="http://schemas.openxmlformats.org/officeDocument/2006/math">
+                    <m:r>
+                      <a:rPr lang="en-US" sz="2300" i="1"/>
+                      <m:t>𝑡</m:t>
+                    </m:r>
+                  </m:oMath>
+                </a14:m>
+                <a:endParaRPr lang="en-US" sz="2300" dirty="0"/>
+              </a:p>
+              <a:p>
+                <a14:m>
+                  <m:oMath xmlns:m="http://schemas.openxmlformats.org/officeDocument/2006/math">
+                    <m:sSub>
+                      <m:sSubPr>
+                        <m:ctrlPr>
+                          <a:rPr lang="en-US" sz="2300" i="1" smtClean="0">
+                            <a:solidFill>
+                              <a:schemeClr val="accent1"/>
+                            </a:solidFill>
+                          </a:rPr>
+                        </m:ctrlPr>
+                      </m:sSubPr>
+                      <m:e>
+                        <m:r>
+                          <a:rPr lang="en-US" sz="2300" i="1" smtClean="0">
+                            <a:solidFill>
+                              <a:schemeClr val="accent6"/>
+                            </a:solidFill>
+                          </a:rPr>
+                          <m:t>𝐾</m:t>
+                        </m:r>
+                      </m:e>
+                      <m:sub>
+                        <m:r>
+                          <a:rPr lang="en-US" sz="2300" i="1"/>
+                          <m:t>𝑡</m:t>
+                        </m:r>
+                      </m:sub>
+                    </m:sSub>
+                  </m:oMath>
+                </a14:m>
+                <a:r>
+                  <a:rPr lang="en-US" sz="2300" dirty="0"/>
+                  <a:t> is the total population at time </a:t>
+                </a:r>
+                <a14:m>
+                  <m:oMath xmlns:m="http://schemas.openxmlformats.org/officeDocument/2006/math">
+                    <m:r>
+                      <a:rPr lang="en-US" sz="2300" i="1"/>
+                      <m:t>𝑡</m:t>
+                    </m:r>
+                  </m:oMath>
+                </a14:m>
+                <a:endParaRPr lang="en-US" sz="2300" dirty="0"/>
+              </a:p>
+              <a:p>
+                <a14:m>
+                  <m:oMath xmlns:m="http://schemas.openxmlformats.org/officeDocument/2006/math">
+                    <m:sSub>
+                      <m:sSubPr>
+                        <m:ctrlPr>
+                          <a:rPr lang="en-US" sz="2300" i="1">
+                            <a:solidFill>
+                              <a:schemeClr val="accent6"/>
+                            </a:solidFill>
+                          </a:rPr>
+                        </m:ctrlPr>
+                      </m:sSubPr>
+                      <m:e>
+                        <m:r>
+                          <a:rPr lang="en-US" sz="2300" i="1" smtClean="0">
+                            <a:solidFill>
+                              <a:schemeClr val="accent1"/>
+                            </a:solidFill>
+                          </a:rPr>
+                          <m:t>𝐺</m:t>
+                        </m:r>
+                      </m:e>
+                      <m:sub>
+                        <m:r>
+                          <a:rPr lang="en-US" sz="2300" i="1"/>
+                          <m:t>𝑥</m:t>
+                        </m:r>
+                        <m:r>
+                          <a:rPr lang="en-US" sz="2300" i="1"/>
+                          <m:t>,</m:t>
+                        </m:r>
+                        <m:r>
+                          <a:rPr lang="en-US" sz="2300" i="1"/>
+                          <m:t>𝑡</m:t>
+                        </m:r>
+                      </m:sub>
+                    </m:sSub>
+                  </m:oMath>
+                </a14:m>
+                <a:r>
+                  <a:rPr lang="en-US" sz="2300" dirty="0"/>
+                  <a:t> is from a proportional (sum of 1) migration profile, which may be generic</a:t>
+                </a:r>
+              </a:p>
+            </p:txBody>
+          </p:sp>
+        </mc:Choice>
+        <mc:Fallback>
+          <p:sp>
+            <p:nvSpPr>
+              <p:cNvPr id="7" name="TextBox 6">
+                <a:extLst>
+                  <a:ext uri="{FF2B5EF4-FFF2-40B4-BE49-F238E27FC236}">
+                    <a16:creationId xmlns:a16="http://schemas.microsoft.com/office/drawing/2014/main" id="{718F64F9-15B6-40B2-B4D8-77CC4ACBF37D}"/>
+                  </a:ext>
+                </a:extLst>
+              </p:cNvPr>
+              <p:cNvSpPr txBox="1">
+                <a:spLocks noRot="1" noChangeAspect="1" noMove="1" noResize="1" noEditPoints="1" noAdjustHandles="1" noChangeArrowheads="1" noChangeShapeType="1" noTextEdit="1"/>
+              </p:cNvSpPr>
+              <p:nvPr/>
+            </p:nvSpPr>
+            <p:spPr>
+              <a:xfrm>
+                <a:off x="397929" y="3608882"/>
+                <a:ext cx="11396133" cy="1539268"/>
+              </a:xfrm>
+              <a:prstGeom prst="rect">
+                <a:avLst/>
+              </a:prstGeom>
+              <a:blipFill>
+                <a:blip r:embed="rId3"/>
+                <a:stretch>
+                  <a:fillRect l="-374" t="-2372" b="-7115"/>
+                </a:stretch>
+              </a:blipFill>
+            </p:spPr>
+            <p:txBody>
+              <a:bodyPr/>
+              <a:lstStyle/>
+              <a:p>
+                <a:r>
+                  <a:rPr lang="en-US">
+                    <a:noFill/>
+                  </a:rPr>
+                  <a:t> </a:t>
+                </a:r>
+              </a:p>
+            </p:txBody>
+          </p:sp>
+        </mc:Fallback>
+      </mc:AlternateContent>
+      <mc:AlternateContent xmlns:mc="http://schemas.openxmlformats.org/markup-compatibility/2006">
+        <mc:Choice xmlns:a14="http://schemas.microsoft.com/office/drawing/2010/main" Requires="a14">
           <p:sp>
             <p:nvSpPr>
               <p:cNvPr id="8" name="TextBox 7">
@@ -6317,7 +7976,6 @@
                               <a:solidFill>
                                 <a:srgbClr val="C00000"/>
                               </a:solidFill>
-                              <a:latin typeface="Cambria Math" panose="02040503050406030204" pitchFamily="18" charset="0"/>
                             </a:rPr>
                           </m:ctrlPr>
                         </m:sSubPr>
@@ -6327,7 +7985,6 @@
                               <a:solidFill>
                                 <a:srgbClr val="C00000"/>
                               </a:solidFill>
-                              <a:latin typeface="Cambria Math" panose="02040503050406030204" pitchFamily="18" charset="0"/>
                             </a:rPr>
                             <m:t>𝑁</m:t>
                           </m:r>
@@ -6338,7 +7995,6 @@
                               <a:solidFill>
                                 <a:schemeClr val="tx1"/>
                               </a:solidFill>
-                              <a:latin typeface="Cambria Math" panose="02040503050406030204" pitchFamily="18" charset="0"/>
                             </a:rPr>
                             <m:t>𝑥</m:t>
                           </m:r>
@@ -6347,7 +8003,6 @@
                               <a:solidFill>
                                 <a:schemeClr val="tx1"/>
                               </a:solidFill>
-                              <a:latin typeface="Cambria Math" panose="02040503050406030204" pitchFamily="18" charset="0"/>
                             </a:rPr>
                             <m:t>,  </m:t>
                           </m:r>
@@ -6356,16 +8011,13 @@
                               <a:solidFill>
                                 <a:schemeClr val="tx1"/>
                               </a:solidFill>
-                              <a:latin typeface="Cambria Math" panose="02040503050406030204" pitchFamily="18" charset="0"/>
                             </a:rPr>
                             <m:t>𝑡</m:t>
                           </m:r>
                         </m:sub>
                       </m:sSub>
                       <m:r>
-                        <a:rPr lang="en-US" sz="4200" i="1">
-                          <a:latin typeface="Cambria Math" panose="02040503050406030204" pitchFamily="18" charset="0"/>
-                        </a:rPr>
+                        <a:rPr lang="en-US" sz="4200" i="1"/>
                         <m:t>=</m:t>
                       </m:r>
                       <m:sSub>
@@ -6375,7 +8027,6 @@
                               <a:solidFill>
                                 <a:srgbClr val="C00000"/>
                               </a:solidFill>
-                              <a:latin typeface="Cambria Math" panose="02040503050406030204" pitchFamily="18" charset="0"/>
                             </a:rPr>
                           </m:ctrlPr>
                         </m:sSubPr>
@@ -6385,24 +8036,19 @@
                               <a:solidFill>
                                 <a:schemeClr val="tx1"/>
                               </a:solidFill>
-                              <a:latin typeface="Cambria Math" panose="02040503050406030204" pitchFamily="18" charset="0"/>
                             </a:rPr>
                             <m:t>𝐴𝑑𝑗</m:t>
                           </m:r>
                         </m:e>
                         <m:sub>
                           <m:r>
-                            <a:rPr lang="en-US" sz="4200" i="1">
-                              <a:latin typeface="Cambria Math" panose="02040503050406030204" pitchFamily="18" charset="0"/>
-                            </a:rPr>
+                            <a:rPr lang="en-US" sz="4200" i="1"/>
                             <m:t>𝑡</m:t>
                           </m:r>
                         </m:sub>
                       </m:sSub>
                       <m:r>
-                        <a:rPr lang="en-US" sz="4200">
-                          <a:latin typeface="Cambria Math" panose="02040503050406030204" pitchFamily="18" charset="0"/>
-                        </a:rPr>
+                        <a:rPr lang="en-US" sz="4200"/>
                         <m:t>⋅</m:t>
                       </m:r>
                       <m:sSub>
@@ -6412,7 +8058,6 @@
                               <a:solidFill>
                                 <a:schemeClr val="accent1"/>
                               </a:solidFill>
-                              <a:latin typeface="Cambria Math" panose="02040503050406030204" pitchFamily="18" charset="0"/>
                             </a:rPr>
                           </m:ctrlPr>
                         </m:sSubPr>
@@ -6422,7 +8067,6 @@
                               <a:solidFill>
                                 <a:schemeClr val="accent6"/>
                               </a:solidFill>
-                              <a:latin typeface="Cambria Math" panose="02040503050406030204" pitchFamily="18" charset="0"/>
                             </a:rPr>
                             <m:t>𝐾</m:t>
                           </m:r>
@@ -6433,16 +8077,13 @@
                               <a:solidFill>
                                 <a:schemeClr val="tx1"/>
                               </a:solidFill>
-                              <a:latin typeface="Cambria Math" panose="02040503050406030204" pitchFamily="18" charset="0"/>
                             </a:rPr>
                             <m:t>𝑡</m:t>
                           </m:r>
                         </m:sub>
                       </m:sSub>
                       <m:r>
-                        <a:rPr lang="en-US" sz="4200">
-                          <a:latin typeface="Cambria Math" panose="02040503050406030204" pitchFamily="18" charset="0"/>
-                        </a:rPr>
+                        <a:rPr lang="en-US" sz="4200"/>
                         <m:t>⋅</m:t>
                       </m:r>
                       <m:sSub>
@@ -6452,7 +8093,6 @@
                               <a:solidFill>
                                 <a:schemeClr val="accent6"/>
                               </a:solidFill>
-                              <a:latin typeface="Cambria Math" panose="02040503050406030204" pitchFamily="18" charset="0"/>
                             </a:rPr>
                           </m:ctrlPr>
                         </m:sSubPr>
@@ -6462,28 +8102,21 @@
                               <a:solidFill>
                                 <a:schemeClr val="accent1"/>
                               </a:solidFill>
-                              <a:latin typeface="Cambria Math" panose="02040503050406030204" pitchFamily="18" charset="0"/>
                             </a:rPr>
                             <m:t>𝐺</m:t>
                           </m:r>
                         </m:e>
                         <m:sub>
                           <m:r>
-                            <a:rPr lang="en-US" sz="4200" i="1">
-                              <a:latin typeface="Cambria Math" panose="02040503050406030204" pitchFamily="18" charset="0"/>
-                            </a:rPr>
+                            <a:rPr lang="en-US" sz="4200" i="1"/>
                             <m:t>𝑥</m:t>
                           </m:r>
                           <m:r>
-                            <a:rPr lang="en-US" sz="4200" i="1" smtClean="0">
-                              <a:latin typeface="Cambria Math" panose="02040503050406030204" pitchFamily="18" charset="0"/>
-                            </a:rPr>
+                            <a:rPr lang="en-US" sz="4200" i="1" smtClean="0"/>
                             <m:t>,</m:t>
                           </m:r>
                           <m:r>
-                            <a:rPr lang="en-US" sz="4200" i="1" smtClean="0">
-                              <a:latin typeface="Cambria Math" panose="02040503050406030204" pitchFamily="18" charset="0"/>
-                            </a:rPr>
+                            <a:rPr lang="en-US" sz="4200" i="1" smtClean="0"/>
                             <m:t>𝑡</m:t>
                           </m:r>
                         </m:sub>
@@ -6496,7 +8129,7 @@
             </p:txBody>
           </p:sp>
         </mc:Choice>
-        <mc:Fallback xmlns="">
+        <mc:Fallback>
           <p:sp>
             <p:nvSpPr>
               <p:cNvPr id="8" name="TextBox 7">
@@ -6548,830 +8181,6 @@
     <p:extLst>
       <p:ext uri="{BB962C8B-B14F-4D97-AF65-F5344CB8AC3E}">
         <p14:creationId xmlns:p14="http://schemas.microsoft.com/office/powerpoint/2010/main" val="3295889022"/>
-      </p:ext>
-    </p:extLst>
-  </p:cSld>
-  <p:clrMapOvr>
-    <a:masterClrMapping/>
-  </p:clrMapOvr>
-</p:sld>
-</file>
-
-<file path=ppt/slides/slide4.xml><?xml version="1.0" encoding="utf-8"?>
-<p:sld xmlns:a="http://schemas.openxmlformats.org/drawingml/2006/main" xmlns:r="http://schemas.openxmlformats.org/officeDocument/2006/relationships" xmlns:p="http://schemas.openxmlformats.org/presentationml/2006/main">
-  <p:cSld>
-    <p:spTree>
-      <p:nvGrpSpPr>
-        <p:cNvPr id="1" name=""/>
-        <p:cNvGrpSpPr/>
-        <p:nvPr/>
-      </p:nvGrpSpPr>
-      <p:grpSpPr>
-        <a:xfrm>
-          <a:off x="0" y="0"/>
-          <a:ext cx="0" cy="0"/>
-          <a:chOff x="0" y="0"/>
-          <a:chExt cx="0" cy="0"/>
-        </a:xfrm>
-      </p:grpSpPr>
-      <mc:AlternateContent xmlns:mc="http://schemas.openxmlformats.org/markup-compatibility/2006" xmlns:a14="http://schemas.microsoft.com/office/drawing/2010/main">
-        <mc:Choice Requires="a14">
-          <p:sp>
-            <p:nvSpPr>
-              <p:cNvPr id="6" name="TextBox 5">
-                <a:extLst>
-                  <a:ext uri="{FF2B5EF4-FFF2-40B4-BE49-F238E27FC236}">
-                    <a16:creationId xmlns:a16="http://schemas.microsoft.com/office/drawing/2014/main" id="{633742D9-98B4-4370-B7FF-42219BF3327F}"/>
-                  </a:ext>
-                </a:extLst>
-              </p:cNvPr>
-              <p:cNvSpPr txBox="1"/>
-              <p:nvPr/>
-            </p:nvSpPr>
-            <p:spPr>
-              <a:xfrm>
-                <a:off x="170722" y="3429000"/>
-                <a:ext cx="11850552" cy="1618328"/>
-              </a:xfrm>
-              <a:prstGeom prst="rect">
-                <a:avLst/>
-              </a:prstGeom>
-              <a:noFill/>
-            </p:spPr>
-            <p:txBody>
-              <a:bodyPr wrap="square" rtlCol="0">
-                <a:spAutoFit/>
-              </a:bodyPr>
-              <a:lstStyle/>
-              <a:p>
-                <a14:m>
-                  <m:oMath xmlns:m="http://schemas.openxmlformats.org/officeDocument/2006/math">
-                    <m:sSub>
-                      <m:sSubPr>
-                        <m:ctrlPr>
-                          <a:rPr lang="en-US" sz="2400" i="1" smtClean="0">
-                            <a:solidFill>
-                              <a:srgbClr val="C00000"/>
-                            </a:solidFill>
-                            <a:latin typeface="Cambria Math" panose="02040503050406030204" pitchFamily="18" charset="0"/>
-                          </a:rPr>
-                        </m:ctrlPr>
-                      </m:sSubPr>
-                      <m:e>
-                        <m:r>
-                          <a:rPr lang="en-US" sz="2400" b="0" i="1" smtClean="0">
-                            <a:solidFill>
-                              <a:srgbClr val="C00000"/>
-                            </a:solidFill>
-                            <a:latin typeface="Cambria Math" panose="02040503050406030204" pitchFamily="18" charset="0"/>
-                          </a:rPr>
-                          <m:t>𝑅𝐴𝑑𝑗𝐺</m:t>
-                        </m:r>
-                      </m:e>
-                      <m:sub>
-                        <m:r>
-                          <a:rPr lang="en-US" sz="2400" i="1" smtClean="0">
-                            <a:solidFill>
-                              <a:schemeClr val="tx1"/>
-                            </a:solidFill>
-                            <a:latin typeface="Cambria Math" panose="02040503050406030204" pitchFamily="18" charset="0"/>
-                          </a:rPr>
-                          <m:t>𝑥</m:t>
-                        </m:r>
-                        <m:r>
-                          <a:rPr lang="en-US" sz="2400" i="1" smtClean="0">
-                            <a:solidFill>
-                              <a:schemeClr val="tx1"/>
-                            </a:solidFill>
-                            <a:latin typeface="Cambria Math" panose="02040503050406030204" pitchFamily="18" charset="0"/>
-                          </a:rPr>
-                          <m:t>,</m:t>
-                        </m:r>
-                        <m:r>
-                          <a:rPr lang="en-US" sz="2400" i="1" smtClean="0">
-                            <a:solidFill>
-                              <a:schemeClr val="tx1"/>
-                            </a:solidFill>
-                            <a:latin typeface="Cambria Math" panose="02040503050406030204" pitchFamily="18" charset="0"/>
-                          </a:rPr>
-                          <m:t>𝑡</m:t>
-                        </m:r>
-                      </m:sub>
-                    </m:sSub>
-                    <m:r>
-                      <a:rPr lang="en-US" sz="2400" i="1">
-                        <a:solidFill>
-                          <a:srgbClr val="C00000"/>
-                        </a:solidFill>
-                        <a:latin typeface="Cambria Math" panose="02040503050406030204" pitchFamily="18" charset="0"/>
-                      </a:rPr>
-                      <m:t> </m:t>
-                    </m:r>
-                  </m:oMath>
-                </a14:m>
-                <a:r>
-                  <a:rPr lang="en-US" sz="2400" dirty="0"/>
-                  <a:t>is the gross migration-adjusted cohort change ratio for age-by-sex</a:t>
-                </a:r>
-                <a:r>
-                  <a:rPr lang="en-US" sz="2400" dirty="0">
-                    <a:solidFill>
-                      <a:schemeClr val="tx1"/>
-                    </a:solidFill>
-                  </a:rPr>
-                  <a:t> </a:t>
-                </a:r>
-                <a14:m>
-                  <m:oMath xmlns:m="http://schemas.openxmlformats.org/officeDocument/2006/math">
-                    <m:r>
-                      <a:rPr lang="en-US" sz="2400" i="1">
-                        <a:solidFill>
-                          <a:schemeClr val="tx1"/>
-                        </a:solidFill>
-                        <a:latin typeface="Cambria Math" panose="02040503050406030204" pitchFamily="18" charset="0"/>
-                      </a:rPr>
-                      <m:t>𝑥</m:t>
-                    </m:r>
-                  </m:oMath>
-                </a14:m>
-                <a:r>
-                  <a:rPr lang="en-US" sz="2400" dirty="0">
-                    <a:solidFill>
-                      <a:schemeClr val="tx1"/>
-                    </a:solidFill>
-                  </a:rPr>
-                  <a:t>, at time </a:t>
-                </a:r>
-                <a14:m>
-                  <m:oMath xmlns:m="http://schemas.openxmlformats.org/officeDocument/2006/math">
-                    <m:r>
-                      <a:rPr lang="en-US" sz="2400" i="1">
-                        <a:solidFill>
-                          <a:schemeClr val="tx1"/>
-                        </a:solidFill>
-                        <a:latin typeface="Cambria Math" panose="02040503050406030204" pitchFamily="18" charset="0"/>
-                      </a:rPr>
-                      <m:t>𝑡</m:t>
-                    </m:r>
-                  </m:oMath>
-                </a14:m>
-                <a:endParaRPr lang="en-US" sz="2400" dirty="0">
-                  <a:solidFill>
-                    <a:schemeClr val="tx1"/>
-                  </a:solidFill>
-                </a:endParaRPr>
-              </a:p>
-              <a:p>
-                <a14:m>
-                  <m:oMath xmlns:m="http://schemas.openxmlformats.org/officeDocument/2006/math">
-                    <m:sSub>
-                      <m:sSubPr>
-                        <m:ctrlPr>
-                          <a:rPr lang="en-US" sz="2400" i="1" smtClean="0">
-                            <a:solidFill>
-                              <a:schemeClr val="tx1"/>
-                            </a:solidFill>
-                            <a:latin typeface="Cambria Math" panose="02040503050406030204" pitchFamily="18" charset="0"/>
-                          </a:rPr>
-                        </m:ctrlPr>
-                      </m:sSubPr>
-                      <m:e>
-                        <m:r>
-                          <a:rPr lang="en-US" sz="2400" b="0" i="1" smtClean="0">
-                            <a:solidFill>
-                              <a:schemeClr val="tx1"/>
-                            </a:solidFill>
-                            <a:latin typeface="Cambria Math" panose="02040503050406030204" pitchFamily="18" charset="0"/>
-                          </a:rPr>
-                          <m:t>𝑅</m:t>
-                        </m:r>
-                      </m:e>
-                      <m:sub>
-                        <m:r>
-                          <a:rPr lang="en-US" sz="2400" i="1">
-                            <a:solidFill>
-                              <a:schemeClr val="tx1"/>
-                            </a:solidFill>
-                            <a:latin typeface="Cambria Math" panose="02040503050406030204" pitchFamily="18" charset="0"/>
-                          </a:rPr>
-                          <m:t>𝑥</m:t>
-                        </m:r>
-                        <m:r>
-                          <a:rPr lang="en-US" sz="2400" i="1">
-                            <a:solidFill>
-                              <a:schemeClr val="tx1"/>
-                            </a:solidFill>
-                            <a:latin typeface="Cambria Math" panose="02040503050406030204" pitchFamily="18" charset="0"/>
-                          </a:rPr>
-                          <m:t>,</m:t>
-                        </m:r>
-                        <m:r>
-                          <a:rPr lang="en-US" sz="2400" i="1">
-                            <a:solidFill>
-                              <a:schemeClr val="tx1"/>
-                            </a:solidFill>
-                            <a:latin typeface="Cambria Math" panose="02040503050406030204" pitchFamily="18" charset="0"/>
-                          </a:rPr>
-                          <m:t>𝑡</m:t>
-                        </m:r>
-                      </m:sub>
-                    </m:sSub>
-                  </m:oMath>
-                </a14:m>
-                <a:r>
-                  <a:rPr lang="en-US" sz="2400" dirty="0"/>
-                  <a:t> is the unadjusted cohort change ratio for age-by-sex </a:t>
-                </a:r>
-                <a14:m>
-                  <m:oMath xmlns:m="http://schemas.openxmlformats.org/officeDocument/2006/math">
-                    <m:r>
-                      <a:rPr lang="en-US" sz="2400" i="1">
-                        <a:latin typeface="Cambria Math" panose="02040503050406030204" pitchFamily="18" charset="0"/>
-                      </a:rPr>
-                      <m:t>𝑥</m:t>
-                    </m:r>
-                  </m:oMath>
-                </a14:m>
-                <a:r>
-                  <a:rPr lang="en-US" sz="2400" dirty="0"/>
-                  <a:t>, at time </a:t>
-                </a:r>
-                <a14:m>
-                  <m:oMath xmlns:m="http://schemas.openxmlformats.org/officeDocument/2006/math">
-                    <m:r>
-                      <a:rPr lang="en-US" sz="2400" i="1">
-                        <a:latin typeface="Cambria Math" panose="02040503050406030204" pitchFamily="18" charset="0"/>
-                      </a:rPr>
-                      <m:t>𝑡</m:t>
-                    </m:r>
-                  </m:oMath>
-                </a14:m>
-                <a:endParaRPr lang="en-US" sz="2400" dirty="0"/>
-              </a:p>
-              <a:p>
-                <a14:m>
-                  <m:oMath xmlns:m="http://schemas.openxmlformats.org/officeDocument/2006/math">
-                    <m:sSub>
-                      <m:sSubPr>
-                        <m:ctrlPr>
-                          <a:rPr lang="en-US" sz="2400" i="1" smtClean="0">
-                            <a:solidFill>
-                              <a:schemeClr val="accent1"/>
-                            </a:solidFill>
-                            <a:latin typeface="Cambria Math" panose="02040503050406030204" pitchFamily="18" charset="0"/>
-                          </a:rPr>
-                        </m:ctrlPr>
-                      </m:sSubPr>
-                      <m:e>
-                        <m:r>
-                          <a:rPr lang="en-US" sz="2400" b="0" i="1" smtClean="0">
-                            <a:solidFill>
-                              <a:schemeClr val="accent6"/>
-                            </a:solidFill>
-                            <a:latin typeface="Cambria Math" panose="02040503050406030204" pitchFamily="18" charset="0"/>
-                          </a:rPr>
-                          <m:t>𝑆</m:t>
-                        </m:r>
-                      </m:e>
-                      <m:sub>
-                        <m:r>
-                          <a:rPr lang="en-US" sz="2400" b="0" i="1" smtClean="0">
-                            <a:solidFill>
-                              <a:schemeClr val="tx1"/>
-                            </a:solidFill>
-                            <a:latin typeface="Cambria Math" panose="02040503050406030204" pitchFamily="18" charset="0"/>
-                          </a:rPr>
-                          <m:t>𝑥</m:t>
-                        </m:r>
-                        <m:r>
-                          <a:rPr lang="en-US" sz="2400" b="0" i="1" smtClean="0">
-                            <a:solidFill>
-                              <a:schemeClr val="tx1"/>
-                            </a:solidFill>
-                            <a:latin typeface="Cambria Math" panose="02040503050406030204" pitchFamily="18" charset="0"/>
-                          </a:rPr>
-                          <m:t>,</m:t>
-                        </m:r>
-                        <m:r>
-                          <a:rPr lang="en-US" sz="2400" i="1">
-                            <a:latin typeface="Cambria Math" panose="02040503050406030204" pitchFamily="18" charset="0"/>
-                          </a:rPr>
-                          <m:t>𝑡</m:t>
-                        </m:r>
-                      </m:sub>
-                    </m:sSub>
-                  </m:oMath>
-                </a14:m>
-                <a:r>
-                  <a:rPr lang="en-US" sz="2400" dirty="0"/>
-                  <a:t> is the imputed survivorship factor for age-by-sex </a:t>
-                </a:r>
-                <a14:m>
-                  <m:oMath xmlns:m="http://schemas.openxmlformats.org/officeDocument/2006/math">
-                    <m:r>
-                      <a:rPr lang="en-US" sz="2400" i="1">
-                        <a:latin typeface="Cambria Math" panose="02040503050406030204" pitchFamily="18" charset="0"/>
-                      </a:rPr>
-                      <m:t>𝑥</m:t>
-                    </m:r>
-                  </m:oMath>
-                </a14:m>
-                <a:r>
-                  <a:rPr lang="en-US" sz="2400" dirty="0"/>
-                  <a:t>, at time </a:t>
-                </a:r>
-                <a14:m>
-                  <m:oMath xmlns:m="http://schemas.openxmlformats.org/officeDocument/2006/math">
-                    <m:r>
-                      <a:rPr lang="en-US" sz="2400" i="1">
-                        <a:latin typeface="Cambria Math" panose="02040503050406030204" pitchFamily="18" charset="0"/>
-                      </a:rPr>
-                      <m:t>𝑡</m:t>
-                    </m:r>
-                  </m:oMath>
-                </a14:m>
-                <a:endParaRPr lang="en-US" sz="2400" dirty="0"/>
-              </a:p>
-              <a:p>
-                <a14:m>
-                  <m:oMath xmlns:m="http://schemas.openxmlformats.org/officeDocument/2006/math">
-                    <m:sSub>
-                      <m:sSubPr>
-                        <m:ctrlPr>
-                          <a:rPr lang="en-US" sz="2400" i="1" smtClean="0">
-                            <a:solidFill>
-                              <a:schemeClr val="accent6"/>
-                            </a:solidFill>
-                            <a:latin typeface="Cambria Math" panose="02040503050406030204" pitchFamily="18" charset="0"/>
-                          </a:rPr>
-                        </m:ctrlPr>
-                      </m:sSubPr>
-                      <m:e>
-                        <m:r>
-                          <a:rPr lang="en-US" sz="2400" b="0" i="1" smtClean="0">
-                            <a:solidFill>
-                              <a:schemeClr val="accent1"/>
-                            </a:solidFill>
-                            <a:latin typeface="Cambria Math" panose="02040503050406030204" pitchFamily="18" charset="0"/>
-                          </a:rPr>
-                          <m:t>𝐼</m:t>
-                        </m:r>
-                      </m:e>
-                      <m:sub>
-                        <m:r>
-                          <a:rPr lang="en-US" sz="2400" b="0" i="1" smtClean="0">
-                            <a:latin typeface="Cambria Math" panose="02040503050406030204" pitchFamily="18" charset="0"/>
-                          </a:rPr>
-                          <m:t>𝑡</m:t>
-                        </m:r>
-                      </m:sub>
-                    </m:sSub>
-                  </m:oMath>
-                </a14:m>
-                <a:r>
-                  <a:rPr lang="en-US" sz="2400" dirty="0"/>
-                  <a:t> is the gross migration adjustment factor (centered on 1) for age-by-sex </a:t>
-                </a:r>
-                <a14:m>
-                  <m:oMath xmlns:m="http://schemas.openxmlformats.org/officeDocument/2006/math">
-                    <m:r>
-                      <a:rPr lang="en-US" sz="2400" i="1">
-                        <a:latin typeface="Cambria Math" panose="02040503050406030204" pitchFamily="18" charset="0"/>
-                      </a:rPr>
-                      <m:t>𝑥</m:t>
-                    </m:r>
-                  </m:oMath>
-                </a14:m>
-                <a:r>
-                  <a:rPr lang="en-US" sz="2400" dirty="0"/>
-                  <a:t>, at time </a:t>
-                </a:r>
-                <a14:m>
-                  <m:oMath xmlns:m="http://schemas.openxmlformats.org/officeDocument/2006/math">
-                    <m:r>
-                      <a:rPr lang="en-US" sz="2400" b="0" i="1" smtClean="0">
-                        <a:latin typeface="Cambria Math" panose="02040503050406030204" pitchFamily="18" charset="0"/>
-                      </a:rPr>
-                      <m:t>𝑡</m:t>
-                    </m:r>
-                  </m:oMath>
-                </a14:m>
-                <a:endParaRPr lang="en-US" sz="2400" dirty="0"/>
-              </a:p>
-            </p:txBody>
-          </p:sp>
-        </mc:Choice>
-        <mc:Fallback xmlns="">
-          <p:sp>
-            <p:nvSpPr>
-              <p:cNvPr id="6" name="TextBox 5">
-                <a:extLst>
-                  <a:ext uri="{FF2B5EF4-FFF2-40B4-BE49-F238E27FC236}">
-                    <a16:creationId xmlns:a16="http://schemas.microsoft.com/office/drawing/2014/main" id="{633742D9-98B4-4370-B7FF-42219BF3327F}"/>
-                  </a:ext>
-                </a:extLst>
-              </p:cNvPr>
-              <p:cNvSpPr txBox="1">
-                <a:spLocks noRot="1" noChangeAspect="1" noMove="1" noResize="1" noEditPoints="1" noAdjustHandles="1" noChangeArrowheads="1" noChangeShapeType="1" noTextEdit="1"/>
-              </p:cNvSpPr>
-              <p:nvPr/>
-            </p:nvSpPr>
-            <p:spPr>
-              <a:xfrm>
-                <a:off x="170722" y="3429000"/>
-                <a:ext cx="11850552" cy="1618328"/>
-              </a:xfrm>
-              <a:prstGeom prst="rect">
-                <a:avLst/>
-              </a:prstGeom>
-              <a:blipFill>
-                <a:blip r:embed="rId3"/>
-                <a:stretch>
-                  <a:fillRect l="-412" t="-2642" b="-7547"/>
-                </a:stretch>
-              </a:blipFill>
-            </p:spPr>
-            <p:txBody>
-              <a:bodyPr/>
-              <a:lstStyle/>
-              <a:p>
-                <a:r>
-                  <a:rPr lang="en-US">
-                    <a:noFill/>
-                  </a:rPr>
-                  <a:t> </a:t>
-                </a:r>
-              </a:p>
-            </p:txBody>
-          </p:sp>
-        </mc:Fallback>
-      </mc:AlternateContent>
-      <mc:AlternateContent xmlns:mc="http://schemas.openxmlformats.org/markup-compatibility/2006" xmlns:a14="http://schemas.microsoft.com/office/drawing/2010/main">
-        <mc:Choice Requires="a14">
-          <p:sp>
-            <p:nvSpPr>
-              <p:cNvPr id="9" name="TextBox 8">
-                <a:extLst>
-                  <a:ext uri="{FF2B5EF4-FFF2-40B4-BE49-F238E27FC236}">
-                    <a16:creationId xmlns:a16="http://schemas.microsoft.com/office/drawing/2014/main" id="{CF6675B3-9060-4DBD-BEC7-2915501CA118}"/>
-                  </a:ext>
-                </a:extLst>
-              </p:cNvPr>
-              <p:cNvSpPr txBox="1"/>
-              <p:nvPr/>
-            </p:nvSpPr>
-            <p:spPr>
-              <a:xfrm>
-                <a:off x="170722" y="1965960"/>
-                <a:ext cx="11850552" cy="638508"/>
-              </a:xfrm>
-              <a:prstGeom prst="rect">
-                <a:avLst/>
-              </a:prstGeom>
-              <a:noFill/>
-              <a:ln>
-                <a:noFill/>
-              </a:ln>
-            </p:spPr>
-            <p:txBody>
-              <a:bodyPr wrap="square">
-                <a:spAutoFit/>
-              </a:bodyPr>
-              <a:lstStyle/>
-              <a:p>
-                <a:pPr algn="ctr"/>
-                <a14:m>
-                  <m:oMathPara xmlns:m="http://schemas.openxmlformats.org/officeDocument/2006/math">
-                    <m:oMathParaPr>
-                      <m:jc m:val="centerGroup"/>
-                    </m:oMathParaPr>
-                    <m:oMath xmlns:m="http://schemas.openxmlformats.org/officeDocument/2006/math">
-                      <m:sSub>
-                        <m:sSubPr>
-                          <m:ctrlPr>
-                            <a:rPr lang="en-US" sz="3400" b="0" i="1" smtClean="0">
-                              <a:solidFill>
-                                <a:srgbClr val="C00000"/>
-                              </a:solidFill>
-                              <a:latin typeface="Cambria Math" panose="02040503050406030204" pitchFamily="18" charset="0"/>
-                            </a:rPr>
-                          </m:ctrlPr>
-                        </m:sSubPr>
-                        <m:e>
-                          <m:r>
-                            <a:rPr lang="en-US" sz="3600" i="1">
-                              <a:solidFill>
-                                <a:srgbClr val="C00000"/>
-                              </a:solidFill>
-                              <a:latin typeface="Cambria Math" panose="02040503050406030204" pitchFamily="18" charset="0"/>
-                            </a:rPr>
-                            <m:t>𝑅𝐴𝑑𝑗𝐺</m:t>
-                          </m:r>
-                        </m:e>
-                        <m:sub>
-                          <m:r>
-                            <a:rPr lang="en-US" sz="3400" b="0" i="1" smtClean="0">
-                              <a:solidFill>
-                                <a:schemeClr val="tx1"/>
-                              </a:solidFill>
-                              <a:latin typeface="Cambria Math" panose="02040503050406030204" pitchFamily="18" charset="0"/>
-                            </a:rPr>
-                            <m:t>𝑥</m:t>
-                          </m:r>
-                          <m:r>
-                            <a:rPr lang="en-US" sz="3400" b="0" i="1" smtClean="0">
-                              <a:solidFill>
-                                <a:schemeClr val="tx1"/>
-                              </a:solidFill>
-                              <a:latin typeface="Cambria Math" panose="02040503050406030204" pitchFamily="18" charset="0"/>
-                            </a:rPr>
-                            <m:t>,  </m:t>
-                          </m:r>
-                          <m:r>
-                            <a:rPr lang="en-US" sz="3400" b="0" i="1" smtClean="0">
-                              <a:solidFill>
-                                <a:schemeClr val="tx1"/>
-                              </a:solidFill>
-                              <a:latin typeface="Cambria Math" panose="02040503050406030204" pitchFamily="18" charset="0"/>
-                            </a:rPr>
-                            <m:t>𝑡</m:t>
-                          </m:r>
-                        </m:sub>
-                      </m:sSub>
-                      <m:r>
-                        <a:rPr lang="en-US" sz="3400" i="1">
-                          <a:latin typeface="Cambria Math" panose="02040503050406030204" pitchFamily="18" charset="0"/>
-                        </a:rPr>
-                        <m:t>=</m:t>
-                      </m:r>
-                      <m:sSub>
-                        <m:sSubPr>
-                          <m:ctrlPr>
-                            <a:rPr lang="en-US" sz="3400" i="1" smtClean="0">
-                              <a:solidFill>
-                                <a:schemeClr val="tx1"/>
-                              </a:solidFill>
-                              <a:latin typeface="Cambria Math" panose="02040503050406030204" pitchFamily="18" charset="0"/>
-                            </a:rPr>
-                          </m:ctrlPr>
-                        </m:sSubPr>
-                        <m:e>
-                          <m:r>
-                            <a:rPr lang="en-US" sz="3400" b="0" i="1" smtClean="0">
-                              <a:solidFill>
-                                <a:schemeClr val="tx1"/>
-                              </a:solidFill>
-                              <a:latin typeface="Cambria Math" panose="02040503050406030204" pitchFamily="18" charset="0"/>
-                            </a:rPr>
-                            <m:t>(</m:t>
-                          </m:r>
-                          <m:r>
-                            <a:rPr lang="en-US" sz="3400" i="1" smtClean="0">
-                              <a:solidFill>
-                                <a:schemeClr val="tx1"/>
-                              </a:solidFill>
-                              <a:latin typeface="Cambria Math" panose="02040503050406030204" pitchFamily="18" charset="0"/>
-                            </a:rPr>
-                            <m:t>𝑅</m:t>
-                          </m:r>
-                        </m:e>
-                        <m:sub>
-                          <m:r>
-                            <a:rPr lang="en-US" sz="3400" i="1">
-                              <a:solidFill>
-                                <a:schemeClr val="tx1"/>
-                              </a:solidFill>
-                              <a:latin typeface="Cambria Math" panose="02040503050406030204" pitchFamily="18" charset="0"/>
-                            </a:rPr>
-                            <m:t>𝑥</m:t>
-                          </m:r>
-                          <m:r>
-                            <a:rPr lang="en-US" sz="3400" i="1">
-                              <a:solidFill>
-                                <a:schemeClr val="tx1"/>
-                              </a:solidFill>
-                              <a:latin typeface="Cambria Math" panose="02040503050406030204" pitchFamily="18" charset="0"/>
-                            </a:rPr>
-                            <m:t>,  </m:t>
-                          </m:r>
-                          <m:r>
-                            <a:rPr lang="en-US" sz="3400" i="1">
-                              <a:solidFill>
-                                <a:schemeClr val="tx1"/>
-                              </a:solidFill>
-                              <a:latin typeface="Cambria Math" panose="02040503050406030204" pitchFamily="18" charset="0"/>
-                            </a:rPr>
-                            <m:t>𝑡</m:t>
-                          </m:r>
-                        </m:sub>
-                      </m:sSub>
-                      <m:r>
-                        <a:rPr lang="en-US" sz="3400" b="0" i="1" smtClean="0">
-                          <a:solidFill>
-                            <a:schemeClr val="tx1"/>
-                          </a:solidFill>
-                          <a:latin typeface="Cambria Math" panose="02040503050406030204" pitchFamily="18" charset="0"/>
-                        </a:rPr>
-                        <m:t>−</m:t>
-                      </m:r>
-                      <m:sSub>
-                        <m:sSubPr>
-                          <m:ctrlPr>
-                            <a:rPr lang="en-US" sz="3400" i="1">
-                              <a:solidFill>
-                                <a:schemeClr val="accent6"/>
-                              </a:solidFill>
-                              <a:latin typeface="Cambria Math" panose="02040503050406030204" pitchFamily="18" charset="0"/>
-                            </a:rPr>
-                          </m:ctrlPr>
-                        </m:sSubPr>
-                        <m:e>
-                          <m:r>
-                            <a:rPr lang="en-US" sz="3400" i="1">
-                              <a:solidFill>
-                                <a:schemeClr val="accent6"/>
-                              </a:solidFill>
-                              <a:latin typeface="Cambria Math" panose="02040503050406030204" pitchFamily="18" charset="0"/>
-                            </a:rPr>
-                            <m:t>𝑆</m:t>
-                          </m:r>
-                        </m:e>
-                        <m:sub>
-                          <m:r>
-                            <a:rPr lang="en-US" sz="3400" i="1">
-                              <a:latin typeface="Cambria Math" panose="02040503050406030204" pitchFamily="18" charset="0"/>
-                            </a:rPr>
-                            <m:t>𝑥</m:t>
-                          </m:r>
-                          <m:r>
-                            <a:rPr lang="en-US" sz="3400" i="1">
-                              <a:latin typeface="Cambria Math" panose="02040503050406030204" pitchFamily="18" charset="0"/>
-                            </a:rPr>
-                            <m:t>,</m:t>
-                          </m:r>
-                          <m:r>
-                            <a:rPr lang="en-US" sz="3400" i="1">
-                              <a:latin typeface="Cambria Math" panose="02040503050406030204" pitchFamily="18" charset="0"/>
-                            </a:rPr>
-                            <m:t>𝑡</m:t>
-                          </m:r>
-                        </m:sub>
-                      </m:sSub>
-                      <m:r>
-                        <a:rPr lang="en-US" sz="3400" b="0" i="1" smtClean="0">
-                          <a:solidFill>
-                            <a:schemeClr val="tx1"/>
-                          </a:solidFill>
-                          <a:latin typeface="Cambria Math" panose="02040503050406030204" pitchFamily="18" charset="0"/>
-                        </a:rPr>
-                        <m:t>)</m:t>
-                      </m:r>
-                      <m:r>
-                        <a:rPr lang="en-US" sz="3400">
-                          <a:latin typeface="Cambria Math" panose="02040503050406030204" pitchFamily="18" charset="0"/>
-                        </a:rPr>
-                        <m:t>⋅</m:t>
-                      </m:r>
-                      <m:sSub>
-                        <m:sSubPr>
-                          <m:ctrlPr>
-                            <a:rPr lang="en-US" sz="3400" i="1" dirty="0" smtClean="0">
-                              <a:solidFill>
-                                <a:srgbClr val="836967"/>
-                              </a:solidFill>
-                              <a:latin typeface="Cambria Math" panose="02040503050406030204" pitchFamily="18" charset="0"/>
-                            </a:rPr>
-                          </m:ctrlPr>
-                        </m:sSubPr>
-                        <m:e>
-                          <m:r>
-                            <a:rPr lang="en-US" sz="3400" i="1" dirty="0" smtClean="0">
-                              <a:solidFill>
-                                <a:schemeClr val="accent1"/>
-                              </a:solidFill>
-                              <a:latin typeface="Cambria Math" panose="02040503050406030204" pitchFamily="18" charset="0"/>
-                            </a:rPr>
-                            <m:t>𝐼</m:t>
-                          </m:r>
-                        </m:e>
-                        <m:sub>
-                          <m:r>
-                            <a:rPr lang="en-US" sz="3400" i="1" dirty="0">
-                              <a:latin typeface="Cambria Math" panose="02040503050406030204" pitchFamily="18" charset="0"/>
-                            </a:rPr>
-                            <m:t>𝑡</m:t>
-                          </m:r>
-                        </m:sub>
-                      </m:sSub>
-                      <m:r>
-                        <a:rPr lang="en-US" sz="3400" dirty="0" smtClean="0">
-                          <a:latin typeface="Cambria Math" panose="02040503050406030204" pitchFamily="18" charset="0"/>
-                        </a:rPr>
-                        <m:t>+</m:t>
-                      </m:r>
-                      <m:sSub>
-                        <m:sSubPr>
-                          <m:ctrlPr>
-                            <a:rPr lang="en-US" sz="3400" i="1">
-                              <a:solidFill>
-                                <a:schemeClr val="accent6"/>
-                              </a:solidFill>
-                              <a:latin typeface="Cambria Math" panose="02040503050406030204" pitchFamily="18" charset="0"/>
-                            </a:rPr>
-                          </m:ctrlPr>
-                        </m:sSubPr>
-                        <m:e>
-                          <m:r>
-                            <a:rPr lang="en-US" sz="3400" i="1">
-                              <a:solidFill>
-                                <a:schemeClr val="accent6"/>
-                              </a:solidFill>
-                              <a:latin typeface="Cambria Math" panose="02040503050406030204" pitchFamily="18" charset="0"/>
-                            </a:rPr>
-                            <m:t>𝑆</m:t>
-                          </m:r>
-                        </m:e>
-                        <m:sub>
-                          <m:r>
-                            <a:rPr lang="en-US" sz="3400" i="1">
-                              <a:latin typeface="Cambria Math" panose="02040503050406030204" pitchFamily="18" charset="0"/>
-                            </a:rPr>
-                            <m:t>𝑥</m:t>
-                          </m:r>
-                          <m:r>
-                            <a:rPr lang="en-US" sz="3400" i="1">
-                              <a:latin typeface="Cambria Math" panose="02040503050406030204" pitchFamily="18" charset="0"/>
-                            </a:rPr>
-                            <m:t>,</m:t>
-                          </m:r>
-                          <m:r>
-                            <a:rPr lang="en-US" sz="3400" i="1">
-                              <a:latin typeface="Cambria Math" panose="02040503050406030204" pitchFamily="18" charset="0"/>
-                            </a:rPr>
-                            <m:t>𝑡</m:t>
-                          </m:r>
-                        </m:sub>
-                      </m:sSub>
-                    </m:oMath>
-                  </m:oMathPara>
-                </a14:m>
-                <a:endParaRPr lang="en-US" sz="3400" dirty="0"/>
-              </a:p>
-            </p:txBody>
-          </p:sp>
-        </mc:Choice>
-        <mc:Fallback xmlns="">
-          <p:sp>
-            <p:nvSpPr>
-              <p:cNvPr id="9" name="TextBox 8">
-                <a:extLst>
-                  <a:ext uri="{FF2B5EF4-FFF2-40B4-BE49-F238E27FC236}">
-                    <a16:creationId xmlns:a16="http://schemas.microsoft.com/office/drawing/2014/main" id="{CF6675B3-9060-4DBD-BEC7-2915501CA118}"/>
-                  </a:ext>
-                </a:extLst>
-              </p:cNvPr>
-              <p:cNvSpPr txBox="1">
-                <a:spLocks noRot="1" noChangeAspect="1" noMove="1" noResize="1" noEditPoints="1" noAdjustHandles="1" noChangeArrowheads="1" noChangeShapeType="1" noTextEdit="1"/>
-              </p:cNvSpPr>
-              <p:nvPr/>
-            </p:nvSpPr>
-            <p:spPr>
-              <a:xfrm>
-                <a:off x="170722" y="1965960"/>
-                <a:ext cx="11850552" cy="638508"/>
-              </a:xfrm>
-              <a:prstGeom prst="rect">
-                <a:avLst/>
-              </a:prstGeom>
-              <a:blipFill>
-                <a:blip r:embed="rId4"/>
-                <a:stretch>
-                  <a:fillRect/>
-                </a:stretch>
-              </a:blipFill>
-              <a:ln>
-                <a:noFill/>
-              </a:ln>
-            </p:spPr>
-            <p:txBody>
-              <a:bodyPr/>
-              <a:lstStyle/>
-              <a:p>
-                <a:r>
-                  <a:rPr lang="en-US">
-                    <a:noFill/>
-                  </a:rPr>
-                  <a:t> </a:t>
-                </a:r>
-              </a:p>
-            </p:txBody>
-          </p:sp>
-        </mc:Fallback>
-      </mc:AlternateContent>
-    </p:spTree>
-    <p:extLst>
-      <p:ext uri="{BB962C8B-B14F-4D97-AF65-F5344CB8AC3E}">
-        <p14:creationId xmlns:p14="http://schemas.microsoft.com/office/powerpoint/2010/main" val="1479156305"/>
       </p:ext>
     </p:extLst>
   </p:cSld>

--- a/Oct2020Presentation/CCRAdjustmentFormulas_October2021.pptx
+++ b/Oct2020Presentation/CCRAdjustmentFormulas_October2021.pptx
@@ -201,7 +201,7 @@
           <a:p>
             <a:fld id="{C8B2538F-CEF2-4206-811E-46FB7A40C7D9}" type="datetimeFigureOut">
               <a:rPr lang="en-US" smtClean="0"/>
-              <a:t>12/15/2021</a:t>
+              <a:t>1/17/2022</a:t>
             </a:fld>
             <a:endParaRPr lang="en-US"/>
           </a:p>
@@ -1604,7 +1604,7 @@
           <a:p>
             <a:fld id="{6477033C-1908-4D55-B5F5-2B69626C8241}" type="datetimeFigureOut">
               <a:rPr lang="en-US" smtClean="0"/>
-              <a:t>12/15/2021</a:t>
+              <a:t>1/17/2022</a:t>
             </a:fld>
             <a:endParaRPr lang="en-US"/>
           </a:p>
@@ -1802,7 +1802,7 @@
           <a:p>
             <a:fld id="{6477033C-1908-4D55-B5F5-2B69626C8241}" type="datetimeFigureOut">
               <a:rPr lang="en-US" smtClean="0"/>
-              <a:t>12/15/2021</a:t>
+              <a:t>1/17/2022</a:t>
             </a:fld>
             <a:endParaRPr lang="en-US"/>
           </a:p>
@@ -2010,7 +2010,7 @@
           <a:p>
             <a:fld id="{6477033C-1908-4D55-B5F5-2B69626C8241}" type="datetimeFigureOut">
               <a:rPr lang="en-US" smtClean="0"/>
-              <a:t>12/15/2021</a:t>
+              <a:t>1/17/2022</a:t>
             </a:fld>
             <a:endParaRPr lang="en-US"/>
           </a:p>
@@ -2208,7 +2208,7 @@
           <a:p>
             <a:fld id="{6477033C-1908-4D55-B5F5-2B69626C8241}" type="datetimeFigureOut">
               <a:rPr lang="en-US" smtClean="0"/>
-              <a:t>12/15/2021</a:t>
+              <a:t>1/17/2022</a:t>
             </a:fld>
             <a:endParaRPr lang="en-US"/>
           </a:p>
@@ -2483,7 +2483,7 @@
           <a:p>
             <a:fld id="{6477033C-1908-4D55-B5F5-2B69626C8241}" type="datetimeFigureOut">
               <a:rPr lang="en-US" smtClean="0"/>
-              <a:t>12/15/2021</a:t>
+              <a:t>1/17/2022</a:t>
             </a:fld>
             <a:endParaRPr lang="en-US"/>
           </a:p>
@@ -2748,7 +2748,7 @@
           <a:p>
             <a:fld id="{6477033C-1908-4D55-B5F5-2B69626C8241}" type="datetimeFigureOut">
               <a:rPr lang="en-US" smtClean="0"/>
-              <a:t>12/15/2021</a:t>
+              <a:t>1/17/2022</a:t>
             </a:fld>
             <a:endParaRPr lang="en-US"/>
           </a:p>
@@ -3160,7 +3160,7 @@
           <a:p>
             <a:fld id="{6477033C-1908-4D55-B5F5-2B69626C8241}" type="datetimeFigureOut">
               <a:rPr lang="en-US" smtClean="0"/>
-              <a:t>12/15/2021</a:t>
+              <a:t>1/17/2022</a:t>
             </a:fld>
             <a:endParaRPr lang="en-US"/>
           </a:p>
@@ -3301,7 +3301,7 @@
           <a:p>
             <a:fld id="{6477033C-1908-4D55-B5F5-2B69626C8241}" type="datetimeFigureOut">
               <a:rPr lang="en-US" smtClean="0"/>
-              <a:t>12/15/2021</a:t>
+              <a:t>1/17/2022</a:t>
             </a:fld>
             <a:endParaRPr lang="en-US"/>
           </a:p>
@@ -3414,7 +3414,7 @@
           <a:p>
             <a:fld id="{6477033C-1908-4D55-B5F5-2B69626C8241}" type="datetimeFigureOut">
               <a:rPr lang="en-US" smtClean="0"/>
-              <a:t>12/15/2021</a:t>
+              <a:t>1/17/2022</a:t>
             </a:fld>
             <a:endParaRPr lang="en-US"/>
           </a:p>
@@ -3725,7 +3725,7 @@
           <a:p>
             <a:fld id="{6477033C-1908-4D55-B5F5-2B69626C8241}" type="datetimeFigureOut">
               <a:rPr lang="en-US" smtClean="0"/>
-              <a:t>12/15/2021</a:t>
+              <a:t>1/17/2022</a:t>
             </a:fld>
             <a:endParaRPr lang="en-US"/>
           </a:p>
@@ -4013,7 +4013,7 @@
           <a:p>
             <a:fld id="{6477033C-1908-4D55-B5F5-2B69626C8241}" type="datetimeFigureOut">
               <a:rPr lang="en-US" smtClean="0"/>
-              <a:t>12/15/2021</a:t>
+              <a:t>1/17/2022</a:t>
             </a:fld>
             <a:endParaRPr lang="en-US"/>
           </a:p>
@@ -4254,7 +4254,7 @@
           <a:p>
             <a:fld id="{6477033C-1908-4D55-B5F5-2B69626C8241}" type="datetimeFigureOut">
               <a:rPr lang="en-US" smtClean="0"/>
-              <a:t>12/15/2021</a:t>
+              <a:t>1/17/2022</a:t>
             </a:fld>
             <a:endParaRPr lang="en-US"/>
           </a:p>
@@ -4671,8 +4671,8 @@
           <a:chExt cx="0" cy="0"/>
         </a:xfrm>
       </p:grpSpPr>
-      <mc:AlternateContent xmlns:mc="http://schemas.openxmlformats.org/markup-compatibility/2006">
-        <mc:Choice xmlns:a14="http://schemas.microsoft.com/office/drawing/2010/main" Requires="a14">
+      <mc:AlternateContent xmlns:mc="http://schemas.openxmlformats.org/markup-compatibility/2006" xmlns:a14="http://schemas.microsoft.com/office/drawing/2010/main">
+        <mc:Choice Requires="a14">
           <p:sp>
             <p:nvSpPr>
               <p:cNvPr id="6" name="TextBox 5">
@@ -4844,7 +4844,7 @@
             </p:txBody>
           </p:sp>
         </mc:Choice>
-        <mc:Fallback>
+        <mc:Fallback xmlns="">
           <p:sp>
             <p:nvSpPr>
               <p:cNvPr id="6" name="TextBox 5">
@@ -4889,8 +4889,8 @@
           </p:sp>
         </mc:Fallback>
       </mc:AlternateContent>
-      <mc:AlternateContent xmlns:mc="http://schemas.openxmlformats.org/markup-compatibility/2006">
-        <mc:Choice xmlns:a14="http://schemas.microsoft.com/office/drawing/2010/main" Requires="a14">
+      <mc:AlternateContent xmlns:mc="http://schemas.openxmlformats.org/markup-compatibility/2006" xmlns:a14="http://schemas.microsoft.com/office/drawing/2010/main">
+        <mc:Choice Requires="a14">
           <p:sp>
             <p:nvSpPr>
               <p:cNvPr id="4" name="TextBox 3">
@@ -4926,6 +4926,7 @@
                         <a:solidFill>
                           <a:schemeClr val="accent1"/>
                         </a:solidFill>
+                        <a:latin typeface="Cambria Math" panose="02040503050406030204" pitchFamily="18" charset="0"/>
                       </a:rPr>
                       <m:t>𝐶</m:t>
                     </m:r>
@@ -4934,15 +4935,20 @@
                         <a:solidFill>
                           <a:schemeClr val="tx1"/>
                         </a:solidFill>
+                        <a:latin typeface="Cambria Math" panose="02040503050406030204" pitchFamily="18" charset="0"/>
                       </a:rPr>
                       <m:t>=</m:t>
                     </m:r>
                     <m:r>
-                      <a:rPr lang="en-US" sz="4200" i="1" smtClean="0"/>
+                      <a:rPr lang="en-US" sz="4200" i="1" smtClean="0">
+                        <a:latin typeface="Cambria Math" panose="02040503050406030204" pitchFamily="18" charset="0"/>
+                      </a:rPr>
                       <m:t>𝑖𝑇𝐹𝑅</m:t>
                     </m:r>
                     <m:r>
-                      <a:rPr lang="en-US" sz="4200" i="0" smtClean="0"/>
+                      <a:rPr lang="en-US" sz="4200" i="0" smtClean="0">
+                        <a:latin typeface="Cambria Math" panose="02040503050406030204" pitchFamily="18" charset="0"/>
+                      </a:rPr>
                       <m:t>⋅</m:t>
                     </m:r>
                     <m:f>
@@ -4952,6 +4958,7 @@
                             <a:solidFill>
                               <a:srgbClr val="836967"/>
                             </a:solidFill>
+                            <a:latin typeface="Cambria Math" panose="02040503050406030204" pitchFamily="18" charset="0"/>
                           </a:rPr>
                         </m:ctrlPr>
                       </m:fPr>
@@ -4961,6 +4968,7 @@
                             <a:solidFill>
                               <a:schemeClr val="accent2"/>
                             </a:solidFill>
+                            <a:latin typeface="Cambria Math" panose="02040503050406030204" pitchFamily="18" charset="0"/>
                           </a:rPr>
                           <m:t>𝑊</m:t>
                         </m:r>
@@ -4971,6 +4979,7 @@
                             <a:solidFill>
                               <a:srgbClr val="C00000"/>
                             </a:solidFill>
+                            <a:latin typeface="Cambria Math" panose="02040503050406030204" pitchFamily="18" charset="0"/>
                           </a:rPr>
                           <m:t>𝛽</m:t>
                         </m:r>
@@ -4979,6 +4988,7 @@
                             <a:solidFill>
                               <a:srgbClr val="C00000"/>
                             </a:solidFill>
+                            <a:latin typeface="Cambria Math" panose="02040503050406030204" pitchFamily="18" charset="0"/>
                           </a:rPr>
                           <m:t>−</m:t>
                         </m:r>
@@ -4987,6 +4997,7 @@
                             <a:solidFill>
                               <a:srgbClr val="C00000"/>
                             </a:solidFill>
+                            <a:latin typeface="Cambria Math" panose="02040503050406030204" pitchFamily="18" charset="0"/>
                           </a:rPr>
                           <m:t>𝛼</m:t>
                         </m:r>
@@ -5001,7 +5012,9 @@
                 <a14:m>
                   <m:oMath xmlns:m="http://schemas.openxmlformats.org/officeDocument/2006/math">
                     <m:r>
-                      <a:rPr lang="en-US" sz="4200" i="0" smtClean="0"/>
+                      <a:rPr lang="en-US" sz="4200" i="0" smtClean="0">
+                        <a:latin typeface="Cambria Math" panose="02040503050406030204" pitchFamily="18" charset="0"/>
+                      </a:rPr>
                       <m:t>⋅</m:t>
                     </m:r>
                   </m:oMath>
@@ -5021,6 +5034,7 @@
                         <a:solidFill>
                           <a:schemeClr val="accent6"/>
                         </a:solidFill>
+                        <a:latin typeface="Cambria Math" panose="02040503050406030204" pitchFamily="18" charset="0"/>
                       </a:rPr>
                       <m:t>𝑛</m:t>
                     </m:r>
@@ -5031,7 +5045,7 @@
             </p:txBody>
           </p:sp>
         </mc:Choice>
-        <mc:Fallback>
+        <mc:Fallback xmlns="">
           <p:sp>
             <p:nvSpPr>
               <p:cNvPr id="4" name="TextBox 3">
@@ -5076,8 +5090,8 @@
           </p:sp>
         </mc:Fallback>
       </mc:AlternateContent>
-      <mc:AlternateContent xmlns:mc="http://schemas.openxmlformats.org/markup-compatibility/2006">
-        <mc:Choice xmlns:a14="http://schemas.microsoft.com/office/drawing/2010/main" Requires="a14">
+      <mc:AlternateContent xmlns:mc="http://schemas.openxmlformats.org/markup-compatibility/2006" xmlns:a14="http://schemas.microsoft.com/office/drawing/2010/main">
+        <mc:Choice Requires="a14">
           <p:sp>
             <p:nvSpPr>
               <p:cNvPr id="5" name="TextBox 4">
@@ -5114,11 +5128,15 @@
                     </m:oMathParaPr>
                     <m:oMath xmlns:m="http://schemas.openxmlformats.org/officeDocument/2006/math">
                       <m:r>
-                        <a:rPr lang="en-US" sz="4200" i="1" smtClean="0"/>
+                        <a:rPr lang="en-US" sz="4200" i="1" smtClean="0">
+                          <a:latin typeface="Cambria Math" panose="02040503050406030204" pitchFamily="18" charset="0"/>
+                        </a:rPr>
                         <m:t>𝑖𝑇𝐹𝑅</m:t>
                       </m:r>
                       <m:r>
-                        <a:rPr lang="en-US" sz="4200" i="0"/>
+                        <a:rPr lang="en-US" sz="4200" i="0">
+                          <a:latin typeface="Cambria Math" panose="02040503050406030204" pitchFamily="18" charset="0"/>
+                        </a:rPr>
                         <m:t>= </m:t>
                       </m:r>
                       <m:f>
@@ -5128,6 +5146,7 @@
                               <a:solidFill>
                                 <a:srgbClr val="836967"/>
                               </a:solidFill>
+                              <a:latin typeface="Cambria Math" panose="02040503050406030204" pitchFamily="18" charset="0"/>
                             </a:rPr>
                           </m:ctrlPr>
                         </m:fPr>
@@ -5137,6 +5156,7 @@
                               <a:solidFill>
                                 <a:srgbClr val="C00000"/>
                               </a:solidFill>
+                              <a:latin typeface="Cambria Math" panose="02040503050406030204" pitchFamily="18" charset="0"/>
                             </a:rPr>
                             <m:t>𝛽</m:t>
                           </m:r>
@@ -5145,6 +5165,7 @@
                               <a:solidFill>
                                 <a:srgbClr val="C00000"/>
                               </a:solidFill>
+                              <a:latin typeface="Cambria Math" panose="02040503050406030204" pitchFamily="18" charset="0"/>
                             </a:rPr>
                             <m:t>−</m:t>
                           </m:r>
@@ -5153,6 +5174,7 @@
                               <a:solidFill>
                                 <a:srgbClr val="C00000"/>
                               </a:solidFill>
+                              <a:latin typeface="Cambria Math" panose="02040503050406030204" pitchFamily="18" charset="0"/>
                             </a:rPr>
                             <m:t>𝛼</m:t>
                           </m:r>
@@ -5163,13 +5185,16 @@
                               <a:solidFill>
                                 <a:schemeClr val="accent6"/>
                               </a:solidFill>
+                              <a:latin typeface="Cambria Math" panose="02040503050406030204" pitchFamily="18" charset="0"/>
                             </a:rPr>
                             <m:t>𝑛</m:t>
                           </m:r>
                         </m:den>
                       </m:f>
                       <m:r>
-                        <a:rPr lang="en-US" sz="4200" i="0"/>
+                        <a:rPr lang="en-US" sz="4200" i="0">
+                          <a:latin typeface="Cambria Math" panose="02040503050406030204" pitchFamily="18" charset="0"/>
+                        </a:rPr>
                         <m:t>⋅</m:t>
                       </m:r>
                       <m:f>
@@ -5179,6 +5204,7 @@
                               <a:solidFill>
                                 <a:srgbClr val="836967"/>
                               </a:solidFill>
+                              <a:latin typeface="Cambria Math" panose="02040503050406030204" pitchFamily="18" charset="0"/>
                             </a:rPr>
                           </m:ctrlPr>
                         </m:fPr>
@@ -5188,6 +5214,7 @@
                               <a:solidFill>
                                 <a:schemeClr val="accent1"/>
                               </a:solidFill>
+                              <a:latin typeface="Cambria Math" panose="02040503050406030204" pitchFamily="18" charset="0"/>
                             </a:rPr>
                             <m:t>𝐶</m:t>
                           </m:r>
@@ -5198,6 +5225,7 @@
                               <a:solidFill>
                                 <a:schemeClr val="accent2"/>
                               </a:solidFill>
+                              <a:latin typeface="Cambria Math" panose="02040503050406030204" pitchFamily="18" charset="0"/>
                             </a:rPr>
                             <m:t>𝑊</m:t>
                           </m:r>
@@ -5211,7 +5239,7 @@
             </p:txBody>
           </p:sp>
         </mc:Choice>
-        <mc:Fallback>
+        <mc:Fallback xmlns="">
           <p:sp>
             <p:nvSpPr>
               <p:cNvPr id="5" name="TextBox 4">
@@ -5286,8 +5314,8 @@
           <a:chExt cx="0" cy="0"/>
         </a:xfrm>
       </p:grpSpPr>
-      <mc:AlternateContent xmlns:mc="http://schemas.openxmlformats.org/markup-compatibility/2006">
-        <mc:Choice xmlns:a14="http://schemas.microsoft.com/office/drawing/2010/main" Requires="a14">
+      <mc:AlternateContent xmlns:mc="http://schemas.openxmlformats.org/markup-compatibility/2006" xmlns:a14="http://schemas.microsoft.com/office/drawing/2010/main">
+        <mc:Choice Requires="a14">
           <p:sp>
             <p:nvSpPr>
               <p:cNvPr id="6" name="TextBox 5">
@@ -5676,7 +5704,7 @@
             </p:txBody>
           </p:sp>
         </mc:Choice>
-        <mc:Fallback>
+        <mc:Fallback xmlns="">
           <p:sp>
             <p:nvSpPr>
               <p:cNvPr id="6" name="TextBox 5">
@@ -5768,6 +5796,7 @@
                               <a:solidFill>
                                 <a:srgbClr val="C00000"/>
                               </a:solidFill>
+                              <a:latin typeface="Cambria Math" panose="02040503050406030204" pitchFamily="18" charset="0"/>
                             </a:rPr>
                           </m:ctrlPr>
                         </m:sSubPr>
@@ -5777,6 +5806,7 @@
                               <a:solidFill>
                                 <a:srgbClr val="C00000"/>
                               </a:solidFill>
+                              <a:latin typeface="Cambria Math" panose="02040503050406030204" pitchFamily="18" charset="0"/>
                             </a:rPr>
                             <m:t>𝑅𝐴𝑑𝑗𝑆</m:t>
                           </m:r>
@@ -5787,6 +5817,7 @@
                               <a:solidFill>
                                 <a:schemeClr val="tx1"/>
                               </a:solidFill>
+                              <a:latin typeface="Cambria Math" panose="02040503050406030204" pitchFamily="18" charset="0"/>
                             </a:rPr>
                             <m:t>𝑥</m:t>
                           </m:r>
@@ -5795,6 +5826,7 @@
                               <a:solidFill>
                                 <a:schemeClr val="tx1"/>
                               </a:solidFill>
+                              <a:latin typeface="Cambria Math" panose="02040503050406030204" pitchFamily="18" charset="0"/>
                             </a:rPr>
                             <m:t>,  </m:t>
                           </m:r>
@@ -5803,13 +5835,16 @@
                               <a:solidFill>
                                 <a:schemeClr val="tx1"/>
                               </a:solidFill>
+                              <a:latin typeface="Cambria Math" panose="02040503050406030204" pitchFamily="18" charset="0"/>
                             </a:rPr>
                             <m:t>𝑡</m:t>
                           </m:r>
                         </m:sub>
                       </m:sSub>
                       <m:r>
-                        <a:rPr lang="en-US" sz="4200" i="1"/>
+                        <a:rPr lang="en-US" sz="4200" i="1">
+                          <a:latin typeface="Cambria Math" panose="02040503050406030204" pitchFamily="18" charset="0"/>
+                        </a:rPr>
                         <m:t>=</m:t>
                       </m:r>
                       <m:sSub>
@@ -5819,6 +5854,7 @@
                               <a:solidFill>
                                 <a:schemeClr val="tx1"/>
                               </a:solidFill>
+                              <a:latin typeface="Cambria Math" panose="02040503050406030204" pitchFamily="18" charset="0"/>
                             </a:rPr>
                           </m:ctrlPr>
                         </m:sSubPr>
@@ -5828,6 +5864,7 @@
                               <a:solidFill>
                                 <a:schemeClr val="tx1"/>
                               </a:solidFill>
+                              <a:latin typeface="Cambria Math" panose="02040503050406030204" pitchFamily="18" charset="0"/>
                             </a:rPr>
                             <m:t>𝑅</m:t>
                           </m:r>
@@ -5838,6 +5875,7 @@
                               <a:solidFill>
                                 <a:schemeClr val="tx1"/>
                               </a:solidFill>
+                              <a:latin typeface="Cambria Math" panose="02040503050406030204" pitchFamily="18" charset="0"/>
                             </a:rPr>
                             <m:t>𝑥</m:t>
                           </m:r>
@@ -5846,6 +5884,7 @@
                               <a:solidFill>
                                 <a:schemeClr val="tx1"/>
                               </a:solidFill>
+                              <a:latin typeface="Cambria Math" panose="02040503050406030204" pitchFamily="18" charset="0"/>
                             </a:rPr>
                             <m:t>,  </m:t>
                           </m:r>
@@ -5854,18 +5893,17 @@
                               <a:solidFill>
                                 <a:schemeClr val="tx1"/>
                               </a:solidFill>
+                              <a:latin typeface="Cambria Math" panose="02040503050406030204" pitchFamily="18" charset="0"/>
                             </a:rPr>
                             <m:t>𝑡</m:t>
                           </m:r>
                         </m:sub>
                       </m:sSub>
                       <m:r>
-                        <a:rPr lang="en-US" sz="4200" smtClean="0"/>
+                        <a:rPr lang="en-US" sz="4200" smtClean="0">
+                          <a:latin typeface="Cambria Math" panose="02040503050406030204" pitchFamily="18" charset="0"/>
+                        </a:rPr>
                         <m:t>+</m:t>
-                      </m:r>
-                      <m:r>
-                        <a:rPr lang="en-US" sz="4200" b="0" i="0" smtClean="0"/>
-                        <m:t>(</m:t>
                       </m:r>
                       <m:sSub>
                         <m:sSubPr>
@@ -5874,6 +5912,7 @@
                               <a:solidFill>
                                 <a:schemeClr val="accent6"/>
                               </a:solidFill>
+                              <a:latin typeface="Cambria Math" panose="02040503050406030204" pitchFamily="18" charset="0"/>
                             </a:rPr>
                           </m:ctrlPr>
                         </m:sSubPr>
@@ -5883,27 +5922,36 @@
                               <a:solidFill>
                                 <a:schemeClr val="accent6"/>
                               </a:solidFill>
+                              <a:latin typeface="Cambria Math" panose="02040503050406030204" pitchFamily="18" charset="0"/>
                             </a:rPr>
                             <m:t>𝑆</m:t>
                           </m:r>
                         </m:e>
                         <m:sub>
                           <m:r>
-                            <a:rPr lang="en-US" sz="4200" i="1"/>
+                            <a:rPr lang="en-US" sz="4200" i="1">
+                              <a:latin typeface="Cambria Math" panose="02040503050406030204" pitchFamily="18" charset="0"/>
+                            </a:rPr>
                             <m:t>𝑥</m:t>
                           </m:r>
                           <m:r>
-                            <a:rPr lang="en-US" sz="4200" i="1"/>
+                            <a:rPr lang="en-US" sz="4200" i="1">
+                              <a:latin typeface="Cambria Math" panose="02040503050406030204" pitchFamily="18" charset="0"/>
+                            </a:rPr>
                             <m:t>,</m:t>
                           </m:r>
                           <m:r>
-                            <a:rPr lang="en-US" sz="4200" i="1"/>
+                            <a:rPr lang="en-US" sz="4200" i="1">
+                              <a:latin typeface="Cambria Math" panose="02040503050406030204" pitchFamily="18" charset="0"/>
+                            </a:rPr>
                             <m:t>𝑡</m:t>
                           </m:r>
                         </m:sub>
                       </m:sSub>
                       <m:r>
-                        <a:rPr lang="en-US" sz="4200" b="0" i="1" smtClean="0"/>
+                        <a:rPr lang="en-US" sz="4200" b="0" i="1" smtClean="0">
+                          <a:latin typeface="Cambria Math" panose="02040503050406030204" pitchFamily="18" charset="0"/>
+                        </a:rPr>
                         <m:t>−</m:t>
                       </m:r>
                       <m:sSub>
@@ -5913,6 +5961,7 @@
                               <a:solidFill>
                                 <a:srgbClr val="836967"/>
                               </a:solidFill>
+                              <a:latin typeface="Cambria Math" panose="02040503050406030204" pitchFamily="18" charset="0"/>
                             </a:rPr>
                           </m:ctrlPr>
                         </m:sSubPr>
@@ -5922,25 +5971,26 @@
                               <a:solidFill>
                                 <a:schemeClr val="accent6"/>
                               </a:solidFill>
+                              <a:latin typeface="Cambria Math" panose="02040503050406030204" pitchFamily="18" charset="0"/>
                             </a:rPr>
                             <m:t>𝑆</m:t>
                           </m:r>
                         </m:e>
                         <m:sub>
                           <m:r>
-                            <a:rPr lang="en-US" sz="4200" b="0" i="0" smtClean="0"/>
+                            <a:rPr lang="en-US" sz="4200" b="0" i="0" smtClean="0">
+                              <a:latin typeface="Cambria Math" panose="02040503050406030204" pitchFamily="18" charset="0"/>
+                            </a:rPr>
                             <m:t>𝑥</m:t>
                           </m:r>
                           <m:r>
-                            <a:rPr lang="en-US" sz="4200" b="0" i="0" smtClean="0"/>
+                            <a:rPr lang="en-US" sz="4200" b="0" i="0" smtClean="0">
+                              <a:latin typeface="Cambria Math" panose="02040503050406030204" pitchFamily="18" charset="0"/>
+                            </a:rPr>
                             <m:t>,0</m:t>
                           </m:r>
                         </m:sub>
                       </m:sSub>
-                      <m:r>
-                        <a:rPr lang="en-US" sz="4200" b="0" i="0" smtClean="0"/>
-                        <m:t>)</m:t>
-                      </m:r>
                     </m:oMath>
                   </m:oMathPara>
                 </a14:m>
@@ -6066,6 +6116,7 @@
                             <a:solidFill>
                               <a:srgbClr val="C00000"/>
                             </a:solidFill>
+                            <a:latin typeface="Cambria Math" panose="02040503050406030204" pitchFamily="18" charset="0"/>
                           </a:rPr>
                         </m:ctrlPr>
                       </m:sSubPr>
@@ -6075,6 +6126,7 @@
                             <a:solidFill>
                               <a:srgbClr val="C00000"/>
                             </a:solidFill>
+                            <a:latin typeface="Cambria Math" panose="02040503050406030204" pitchFamily="18" charset="0"/>
                           </a:rPr>
                           <m:t>𝑅𝐴𝑑𝑗𝐺</m:t>
                         </m:r>
@@ -6085,6 +6137,7 @@
                             <a:solidFill>
                               <a:schemeClr val="tx1"/>
                             </a:solidFill>
+                            <a:latin typeface="Cambria Math" panose="02040503050406030204" pitchFamily="18" charset="0"/>
                           </a:rPr>
                           <m:t>𝑥</m:t>
                         </m:r>
@@ -6093,6 +6146,7 @@
                             <a:solidFill>
                               <a:schemeClr val="tx1"/>
                             </a:solidFill>
+                            <a:latin typeface="Cambria Math" panose="02040503050406030204" pitchFamily="18" charset="0"/>
                           </a:rPr>
                           <m:t>,</m:t>
                         </m:r>
@@ -6101,6 +6155,7 @@
                             <a:solidFill>
                               <a:schemeClr val="tx1"/>
                             </a:solidFill>
+                            <a:latin typeface="Cambria Math" panose="02040503050406030204" pitchFamily="18" charset="0"/>
                           </a:rPr>
                           <m:t>𝑡</m:t>
                         </m:r>
@@ -6111,6 +6166,7 @@
                         <a:solidFill>
                           <a:srgbClr val="C00000"/>
                         </a:solidFill>
+                        <a:latin typeface="Cambria Math" panose="02040503050406030204" pitchFamily="18" charset="0"/>
                       </a:rPr>
                       <m:t> </m:t>
                     </m:r>
@@ -6135,6 +6191,7 @@
                         <a:solidFill>
                           <a:schemeClr val="tx1"/>
                         </a:solidFill>
+                        <a:latin typeface="Cambria Math" panose="02040503050406030204" pitchFamily="18" charset="0"/>
                       </a:rPr>
                       <m:t>𝑥</m:t>
                     </m:r>
@@ -6155,6 +6212,7 @@
                         <a:solidFill>
                           <a:schemeClr val="tx1"/>
                         </a:solidFill>
+                        <a:latin typeface="Cambria Math" panose="02040503050406030204" pitchFamily="18" charset="0"/>
                       </a:rPr>
                       <m:t>𝑡</m:t>
                     </m:r>
@@ -6176,6 +6234,7 @@
                             <a:solidFill>
                               <a:schemeClr val="tx1"/>
                             </a:solidFill>
+                            <a:latin typeface="Cambria Math" panose="02040503050406030204" pitchFamily="18" charset="0"/>
                           </a:rPr>
                         </m:ctrlPr>
                       </m:sSubPr>
@@ -6185,6 +6244,7 @@
                             <a:solidFill>
                               <a:schemeClr val="tx1"/>
                             </a:solidFill>
+                            <a:latin typeface="Cambria Math" panose="02040503050406030204" pitchFamily="18" charset="0"/>
                           </a:rPr>
                           <m:t>𝑅</m:t>
                         </m:r>
@@ -6195,6 +6255,7 @@
                             <a:solidFill>
                               <a:schemeClr val="tx1"/>
                             </a:solidFill>
+                            <a:latin typeface="Cambria Math" panose="02040503050406030204" pitchFamily="18" charset="0"/>
                           </a:rPr>
                           <m:t>𝑥</m:t>
                         </m:r>
@@ -6203,6 +6264,7 @@
                             <a:solidFill>
                               <a:schemeClr val="tx1"/>
                             </a:solidFill>
+                            <a:latin typeface="Cambria Math" panose="02040503050406030204" pitchFamily="18" charset="0"/>
                           </a:rPr>
                           <m:t>,</m:t>
                         </m:r>
@@ -6211,6 +6273,7 @@
                             <a:solidFill>
                               <a:schemeClr val="tx1"/>
                             </a:solidFill>
+                            <a:latin typeface="Cambria Math" panose="02040503050406030204" pitchFamily="18" charset="0"/>
                           </a:rPr>
                           <m:t>𝑡</m:t>
                         </m:r>
@@ -6225,7 +6288,9 @@
                 <a14:m>
                   <m:oMath xmlns:m="http://schemas.openxmlformats.org/officeDocument/2006/math">
                     <m:r>
-                      <a:rPr lang="en-US" sz="2300" i="1"/>
+                      <a:rPr lang="en-US" sz="2300" i="1">
+                        <a:latin typeface="Cambria Math" panose="02040503050406030204" pitchFamily="18" charset="0"/>
+                      </a:rPr>
                       <m:t>𝑥</m:t>
                     </m:r>
                   </m:oMath>
@@ -6237,7 +6302,9 @@
                 <a14:m>
                   <m:oMath xmlns:m="http://schemas.openxmlformats.org/officeDocument/2006/math">
                     <m:r>
-                      <a:rPr lang="en-US" sz="2300" i="1"/>
+                      <a:rPr lang="en-US" sz="2300" i="1">
+                        <a:latin typeface="Cambria Math" panose="02040503050406030204" pitchFamily="18" charset="0"/>
+                      </a:rPr>
                       <m:t>𝑡</m:t>
                     </m:r>
                   </m:oMath>
@@ -6254,6 +6321,7 @@
                             <a:solidFill>
                               <a:schemeClr val="accent1"/>
                             </a:solidFill>
+                            <a:latin typeface="Cambria Math" panose="02040503050406030204" pitchFamily="18" charset="0"/>
                           </a:rPr>
                         </m:ctrlPr>
                       </m:sSubPr>
@@ -6263,6 +6331,7 @@
                             <a:solidFill>
                               <a:schemeClr val="accent6"/>
                             </a:solidFill>
+                            <a:latin typeface="Cambria Math" panose="02040503050406030204" pitchFamily="18" charset="0"/>
                           </a:rPr>
                           <m:t>𝑆</m:t>
                         </m:r>
@@ -6273,6 +6342,7 @@
                             <a:solidFill>
                               <a:schemeClr val="tx1"/>
                             </a:solidFill>
+                            <a:latin typeface="Cambria Math" panose="02040503050406030204" pitchFamily="18" charset="0"/>
                           </a:rPr>
                           <m:t>𝑥</m:t>
                         </m:r>
@@ -6281,11 +6351,14 @@
                             <a:solidFill>
                               <a:schemeClr val="tx1"/>
                             </a:solidFill>
+                            <a:latin typeface="Cambria Math" panose="02040503050406030204" pitchFamily="18" charset="0"/>
                           </a:rPr>
                           <m:t>,</m:t>
                         </m:r>
                         <m:r>
-                          <a:rPr lang="en-US" sz="2300" i="1"/>
+                          <a:rPr lang="en-US" sz="2300" i="1">
+                            <a:latin typeface="Cambria Math" panose="02040503050406030204" pitchFamily="18" charset="0"/>
+                          </a:rPr>
                           <m:t>𝑡</m:t>
                         </m:r>
                       </m:sub>
@@ -6299,7 +6372,9 @@
                 <a14:m>
                   <m:oMath xmlns:m="http://schemas.openxmlformats.org/officeDocument/2006/math">
                     <m:r>
-                      <a:rPr lang="en-US" sz="2300" i="1"/>
+                      <a:rPr lang="en-US" sz="2300" i="1">
+                        <a:latin typeface="Cambria Math" panose="02040503050406030204" pitchFamily="18" charset="0"/>
+                      </a:rPr>
                       <m:t>𝑥</m:t>
                     </m:r>
                   </m:oMath>
@@ -6311,7 +6386,9 @@
                 <a14:m>
                   <m:oMath xmlns:m="http://schemas.openxmlformats.org/officeDocument/2006/math">
                     <m:r>
-                      <a:rPr lang="en-US" sz="2300" i="1"/>
+                      <a:rPr lang="en-US" sz="2300" i="1">
+                        <a:latin typeface="Cambria Math" panose="02040503050406030204" pitchFamily="18" charset="0"/>
+                      </a:rPr>
                       <m:t>𝑡</m:t>
                     </m:r>
                   </m:oMath>
@@ -6328,6 +6405,7 @@
                             <a:solidFill>
                               <a:schemeClr val="accent6"/>
                             </a:solidFill>
+                            <a:latin typeface="Cambria Math" panose="02040503050406030204" pitchFamily="18" charset="0"/>
                           </a:rPr>
                         </m:ctrlPr>
                       </m:sSubPr>
@@ -6337,13 +6415,16 @@
                             <a:solidFill>
                               <a:schemeClr val="accent1"/>
                             </a:solidFill>
+                            <a:latin typeface="Cambria Math" panose="02040503050406030204" pitchFamily="18" charset="0"/>
                           </a:rPr>
                           <m:t>𝐼</m:t>
                         </m:r>
                       </m:e>
                       <m:sub>
                         <m:r>
-                          <a:rPr lang="en-US" sz="2300" b="0" i="1" smtClean="0"/>
+                          <a:rPr lang="en-US" sz="2300" b="0" i="1" smtClean="0">
+                            <a:latin typeface="Cambria Math" panose="02040503050406030204" pitchFamily="18" charset="0"/>
+                          </a:rPr>
                           <m:t>𝑡</m:t>
                         </m:r>
                       </m:sub>
@@ -6352,24 +6433,14 @@
                 </a14:m>
                 <a:r>
                   <a:rPr lang="en-US" sz="2300" dirty="0"/>
-                  <a:t> is the gross migration adjustment factor (centered on 1) for age-by-sex </a:t>
+                  <a:t> is the gross migration adjustment factor (centered on 1), at time </a:t>
                 </a:r>
                 <a14:m>
                   <m:oMath xmlns:m="http://schemas.openxmlformats.org/officeDocument/2006/math">
                     <m:r>
-                      <a:rPr lang="en-US" sz="2300" i="1"/>
-                      <m:t>𝑥</m:t>
-                    </m:r>
-                  </m:oMath>
-                </a14:m>
-                <a:r>
-                  <a:rPr lang="en-US" sz="2300" dirty="0"/>
-                  <a:t>, at time </a:t>
-                </a:r>
-                <a14:m>
-                  <m:oMath xmlns:m="http://schemas.openxmlformats.org/officeDocument/2006/math">
-                    <m:r>
-                      <a:rPr lang="en-US" sz="2300" b="0" i="1" smtClean="0"/>
+                      <a:rPr lang="en-US" sz="2300" b="0" i="1" smtClean="0">
+                        <a:latin typeface="Cambria Math" panose="02040503050406030204" pitchFamily="18" charset="0"/>
+                      </a:rPr>
                       <m:t>𝑡</m:t>
                     </m:r>
                   </m:oMath>
@@ -6424,8 +6495,8 @@
           </p:sp>
         </mc:Fallback>
       </mc:AlternateContent>
-      <mc:AlternateContent xmlns:mc="http://schemas.openxmlformats.org/markup-compatibility/2006">
-        <mc:Choice xmlns:a14="http://schemas.microsoft.com/office/drawing/2010/main" Requires="a14">
+      <mc:AlternateContent xmlns:mc="http://schemas.openxmlformats.org/markup-compatibility/2006" xmlns:a14="http://schemas.microsoft.com/office/drawing/2010/main">
+        <mc:Choice Requires="a14">
           <p:sp>
             <p:nvSpPr>
               <p:cNvPr id="9" name="TextBox 8">
@@ -6471,6 +6542,7 @@
                               <a:solidFill>
                                 <a:srgbClr val="C00000"/>
                               </a:solidFill>
+                              <a:latin typeface="Cambria Math" panose="02040503050406030204" pitchFamily="18" charset="0"/>
                             </a:rPr>
                           </m:ctrlPr>
                         </m:sSubPr>
@@ -6480,6 +6552,7 @@
                               <a:solidFill>
                                 <a:srgbClr val="C00000"/>
                               </a:solidFill>
+                              <a:latin typeface="Cambria Math" panose="02040503050406030204" pitchFamily="18" charset="0"/>
                             </a:rPr>
                             <m:t>𝑅𝐴𝑑𝑗𝐺</m:t>
                           </m:r>
@@ -6490,6 +6563,7 @@
                               <a:solidFill>
                                 <a:schemeClr val="tx1"/>
                               </a:solidFill>
+                              <a:latin typeface="Cambria Math" panose="02040503050406030204" pitchFamily="18" charset="0"/>
                             </a:rPr>
                             <m:t>𝑥</m:t>
                           </m:r>
@@ -6498,6 +6572,7 @@
                               <a:solidFill>
                                 <a:schemeClr val="tx1"/>
                               </a:solidFill>
+                              <a:latin typeface="Cambria Math" panose="02040503050406030204" pitchFamily="18" charset="0"/>
                             </a:rPr>
                             <m:t>,  </m:t>
                           </m:r>
@@ -6506,13 +6581,16 @@
                               <a:solidFill>
                                 <a:schemeClr val="tx1"/>
                               </a:solidFill>
+                              <a:latin typeface="Cambria Math" panose="02040503050406030204" pitchFamily="18" charset="0"/>
                             </a:rPr>
                             <m:t>𝑡</m:t>
                           </m:r>
                         </m:sub>
                       </m:sSub>
                       <m:r>
-                        <a:rPr lang="en-US" sz="4200" i="1"/>
+                        <a:rPr lang="en-US" sz="4200" i="1">
+                          <a:latin typeface="Cambria Math" panose="02040503050406030204" pitchFamily="18" charset="0"/>
+                        </a:rPr>
                         <m:t>=</m:t>
                       </m:r>
                       <m:sSub>
@@ -6522,6 +6600,7 @@
                               <a:solidFill>
                                 <a:schemeClr val="tx1"/>
                               </a:solidFill>
+                              <a:latin typeface="Cambria Math" panose="02040503050406030204" pitchFamily="18" charset="0"/>
                             </a:rPr>
                           </m:ctrlPr>
                         </m:sSubPr>
@@ -6531,6 +6610,7 @@
                               <a:solidFill>
                                 <a:schemeClr val="tx1"/>
                               </a:solidFill>
+                              <a:latin typeface="Cambria Math" panose="02040503050406030204" pitchFamily="18" charset="0"/>
                             </a:rPr>
                             <m:t>(</m:t>
                           </m:r>
@@ -6539,6 +6619,7 @@
                               <a:solidFill>
                                 <a:schemeClr val="tx1"/>
                               </a:solidFill>
+                              <a:latin typeface="Cambria Math" panose="02040503050406030204" pitchFamily="18" charset="0"/>
                             </a:rPr>
                             <m:t>𝑅</m:t>
                           </m:r>
@@ -6549,6 +6630,7 @@
                               <a:solidFill>
                                 <a:schemeClr val="tx1"/>
                               </a:solidFill>
+                              <a:latin typeface="Cambria Math" panose="02040503050406030204" pitchFamily="18" charset="0"/>
                             </a:rPr>
                             <m:t>𝑥</m:t>
                           </m:r>
@@ -6557,6 +6639,7 @@
                               <a:solidFill>
                                 <a:schemeClr val="tx1"/>
                               </a:solidFill>
+                              <a:latin typeface="Cambria Math" panose="02040503050406030204" pitchFamily="18" charset="0"/>
                             </a:rPr>
                             <m:t>,  </m:t>
                           </m:r>
@@ -6565,6 +6648,7 @@
                               <a:solidFill>
                                 <a:schemeClr val="tx1"/>
                               </a:solidFill>
+                              <a:latin typeface="Cambria Math" panose="02040503050406030204" pitchFamily="18" charset="0"/>
                             </a:rPr>
                             <m:t>𝑡</m:t>
                           </m:r>
@@ -6575,6 +6659,7 @@
                           <a:solidFill>
                             <a:schemeClr val="tx1"/>
                           </a:solidFill>
+                          <a:latin typeface="Cambria Math" panose="02040503050406030204" pitchFamily="18" charset="0"/>
                         </a:rPr>
                         <m:t>−</m:t>
                       </m:r>
@@ -6585,6 +6670,7 @@
                               <a:solidFill>
                                 <a:schemeClr val="accent6"/>
                               </a:solidFill>
+                              <a:latin typeface="Cambria Math" panose="02040503050406030204" pitchFamily="18" charset="0"/>
                             </a:rPr>
                           </m:ctrlPr>
                         </m:sSubPr>
@@ -6594,21 +6680,28 @@
                               <a:solidFill>
                                 <a:schemeClr val="accent6"/>
                               </a:solidFill>
+                              <a:latin typeface="Cambria Math" panose="02040503050406030204" pitchFamily="18" charset="0"/>
                             </a:rPr>
                             <m:t>𝑆</m:t>
                           </m:r>
                         </m:e>
                         <m:sub>
                           <m:r>
-                            <a:rPr lang="en-US" sz="4200" i="1"/>
+                            <a:rPr lang="en-US" sz="4200" i="1">
+                              <a:latin typeface="Cambria Math" panose="02040503050406030204" pitchFamily="18" charset="0"/>
+                            </a:rPr>
                             <m:t>𝑥</m:t>
                           </m:r>
                           <m:r>
-                            <a:rPr lang="en-US" sz="4200" i="1"/>
+                            <a:rPr lang="en-US" sz="4200" i="1">
+                              <a:latin typeface="Cambria Math" panose="02040503050406030204" pitchFamily="18" charset="0"/>
+                            </a:rPr>
                             <m:t>,</m:t>
                           </m:r>
                           <m:r>
-                            <a:rPr lang="en-US" sz="4200" i="1"/>
+                            <a:rPr lang="en-US" sz="4200" i="1">
+                              <a:latin typeface="Cambria Math" panose="02040503050406030204" pitchFamily="18" charset="0"/>
+                            </a:rPr>
                             <m:t>𝑡</m:t>
                           </m:r>
                         </m:sub>
@@ -6618,11 +6711,14 @@
                           <a:solidFill>
                             <a:schemeClr val="tx1"/>
                           </a:solidFill>
+                          <a:latin typeface="Cambria Math" panose="02040503050406030204" pitchFamily="18" charset="0"/>
                         </a:rPr>
                         <m:t>)</m:t>
                       </m:r>
                       <m:r>
-                        <a:rPr lang="en-US" sz="4200"/>
+                        <a:rPr lang="en-US" sz="4200">
+                          <a:latin typeface="Cambria Math" panose="02040503050406030204" pitchFamily="18" charset="0"/>
+                        </a:rPr>
                         <m:t>⋅</m:t>
                       </m:r>
                       <m:sSub>
@@ -6632,6 +6728,7 @@
                               <a:solidFill>
                                 <a:srgbClr val="836967"/>
                               </a:solidFill>
+                              <a:latin typeface="Cambria Math" panose="02040503050406030204" pitchFamily="18" charset="0"/>
                             </a:rPr>
                           </m:ctrlPr>
                         </m:sSubPr>
@@ -6641,19 +6738,24 @@
                               <a:solidFill>
                                 <a:schemeClr val="accent1"/>
                               </a:solidFill>
+                              <a:latin typeface="Cambria Math" panose="02040503050406030204" pitchFamily="18" charset="0"/>
                             </a:rPr>
                             <m:t>𝐼</m:t>
                           </m:r>
                         </m:e>
                         <m:sub>
                           <m:r>
-                            <a:rPr lang="en-US" sz="4200" i="1" dirty="0"/>
+                            <a:rPr lang="en-US" sz="4200" i="1" dirty="0">
+                              <a:latin typeface="Cambria Math" panose="02040503050406030204" pitchFamily="18" charset="0"/>
+                            </a:rPr>
                             <m:t>𝑡</m:t>
                           </m:r>
                         </m:sub>
                       </m:sSub>
                       <m:r>
-                        <a:rPr lang="en-US" sz="4200" dirty="0" smtClean="0"/>
+                        <a:rPr lang="en-US" sz="4200" dirty="0" smtClean="0">
+                          <a:latin typeface="Cambria Math" panose="02040503050406030204" pitchFamily="18" charset="0"/>
+                        </a:rPr>
                         <m:t>+</m:t>
                       </m:r>
                       <m:sSub>
@@ -6663,6 +6765,7 @@
                               <a:solidFill>
                                 <a:schemeClr val="accent6"/>
                               </a:solidFill>
+                              <a:latin typeface="Cambria Math" panose="02040503050406030204" pitchFamily="18" charset="0"/>
                             </a:rPr>
                           </m:ctrlPr>
                         </m:sSubPr>
@@ -6672,21 +6775,28 @@
                               <a:solidFill>
                                 <a:schemeClr val="accent6"/>
                               </a:solidFill>
+                              <a:latin typeface="Cambria Math" panose="02040503050406030204" pitchFamily="18" charset="0"/>
                             </a:rPr>
                             <m:t>𝑆</m:t>
                           </m:r>
                         </m:e>
                         <m:sub>
                           <m:r>
-                            <a:rPr lang="en-US" sz="4200" i="1"/>
+                            <a:rPr lang="en-US" sz="4200" i="1">
+                              <a:latin typeface="Cambria Math" panose="02040503050406030204" pitchFamily="18" charset="0"/>
+                            </a:rPr>
                             <m:t>𝑥</m:t>
                           </m:r>
                           <m:r>
-                            <a:rPr lang="en-US" sz="4200" i="1"/>
+                            <a:rPr lang="en-US" sz="4200" i="1">
+                              <a:latin typeface="Cambria Math" panose="02040503050406030204" pitchFamily="18" charset="0"/>
+                            </a:rPr>
                             <m:t>,</m:t>
                           </m:r>
                           <m:r>
-                            <a:rPr lang="en-US" sz="4200" i="1"/>
+                            <a:rPr lang="en-US" sz="4200" i="1">
+                              <a:latin typeface="Cambria Math" panose="02040503050406030204" pitchFamily="18" charset="0"/>
+                            </a:rPr>
                             <m:t>𝑡</m:t>
                           </m:r>
                         </m:sub>
@@ -6699,7 +6809,7 @@
             </p:txBody>
           </p:sp>
         </mc:Choice>
-        <mc:Fallback>
+        <mc:Fallback xmlns="">
           <p:sp>
             <p:nvSpPr>
               <p:cNvPr id="9" name="TextBox 8">
@@ -6794,7 +6904,7 @@
             <p:spPr>
               <a:xfrm>
                 <a:off x="85359" y="3590144"/>
-                <a:ext cx="12021278" cy="1987852"/>
+                <a:ext cx="12021278" cy="1924373"/>
               </a:xfrm>
               <a:prstGeom prst="rect">
                 <a:avLst/>
@@ -6816,6 +6926,7 @@
                             <a:solidFill>
                               <a:srgbClr val="C00000"/>
                             </a:solidFill>
+                            <a:latin typeface="Cambria Math" panose="02040503050406030204" pitchFamily="18" charset="0"/>
                           </a:rPr>
                         </m:ctrlPr>
                       </m:sSubPr>
@@ -6825,16 +6936,9 @@
                             <a:solidFill>
                               <a:srgbClr val="C00000"/>
                             </a:solidFill>
+                            <a:latin typeface="Cambria Math" panose="02040503050406030204" pitchFamily="18" charset="0"/>
                           </a:rPr>
-                          <m:t>𝑅𝐴𝑑𝑗</m:t>
-                        </m:r>
-                        <m:r>
-                          <a:rPr lang="en-US" sz="2300" b="0" i="1" smtClean="0">
-                            <a:solidFill>
-                              <a:srgbClr val="C00000"/>
-                            </a:solidFill>
-                          </a:rPr>
-                          <m:t>𝑍</m:t>
+                          <m:t>𝑅𝐴𝑑𝑗𝑍</m:t>
                         </m:r>
                       </m:e>
                       <m:sub>
@@ -6843,6 +6947,7 @@
                             <a:solidFill>
                               <a:schemeClr val="tx1"/>
                             </a:solidFill>
+                            <a:latin typeface="Cambria Math" panose="02040503050406030204" pitchFamily="18" charset="0"/>
                           </a:rPr>
                           <m:t>𝑥</m:t>
                         </m:r>
@@ -6851,6 +6956,7 @@
                             <a:solidFill>
                               <a:schemeClr val="tx1"/>
                             </a:solidFill>
+                            <a:latin typeface="Cambria Math" panose="02040503050406030204" pitchFamily="18" charset="0"/>
                           </a:rPr>
                           <m:t>,</m:t>
                         </m:r>
@@ -6859,6 +6965,7 @@
                             <a:solidFill>
                               <a:schemeClr val="tx1"/>
                             </a:solidFill>
+                            <a:latin typeface="Cambria Math" panose="02040503050406030204" pitchFamily="18" charset="0"/>
                           </a:rPr>
                           <m:t>𝑡</m:t>
                         </m:r>
@@ -6869,6 +6976,7 @@
                         <a:solidFill>
                           <a:srgbClr val="C00000"/>
                         </a:solidFill>
+                        <a:latin typeface="Cambria Math" panose="02040503050406030204" pitchFamily="18" charset="0"/>
                       </a:rPr>
                       <m:t> </m:t>
                     </m:r>
@@ -6893,6 +7001,7 @@
                         <a:solidFill>
                           <a:schemeClr val="tx1"/>
                         </a:solidFill>
+                        <a:latin typeface="Cambria Math" panose="02040503050406030204" pitchFamily="18" charset="0"/>
                       </a:rPr>
                       <m:t>𝑥</m:t>
                     </m:r>
@@ -6913,6 +7022,7 @@
                         <a:solidFill>
                           <a:schemeClr val="tx1"/>
                         </a:solidFill>
+                        <a:latin typeface="Cambria Math" panose="02040503050406030204" pitchFamily="18" charset="0"/>
                       </a:rPr>
                       <m:t>𝑡</m:t>
                     </m:r>
@@ -6934,6 +7044,7 @@
                             <a:solidFill>
                               <a:schemeClr val="tx1"/>
                             </a:solidFill>
+                            <a:latin typeface="Cambria Math" panose="02040503050406030204" pitchFamily="18" charset="0"/>
                           </a:rPr>
                         </m:ctrlPr>
                       </m:sSubPr>
@@ -6943,6 +7054,7 @@
                             <a:solidFill>
                               <a:schemeClr val="tx1"/>
                             </a:solidFill>
+                            <a:latin typeface="Cambria Math" panose="02040503050406030204" pitchFamily="18" charset="0"/>
                           </a:rPr>
                           <m:t>𝑅</m:t>
                         </m:r>
@@ -6953,6 +7065,7 @@
                             <a:solidFill>
                               <a:schemeClr val="tx1"/>
                             </a:solidFill>
+                            <a:latin typeface="Cambria Math" panose="02040503050406030204" pitchFamily="18" charset="0"/>
                           </a:rPr>
                           <m:t>𝑥</m:t>
                         </m:r>
@@ -6961,6 +7074,7 @@
                             <a:solidFill>
                               <a:schemeClr val="tx1"/>
                             </a:solidFill>
+                            <a:latin typeface="Cambria Math" panose="02040503050406030204" pitchFamily="18" charset="0"/>
                           </a:rPr>
                           <m:t>,</m:t>
                         </m:r>
@@ -6969,6 +7083,7 @@
                             <a:solidFill>
                               <a:schemeClr val="tx1"/>
                             </a:solidFill>
+                            <a:latin typeface="Cambria Math" panose="02040503050406030204" pitchFamily="18" charset="0"/>
                           </a:rPr>
                           <m:t>𝑡</m:t>
                         </m:r>
@@ -6983,7 +7098,9 @@
                 <a14:m>
                   <m:oMath xmlns:m="http://schemas.openxmlformats.org/officeDocument/2006/math">
                     <m:r>
-                      <a:rPr lang="en-US" sz="2300" i="1"/>
+                      <a:rPr lang="en-US" sz="2300" i="1">
+                        <a:latin typeface="Cambria Math" panose="02040503050406030204" pitchFamily="18" charset="0"/>
+                      </a:rPr>
                       <m:t>𝑥</m:t>
                     </m:r>
                   </m:oMath>
@@ -6995,7 +7112,9 @@
                 <a14:m>
                   <m:oMath xmlns:m="http://schemas.openxmlformats.org/officeDocument/2006/math">
                     <m:r>
-                      <a:rPr lang="en-US" sz="2300" i="1"/>
+                      <a:rPr lang="en-US" sz="2300" i="1">
+                        <a:latin typeface="Cambria Math" panose="02040503050406030204" pitchFamily="18" charset="0"/>
+                      </a:rPr>
                       <m:t>𝑡</m:t>
                     </m:r>
                   </m:oMath>
@@ -7012,6 +7131,7 @@
                             <a:solidFill>
                               <a:schemeClr val="accent6"/>
                             </a:solidFill>
+                            <a:latin typeface="Cambria Math" panose="02040503050406030204" pitchFamily="18" charset="0"/>
                           </a:rPr>
                         </m:ctrlPr>
                       </m:sSubPr>
@@ -7021,21 +7141,28 @@
                             <a:solidFill>
                               <a:schemeClr val="accent6"/>
                             </a:solidFill>
+                            <a:latin typeface="Cambria Math" panose="02040503050406030204" pitchFamily="18" charset="0"/>
                           </a:rPr>
                           <m:t>𝑆</m:t>
                         </m:r>
                       </m:e>
                       <m:sub>
                         <m:r>
-                          <a:rPr lang="en-US" sz="2300" i="1"/>
+                          <a:rPr lang="en-US" sz="2300" i="1">
+                            <a:latin typeface="Cambria Math" panose="02040503050406030204" pitchFamily="18" charset="0"/>
+                          </a:rPr>
                           <m:t>𝑥</m:t>
                         </m:r>
                         <m:r>
-                          <a:rPr lang="en-US" sz="2300" i="1"/>
+                          <a:rPr lang="en-US" sz="2300" i="1">
+                            <a:latin typeface="Cambria Math" panose="02040503050406030204" pitchFamily="18" charset="0"/>
+                          </a:rPr>
                           <m:t>,</m:t>
                         </m:r>
                         <m:r>
-                          <a:rPr lang="en-US" sz="2300"/>
+                          <a:rPr lang="en-US" sz="2300">
+                            <a:latin typeface="Cambria Math" panose="02040503050406030204" pitchFamily="18" charset="0"/>
+                          </a:rPr>
                           <m:t>0</m:t>
                         </m:r>
                       </m:sub>
@@ -7049,7 +7176,9 @@
                 <a14:m>
                   <m:oMath xmlns:m="http://schemas.openxmlformats.org/officeDocument/2006/math">
                     <m:r>
-                      <a:rPr lang="en-US" sz="2300" i="1"/>
+                      <a:rPr lang="en-US" sz="2300" i="1">
+                        <a:latin typeface="Cambria Math" panose="02040503050406030204" pitchFamily="18" charset="0"/>
+                      </a:rPr>
                       <m:t>𝑥</m:t>
                     </m:r>
                   </m:oMath>
@@ -7061,7 +7190,9 @@
                 <a14:m>
                   <m:oMath xmlns:m="http://schemas.openxmlformats.org/officeDocument/2006/math">
                     <m:r>
-                      <a:rPr lang="en-US" sz="2300"/>
+                      <a:rPr lang="en-US" sz="2300">
+                        <a:latin typeface="Cambria Math" panose="02040503050406030204" pitchFamily="18" charset="0"/>
+                      </a:rPr>
                       <m:t>0</m:t>
                     </m:r>
                   </m:oMath>
@@ -7078,6 +7209,7 @@
                             <a:solidFill>
                               <a:schemeClr val="accent1"/>
                             </a:solidFill>
+                            <a:latin typeface="Cambria Math" panose="02040503050406030204" pitchFamily="18" charset="0"/>
                           </a:rPr>
                         </m:ctrlPr>
                       </m:sSubPr>
@@ -7087,6 +7219,7 @@
                             <a:solidFill>
                               <a:schemeClr val="accent6"/>
                             </a:solidFill>
+                            <a:latin typeface="Cambria Math" panose="02040503050406030204" pitchFamily="18" charset="0"/>
                           </a:rPr>
                           <m:t>𝑆</m:t>
                         </m:r>
@@ -7097,6 +7230,7 @@
                             <a:solidFill>
                               <a:schemeClr val="tx1"/>
                             </a:solidFill>
+                            <a:latin typeface="Cambria Math" panose="02040503050406030204" pitchFamily="18" charset="0"/>
                           </a:rPr>
                           <m:t>𝑥</m:t>
                         </m:r>
@@ -7105,11 +7239,14 @@
                             <a:solidFill>
                               <a:schemeClr val="tx1"/>
                             </a:solidFill>
+                            <a:latin typeface="Cambria Math" panose="02040503050406030204" pitchFamily="18" charset="0"/>
                           </a:rPr>
                           <m:t>,</m:t>
                         </m:r>
                         <m:r>
-                          <a:rPr lang="en-US" sz="2300" i="1"/>
+                          <a:rPr lang="en-US" sz="2300" i="1">
+                            <a:latin typeface="Cambria Math" panose="02040503050406030204" pitchFamily="18" charset="0"/>
+                          </a:rPr>
                           <m:t>𝑡</m:t>
                         </m:r>
                       </m:sub>
@@ -7123,7 +7260,9 @@
                 <a14:m>
                   <m:oMath xmlns:m="http://schemas.openxmlformats.org/officeDocument/2006/math">
                     <m:r>
-                      <a:rPr lang="en-US" sz="2300" i="1"/>
+                      <a:rPr lang="en-US" sz="2300" i="1">
+                        <a:latin typeface="Cambria Math" panose="02040503050406030204" pitchFamily="18" charset="0"/>
+                      </a:rPr>
                       <m:t>𝑥</m:t>
                     </m:r>
                   </m:oMath>
@@ -7135,7 +7274,9 @@
                 <a14:m>
                   <m:oMath xmlns:m="http://schemas.openxmlformats.org/officeDocument/2006/math">
                     <m:r>
-                      <a:rPr lang="en-US" sz="2300" i="1"/>
+                      <a:rPr lang="en-US" sz="2300" i="1">
+                        <a:latin typeface="Cambria Math" panose="02040503050406030204" pitchFamily="18" charset="0"/>
+                      </a:rPr>
                       <m:t>𝑡</m:t>
                     </m:r>
                   </m:oMath>
@@ -7152,6 +7293,7 @@
                             <a:solidFill>
                               <a:schemeClr val="accent6"/>
                             </a:solidFill>
+                            <a:latin typeface="Cambria Math" panose="02040503050406030204" pitchFamily="18" charset="0"/>
                           </a:rPr>
                         </m:ctrlPr>
                       </m:sSubPr>
@@ -7161,13 +7303,16 @@
                             <a:solidFill>
                               <a:schemeClr val="accent1"/>
                             </a:solidFill>
+                            <a:latin typeface="Cambria Math" panose="02040503050406030204" pitchFamily="18" charset="0"/>
                           </a:rPr>
                           <m:t>𝐼</m:t>
                         </m:r>
                       </m:e>
                       <m:sub>
                         <m:r>
-                          <a:rPr lang="en-US" sz="2300" b="0" i="1" smtClean="0"/>
+                          <a:rPr lang="en-US" sz="2300" b="0" i="1" smtClean="0">
+                            <a:latin typeface="Cambria Math" panose="02040503050406030204" pitchFamily="18" charset="0"/>
+                          </a:rPr>
                           <m:t>𝑡</m:t>
                         </m:r>
                       </m:sub>
@@ -7176,24 +7321,14 @@
                 </a14:m>
                 <a:r>
                   <a:rPr lang="en-US" sz="2300" dirty="0"/>
-                  <a:t> is the gross migration adjustment factor (centered on 1) for age-by-sex </a:t>
+                  <a:t> is the gross migration adjustment factor (centered on 1), at time </a:t>
                 </a:r>
                 <a14:m>
                   <m:oMath xmlns:m="http://schemas.openxmlformats.org/officeDocument/2006/math">
                     <m:r>
-                      <a:rPr lang="en-US" sz="2300" i="1"/>
-                      <m:t>𝑥</m:t>
-                    </m:r>
-                  </m:oMath>
-                </a14:m>
-                <a:r>
-                  <a:rPr lang="en-US" sz="2300" dirty="0"/>
-                  <a:t>, at time </a:t>
-                </a:r>
-                <a14:m>
-                  <m:oMath xmlns:m="http://schemas.openxmlformats.org/officeDocument/2006/math">
-                    <m:r>
-                      <a:rPr lang="en-US" sz="2300" b="0" i="1" smtClean="0"/>
+                      <a:rPr lang="en-US" sz="2300" b="0" i="1" smtClean="0">
+                        <a:latin typeface="Cambria Math" panose="02040503050406030204" pitchFamily="18" charset="0"/>
+                      </a:rPr>
                       <m:t>𝑡</m:t>
                     </m:r>
                   </m:oMath>
@@ -7221,7 +7356,7 @@
             <p:spPr>
               <a:xfrm>
                 <a:off x="85359" y="3590144"/>
-                <a:ext cx="12021278" cy="1987852"/>
+                <a:ext cx="12021278" cy="1924373"/>
               </a:xfrm>
               <a:prstGeom prst="rect">
                 <a:avLst/>
@@ -7229,7 +7364,7 @@
               <a:blipFill>
                 <a:blip r:embed="rId3"/>
                 <a:stretch>
-                  <a:fillRect l="-355" t="-2147" b="-2761"/>
+                  <a:fillRect l="-355" t="-2215" b="-6013"/>
                 </a:stretch>
               </a:blipFill>
             </p:spPr>
@@ -7248,8 +7383,8 @@
           </p:sp>
         </mc:Fallback>
       </mc:AlternateContent>
-      <mc:AlternateContent xmlns:mc="http://schemas.openxmlformats.org/markup-compatibility/2006">
-        <mc:Choice xmlns:a14="http://schemas.microsoft.com/office/drawing/2010/main" Requires="a14">
+      <mc:AlternateContent xmlns:mc="http://schemas.openxmlformats.org/markup-compatibility/2006" xmlns:a14="http://schemas.microsoft.com/office/drawing/2010/main">
+        <mc:Choice Requires="a14">
           <p:sp>
             <p:nvSpPr>
               <p:cNvPr id="9" name="TextBox 8">
@@ -7295,6 +7430,7 @@
                               <a:solidFill>
                                 <a:srgbClr val="C00000"/>
                               </a:solidFill>
+                              <a:latin typeface="Cambria Math" panose="02040503050406030204" pitchFamily="18" charset="0"/>
                             </a:rPr>
                           </m:ctrlPr>
                         </m:sSubPr>
@@ -7304,6 +7440,7 @@
                               <a:solidFill>
                                 <a:srgbClr val="C00000"/>
                               </a:solidFill>
+                              <a:latin typeface="Cambria Math" panose="02040503050406030204" pitchFamily="18" charset="0"/>
                             </a:rPr>
                             <m:t>𝑅𝐴𝑑𝑗</m:t>
                           </m:r>
@@ -7312,6 +7449,7 @@
                               <a:solidFill>
                                 <a:srgbClr val="C00000"/>
                               </a:solidFill>
+                              <a:latin typeface="Cambria Math" panose="02040503050406030204" pitchFamily="18" charset="0"/>
                             </a:rPr>
                             <m:t>𝑍</m:t>
                           </m:r>
@@ -7322,6 +7460,7 @@
                               <a:solidFill>
                                 <a:schemeClr val="tx1"/>
                               </a:solidFill>
+                              <a:latin typeface="Cambria Math" panose="02040503050406030204" pitchFamily="18" charset="0"/>
                             </a:rPr>
                             <m:t>𝑥</m:t>
                           </m:r>
@@ -7330,6 +7469,7 @@
                               <a:solidFill>
                                 <a:schemeClr val="tx1"/>
                               </a:solidFill>
+                              <a:latin typeface="Cambria Math" panose="02040503050406030204" pitchFamily="18" charset="0"/>
                             </a:rPr>
                             <m:t>,  </m:t>
                           </m:r>
@@ -7338,13 +7478,16 @@
                               <a:solidFill>
                                 <a:schemeClr val="tx1"/>
                               </a:solidFill>
+                              <a:latin typeface="Cambria Math" panose="02040503050406030204" pitchFamily="18" charset="0"/>
                             </a:rPr>
                             <m:t>𝑡</m:t>
                           </m:r>
                         </m:sub>
                       </m:sSub>
                       <m:r>
-                        <a:rPr lang="en-US" sz="4200" i="1"/>
+                        <a:rPr lang="en-US" sz="4200" i="1">
+                          <a:latin typeface="Cambria Math" panose="02040503050406030204" pitchFamily="18" charset="0"/>
+                        </a:rPr>
                         <m:t>=</m:t>
                       </m:r>
                       <m:sSub>
@@ -7354,6 +7497,7 @@
                               <a:solidFill>
                                 <a:schemeClr val="tx1"/>
                               </a:solidFill>
+                              <a:latin typeface="Cambria Math" panose="02040503050406030204" pitchFamily="18" charset="0"/>
                             </a:rPr>
                           </m:ctrlPr>
                         </m:sSubPr>
@@ -7363,6 +7507,7 @@
                               <a:solidFill>
                                 <a:schemeClr val="tx1"/>
                               </a:solidFill>
+                              <a:latin typeface="Cambria Math" panose="02040503050406030204" pitchFamily="18" charset="0"/>
                             </a:rPr>
                             <m:t>(</m:t>
                           </m:r>
@@ -7371,6 +7516,7 @@
                               <a:solidFill>
                                 <a:schemeClr val="tx1"/>
                               </a:solidFill>
+                              <a:latin typeface="Cambria Math" panose="02040503050406030204" pitchFamily="18" charset="0"/>
                             </a:rPr>
                             <m:t>𝑅</m:t>
                           </m:r>
@@ -7381,6 +7527,7 @@
                               <a:solidFill>
                                 <a:schemeClr val="tx1"/>
                               </a:solidFill>
+                              <a:latin typeface="Cambria Math" panose="02040503050406030204" pitchFamily="18" charset="0"/>
                             </a:rPr>
                             <m:t>𝑥</m:t>
                           </m:r>
@@ -7389,6 +7536,7 @@
                               <a:solidFill>
                                 <a:schemeClr val="tx1"/>
                               </a:solidFill>
+                              <a:latin typeface="Cambria Math" panose="02040503050406030204" pitchFamily="18" charset="0"/>
                             </a:rPr>
                             <m:t>,  </m:t>
                           </m:r>
@@ -7397,6 +7545,7 @@
                               <a:solidFill>
                                 <a:schemeClr val="tx1"/>
                               </a:solidFill>
+                              <a:latin typeface="Cambria Math" panose="02040503050406030204" pitchFamily="18" charset="0"/>
                             </a:rPr>
                             <m:t>𝑡</m:t>
                           </m:r>
@@ -7407,6 +7556,7 @@
                           <a:solidFill>
                             <a:schemeClr val="tx1"/>
                           </a:solidFill>
+                          <a:latin typeface="Cambria Math" panose="02040503050406030204" pitchFamily="18" charset="0"/>
                         </a:rPr>
                         <m:t>−</m:t>
                       </m:r>
@@ -7417,6 +7567,7 @@
                               <a:solidFill>
                                 <a:schemeClr val="accent6"/>
                               </a:solidFill>
+                              <a:latin typeface="Cambria Math" panose="02040503050406030204" pitchFamily="18" charset="0"/>
                             </a:rPr>
                           </m:ctrlPr>
                         </m:sSubPr>
@@ -7426,17 +7577,22 @@
                               <a:solidFill>
                                 <a:schemeClr val="accent6"/>
                               </a:solidFill>
+                              <a:latin typeface="Cambria Math" panose="02040503050406030204" pitchFamily="18" charset="0"/>
                             </a:rPr>
                             <m:t>𝑆</m:t>
                           </m:r>
                         </m:e>
                         <m:sub>
                           <m:r>
-                            <a:rPr lang="en-US" sz="4200" i="1"/>
+                            <a:rPr lang="en-US" sz="4200" i="1">
+                              <a:latin typeface="Cambria Math" panose="02040503050406030204" pitchFamily="18" charset="0"/>
+                            </a:rPr>
                             <m:t>𝑥</m:t>
                           </m:r>
                           <m:r>
-                            <a:rPr lang="en-US" sz="4200" i="1"/>
+                            <a:rPr lang="en-US" sz="4200" i="1">
+                              <a:latin typeface="Cambria Math" panose="02040503050406030204" pitchFamily="18" charset="0"/>
+                            </a:rPr>
                             <m:t>,0</m:t>
                           </m:r>
                         </m:sub>
@@ -7446,11 +7602,14 @@
                           <a:solidFill>
                             <a:schemeClr val="tx1"/>
                           </a:solidFill>
+                          <a:latin typeface="Cambria Math" panose="02040503050406030204" pitchFamily="18" charset="0"/>
                         </a:rPr>
                         <m:t>)</m:t>
                       </m:r>
                       <m:r>
-                        <a:rPr lang="en-US" sz="4200"/>
+                        <a:rPr lang="en-US" sz="4200">
+                          <a:latin typeface="Cambria Math" panose="02040503050406030204" pitchFamily="18" charset="0"/>
+                        </a:rPr>
                         <m:t>⋅</m:t>
                       </m:r>
                       <m:sSub>
@@ -7460,6 +7619,7 @@
                               <a:solidFill>
                                 <a:srgbClr val="836967"/>
                               </a:solidFill>
+                              <a:latin typeface="Cambria Math" panose="02040503050406030204" pitchFamily="18" charset="0"/>
                             </a:rPr>
                           </m:ctrlPr>
                         </m:sSubPr>
@@ -7469,19 +7629,24 @@
                               <a:solidFill>
                                 <a:schemeClr val="accent1"/>
                               </a:solidFill>
+                              <a:latin typeface="Cambria Math" panose="02040503050406030204" pitchFamily="18" charset="0"/>
                             </a:rPr>
                             <m:t>𝐼</m:t>
                           </m:r>
                         </m:e>
                         <m:sub>
                           <m:r>
-                            <a:rPr lang="en-US" sz="4200" i="1" dirty="0"/>
+                            <a:rPr lang="en-US" sz="4200" i="1" dirty="0">
+                              <a:latin typeface="Cambria Math" panose="02040503050406030204" pitchFamily="18" charset="0"/>
+                            </a:rPr>
                             <m:t>𝑡</m:t>
                           </m:r>
                         </m:sub>
                       </m:sSub>
                       <m:r>
-                        <a:rPr lang="en-US" sz="4200" dirty="0" smtClean="0"/>
+                        <a:rPr lang="en-US" sz="4200" dirty="0" smtClean="0">
+                          <a:latin typeface="Cambria Math" panose="02040503050406030204" pitchFamily="18" charset="0"/>
+                        </a:rPr>
                         <m:t>+</m:t>
                       </m:r>
                       <m:sSub>
@@ -7491,6 +7656,7 @@
                               <a:solidFill>
                                 <a:schemeClr val="accent6"/>
                               </a:solidFill>
+                              <a:latin typeface="Cambria Math" panose="02040503050406030204" pitchFamily="18" charset="0"/>
                             </a:rPr>
                           </m:ctrlPr>
                         </m:sSubPr>
@@ -7500,21 +7666,28 @@
                               <a:solidFill>
                                 <a:schemeClr val="accent6"/>
                               </a:solidFill>
+                              <a:latin typeface="Cambria Math" panose="02040503050406030204" pitchFamily="18" charset="0"/>
                             </a:rPr>
                             <m:t>𝑆</m:t>
                           </m:r>
                         </m:e>
                         <m:sub>
                           <m:r>
-                            <a:rPr lang="en-US" sz="4200" i="1"/>
+                            <a:rPr lang="en-US" sz="4200" i="1">
+                              <a:latin typeface="Cambria Math" panose="02040503050406030204" pitchFamily="18" charset="0"/>
+                            </a:rPr>
                             <m:t>𝑥</m:t>
                           </m:r>
                           <m:r>
-                            <a:rPr lang="en-US" sz="4200" i="1"/>
+                            <a:rPr lang="en-US" sz="4200" i="1">
+                              <a:latin typeface="Cambria Math" panose="02040503050406030204" pitchFamily="18" charset="0"/>
+                            </a:rPr>
                             <m:t>,</m:t>
                           </m:r>
                           <m:r>
-                            <a:rPr lang="en-US" sz="4200" i="1"/>
+                            <a:rPr lang="en-US" sz="4200" i="1">
+                              <a:latin typeface="Cambria Math" panose="02040503050406030204" pitchFamily="18" charset="0"/>
+                            </a:rPr>
                             <m:t>𝑡</m:t>
                           </m:r>
                         </m:sub>
@@ -7527,7 +7700,7 @@
             </p:txBody>
           </p:sp>
         </mc:Choice>
-        <mc:Fallback>
+        <mc:Fallback xmlns="">
           <p:sp>
             <p:nvSpPr>
               <p:cNvPr id="9" name="TextBox 8">
@@ -7605,8 +7778,8 @@
           <a:chExt cx="0" cy="0"/>
         </a:xfrm>
       </p:grpSpPr>
-      <mc:AlternateContent xmlns:mc="http://schemas.openxmlformats.org/markup-compatibility/2006">
-        <mc:Choice xmlns:a14="http://schemas.microsoft.com/office/drawing/2010/main" Requires="a14">
+      <mc:AlternateContent xmlns:mc="http://schemas.openxmlformats.org/markup-compatibility/2006" xmlns:a14="http://schemas.microsoft.com/office/drawing/2010/main">
+        <mc:Choice Requires="a14">
           <p:sp>
             <p:nvSpPr>
               <p:cNvPr id="7" name="TextBox 6">
@@ -7644,6 +7817,7 @@
                             <a:solidFill>
                               <a:srgbClr val="C00000"/>
                             </a:solidFill>
+                            <a:latin typeface="Cambria Math" panose="02040503050406030204" pitchFamily="18" charset="0"/>
                           </a:rPr>
                         </m:ctrlPr>
                       </m:sSubPr>
@@ -7653,6 +7827,7 @@
                             <a:solidFill>
                               <a:srgbClr val="C00000"/>
                             </a:solidFill>
+                            <a:latin typeface="Cambria Math" panose="02040503050406030204" pitchFamily="18" charset="0"/>
                           </a:rPr>
                           <m:t>𝑁</m:t>
                         </m:r>
@@ -7663,6 +7838,7 @@
                             <a:solidFill>
                               <a:schemeClr val="tx1"/>
                             </a:solidFill>
+                            <a:latin typeface="Cambria Math" panose="02040503050406030204" pitchFamily="18" charset="0"/>
                           </a:rPr>
                           <m:t>𝑥</m:t>
                         </m:r>
@@ -7671,6 +7847,7 @@
                             <a:solidFill>
                               <a:schemeClr val="tx1"/>
                             </a:solidFill>
+                            <a:latin typeface="Cambria Math" panose="02040503050406030204" pitchFamily="18" charset="0"/>
                           </a:rPr>
                           <m:t>,</m:t>
                         </m:r>
@@ -7679,6 +7856,7 @@
                             <a:solidFill>
                               <a:schemeClr val="tx1"/>
                             </a:solidFill>
+                            <a:latin typeface="Cambria Math" panose="02040503050406030204" pitchFamily="18" charset="0"/>
                           </a:rPr>
                           <m:t>𝑡</m:t>
                         </m:r>
@@ -7689,6 +7867,7 @@
                         <a:solidFill>
                           <a:srgbClr val="C00000"/>
                         </a:solidFill>
+                        <a:latin typeface="Cambria Math" panose="02040503050406030204" pitchFamily="18" charset="0"/>
                       </a:rPr>
                       <m:t> </m:t>
                     </m:r>
@@ -7713,6 +7892,7 @@
                         <a:solidFill>
                           <a:schemeClr val="tx1"/>
                         </a:solidFill>
+                        <a:latin typeface="Cambria Math" panose="02040503050406030204" pitchFamily="18" charset="0"/>
                       </a:rPr>
                       <m:t>𝑥</m:t>
                     </m:r>
@@ -7733,6 +7913,7 @@
                         <a:solidFill>
                           <a:schemeClr val="tx1"/>
                         </a:solidFill>
+                        <a:latin typeface="Cambria Math" panose="02040503050406030204" pitchFamily="18" charset="0"/>
                       </a:rPr>
                       <m:t>𝑡</m:t>
                     </m:r>
@@ -7754,6 +7935,7 @@
                             <a:solidFill>
                               <a:schemeClr val="accent1"/>
                             </a:solidFill>
+                            <a:latin typeface="Cambria Math" panose="02040503050406030204" pitchFamily="18" charset="0"/>
                           </a:rPr>
                         </m:ctrlPr>
                       </m:sSubPr>
@@ -7763,13 +7945,16 @@
                             <a:solidFill>
                               <a:schemeClr val="tx1"/>
                             </a:solidFill>
+                            <a:latin typeface="Cambria Math" panose="02040503050406030204" pitchFamily="18" charset="0"/>
                           </a:rPr>
                           <m:t>𝐴𝑑𝑗</m:t>
                         </m:r>
                       </m:e>
                       <m:sub>
                         <m:r>
-                          <a:rPr lang="en-US" sz="2300" i="1"/>
+                          <a:rPr lang="en-US" sz="2300" i="1">
+                            <a:latin typeface="Cambria Math" panose="02040503050406030204" pitchFamily="18" charset="0"/>
+                          </a:rPr>
                           <m:t>𝑡</m:t>
                         </m:r>
                       </m:sub>
@@ -7783,7 +7968,9 @@
                 <a14:m>
                   <m:oMath xmlns:m="http://schemas.openxmlformats.org/officeDocument/2006/math">
                     <m:r>
-                      <a:rPr lang="en-US" sz="2300" i="1"/>
+                      <a:rPr lang="en-US" sz="2300" i="1">
+                        <a:latin typeface="Cambria Math" panose="02040503050406030204" pitchFamily="18" charset="0"/>
+                      </a:rPr>
                       <m:t>𝑡</m:t>
                     </m:r>
                   </m:oMath>
@@ -7800,6 +7987,7 @@
                             <a:solidFill>
                               <a:schemeClr val="accent1"/>
                             </a:solidFill>
+                            <a:latin typeface="Cambria Math" panose="02040503050406030204" pitchFamily="18" charset="0"/>
                           </a:rPr>
                         </m:ctrlPr>
                       </m:sSubPr>
@@ -7809,13 +7997,16 @@
                             <a:solidFill>
                               <a:schemeClr val="accent6"/>
                             </a:solidFill>
+                            <a:latin typeface="Cambria Math" panose="02040503050406030204" pitchFamily="18" charset="0"/>
                           </a:rPr>
                           <m:t>𝐾</m:t>
                         </m:r>
                       </m:e>
                       <m:sub>
                         <m:r>
-                          <a:rPr lang="en-US" sz="2300" i="1"/>
+                          <a:rPr lang="en-US" sz="2300" i="1">
+                            <a:latin typeface="Cambria Math" panose="02040503050406030204" pitchFamily="18" charset="0"/>
+                          </a:rPr>
                           <m:t>𝑡</m:t>
                         </m:r>
                       </m:sub>
@@ -7829,7 +8020,9 @@
                 <a14:m>
                   <m:oMath xmlns:m="http://schemas.openxmlformats.org/officeDocument/2006/math">
                     <m:r>
-                      <a:rPr lang="en-US" sz="2300" i="1"/>
+                      <a:rPr lang="en-US" sz="2300" i="1">
+                        <a:latin typeface="Cambria Math" panose="02040503050406030204" pitchFamily="18" charset="0"/>
+                      </a:rPr>
                       <m:t>𝑡</m:t>
                     </m:r>
                   </m:oMath>
@@ -7846,6 +8039,7 @@
                             <a:solidFill>
                               <a:schemeClr val="accent6"/>
                             </a:solidFill>
+                            <a:latin typeface="Cambria Math" panose="02040503050406030204" pitchFamily="18" charset="0"/>
                           </a:rPr>
                         </m:ctrlPr>
                       </m:sSubPr>
@@ -7855,21 +8049,28 @@
                             <a:solidFill>
                               <a:schemeClr val="accent1"/>
                             </a:solidFill>
+                            <a:latin typeface="Cambria Math" panose="02040503050406030204" pitchFamily="18" charset="0"/>
                           </a:rPr>
                           <m:t>𝐺</m:t>
                         </m:r>
                       </m:e>
                       <m:sub>
                         <m:r>
-                          <a:rPr lang="en-US" sz="2300" i="1"/>
+                          <a:rPr lang="en-US" sz="2300" i="1">
+                            <a:latin typeface="Cambria Math" panose="02040503050406030204" pitchFamily="18" charset="0"/>
+                          </a:rPr>
                           <m:t>𝑥</m:t>
                         </m:r>
                         <m:r>
-                          <a:rPr lang="en-US" sz="2300" i="1"/>
+                          <a:rPr lang="en-US" sz="2300" i="1">
+                            <a:latin typeface="Cambria Math" panose="02040503050406030204" pitchFamily="18" charset="0"/>
+                          </a:rPr>
                           <m:t>,</m:t>
                         </m:r>
                         <m:r>
-                          <a:rPr lang="en-US" sz="2300" i="1"/>
+                          <a:rPr lang="en-US" sz="2300" i="1">
+                            <a:latin typeface="Cambria Math" panose="02040503050406030204" pitchFamily="18" charset="0"/>
+                          </a:rPr>
                           <m:t>𝑡</m:t>
                         </m:r>
                       </m:sub>
@@ -7884,7 +8085,7 @@
             </p:txBody>
           </p:sp>
         </mc:Choice>
-        <mc:Fallback>
+        <mc:Fallback xmlns="">
           <p:sp>
             <p:nvSpPr>
               <p:cNvPr id="7" name="TextBox 6">
@@ -7929,8 +8130,8 @@
           </p:sp>
         </mc:Fallback>
       </mc:AlternateContent>
-      <mc:AlternateContent xmlns:mc="http://schemas.openxmlformats.org/markup-compatibility/2006">
-        <mc:Choice xmlns:a14="http://schemas.microsoft.com/office/drawing/2010/main" Requires="a14">
+      <mc:AlternateContent xmlns:mc="http://schemas.openxmlformats.org/markup-compatibility/2006" xmlns:a14="http://schemas.microsoft.com/office/drawing/2010/main">
+        <mc:Choice Requires="a14">
           <p:sp>
             <p:nvSpPr>
               <p:cNvPr id="8" name="TextBox 7">
@@ -7976,6 +8177,7 @@
                               <a:solidFill>
                                 <a:srgbClr val="C00000"/>
                               </a:solidFill>
+                              <a:latin typeface="Cambria Math" panose="02040503050406030204" pitchFamily="18" charset="0"/>
                             </a:rPr>
                           </m:ctrlPr>
                         </m:sSubPr>
@@ -7985,6 +8187,7 @@
                               <a:solidFill>
                                 <a:srgbClr val="C00000"/>
                               </a:solidFill>
+                              <a:latin typeface="Cambria Math" panose="02040503050406030204" pitchFamily="18" charset="0"/>
                             </a:rPr>
                             <m:t>𝑁</m:t>
                           </m:r>
@@ -7995,6 +8198,7 @@
                               <a:solidFill>
                                 <a:schemeClr val="tx1"/>
                               </a:solidFill>
+                              <a:latin typeface="Cambria Math" panose="02040503050406030204" pitchFamily="18" charset="0"/>
                             </a:rPr>
                             <m:t>𝑥</m:t>
                           </m:r>
@@ -8003,6 +8207,7 @@
                               <a:solidFill>
                                 <a:schemeClr val="tx1"/>
                               </a:solidFill>
+                              <a:latin typeface="Cambria Math" panose="02040503050406030204" pitchFamily="18" charset="0"/>
                             </a:rPr>
                             <m:t>,  </m:t>
                           </m:r>
@@ -8011,13 +8216,16 @@
                               <a:solidFill>
                                 <a:schemeClr val="tx1"/>
                               </a:solidFill>
+                              <a:latin typeface="Cambria Math" panose="02040503050406030204" pitchFamily="18" charset="0"/>
                             </a:rPr>
                             <m:t>𝑡</m:t>
                           </m:r>
                         </m:sub>
                       </m:sSub>
                       <m:r>
-                        <a:rPr lang="en-US" sz="4200" i="1"/>
+                        <a:rPr lang="en-US" sz="4200" i="1">
+                          <a:latin typeface="Cambria Math" panose="02040503050406030204" pitchFamily="18" charset="0"/>
+                        </a:rPr>
                         <m:t>=</m:t>
                       </m:r>
                       <m:sSub>
@@ -8027,6 +8235,7 @@
                               <a:solidFill>
                                 <a:srgbClr val="C00000"/>
                               </a:solidFill>
+                              <a:latin typeface="Cambria Math" panose="02040503050406030204" pitchFamily="18" charset="0"/>
                             </a:rPr>
                           </m:ctrlPr>
                         </m:sSubPr>
@@ -8036,19 +8245,24 @@
                               <a:solidFill>
                                 <a:schemeClr val="tx1"/>
                               </a:solidFill>
+                              <a:latin typeface="Cambria Math" panose="02040503050406030204" pitchFamily="18" charset="0"/>
                             </a:rPr>
                             <m:t>𝐴𝑑𝑗</m:t>
                           </m:r>
                         </m:e>
                         <m:sub>
                           <m:r>
-                            <a:rPr lang="en-US" sz="4200" i="1"/>
+                            <a:rPr lang="en-US" sz="4200" i="1">
+                              <a:latin typeface="Cambria Math" panose="02040503050406030204" pitchFamily="18" charset="0"/>
+                            </a:rPr>
                             <m:t>𝑡</m:t>
                           </m:r>
                         </m:sub>
                       </m:sSub>
                       <m:r>
-                        <a:rPr lang="en-US" sz="4200"/>
+                        <a:rPr lang="en-US" sz="4200">
+                          <a:latin typeface="Cambria Math" panose="02040503050406030204" pitchFamily="18" charset="0"/>
+                        </a:rPr>
                         <m:t>⋅</m:t>
                       </m:r>
                       <m:sSub>
@@ -8058,6 +8272,7 @@
                               <a:solidFill>
                                 <a:schemeClr val="accent1"/>
                               </a:solidFill>
+                              <a:latin typeface="Cambria Math" panose="02040503050406030204" pitchFamily="18" charset="0"/>
                             </a:rPr>
                           </m:ctrlPr>
                         </m:sSubPr>
@@ -8067,6 +8282,7 @@
                               <a:solidFill>
                                 <a:schemeClr val="accent6"/>
                               </a:solidFill>
+                              <a:latin typeface="Cambria Math" panose="02040503050406030204" pitchFamily="18" charset="0"/>
                             </a:rPr>
                             <m:t>𝐾</m:t>
                           </m:r>
@@ -8077,13 +8293,16 @@
                               <a:solidFill>
                                 <a:schemeClr val="tx1"/>
                               </a:solidFill>
+                              <a:latin typeface="Cambria Math" panose="02040503050406030204" pitchFamily="18" charset="0"/>
                             </a:rPr>
                             <m:t>𝑡</m:t>
                           </m:r>
                         </m:sub>
                       </m:sSub>
                       <m:r>
-                        <a:rPr lang="en-US" sz="4200"/>
+                        <a:rPr lang="en-US" sz="4200">
+                          <a:latin typeface="Cambria Math" panose="02040503050406030204" pitchFamily="18" charset="0"/>
+                        </a:rPr>
                         <m:t>⋅</m:t>
                       </m:r>
                       <m:sSub>
@@ -8093,6 +8312,7 @@
                               <a:solidFill>
                                 <a:schemeClr val="accent6"/>
                               </a:solidFill>
+                              <a:latin typeface="Cambria Math" panose="02040503050406030204" pitchFamily="18" charset="0"/>
                             </a:rPr>
                           </m:ctrlPr>
                         </m:sSubPr>
@@ -8102,21 +8322,28 @@
                               <a:solidFill>
                                 <a:schemeClr val="accent1"/>
                               </a:solidFill>
+                              <a:latin typeface="Cambria Math" panose="02040503050406030204" pitchFamily="18" charset="0"/>
                             </a:rPr>
                             <m:t>𝐺</m:t>
                           </m:r>
                         </m:e>
                         <m:sub>
                           <m:r>
-                            <a:rPr lang="en-US" sz="4200" i="1"/>
+                            <a:rPr lang="en-US" sz="4200" i="1">
+                              <a:latin typeface="Cambria Math" panose="02040503050406030204" pitchFamily="18" charset="0"/>
+                            </a:rPr>
                             <m:t>𝑥</m:t>
                           </m:r>
                           <m:r>
-                            <a:rPr lang="en-US" sz="4200" i="1" smtClean="0"/>
+                            <a:rPr lang="en-US" sz="4200" i="1" smtClean="0">
+                              <a:latin typeface="Cambria Math" panose="02040503050406030204" pitchFamily="18" charset="0"/>
+                            </a:rPr>
                             <m:t>,</m:t>
                           </m:r>
                           <m:r>
-                            <a:rPr lang="en-US" sz="4200" i="1" smtClean="0"/>
+                            <a:rPr lang="en-US" sz="4200" i="1" smtClean="0">
+                              <a:latin typeface="Cambria Math" panose="02040503050406030204" pitchFamily="18" charset="0"/>
+                            </a:rPr>
                             <m:t>𝑡</m:t>
                           </m:r>
                         </m:sub>
@@ -8129,7 +8356,7 @@
             </p:txBody>
           </p:sp>
         </mc:Choice>
-        <mc:Fallback>
+        <mc:Fallback xmlns="">
           <p:sp>
             <p:nvSpPr>
               <p:cNvPr id="8" name="TextBox 7">
